--- a/99-各类材料/0-比赛材料/1-2024年挑战杯/1-PPT/PPT.pptx
+++ b/99-各类材料/0-比赛材料/1-2024年挑战杯/1-PPT/PPT.pptx
@@ -121,6 +121,14 @@
 <file path=ppt/slideLayouts/slideLayout1.xml><?xml version="1.0" encoding="utf-8"?>
 <p:sldLayout xmlns:a="http://schemas.openxmlformats.org/drawingml/2006/main" xmlns:r="http://schemas.openxmlformats.org/officeDocument/2006/relationships" xmlns:p="http://schemas.openxmlformats.org/presentationml/2006/main" preserve="1" userDrawn="1">
   <p:cSld name="标题幻灯片">
+    <p:bg>
+      <p:bgPr>
+        <a:solidFill>
+          <a:schemeClr val="bg2"/>
+        </a:solidFill>
+        <a:effectLst/>
+      </p:bgPr>
+    </p:bg>
     <p:spTree>
       <p:nvGrpSpPr>
         <p:cNvPr id="1" name=""/>
@@ -135,32 +143,96 @@
           <a:chExt cx="0" cy="0"/>
         </a:xfrm>
       </p:grpSpPr>
-      <p:pic>
-        <p:nvPicPr>
-          <p:cNvPr id="5" name="图片 4"/>
-          <p:cNvPicPr/>
-          <p:nvPr userDrawn="1">
-            <p:custDataLst>
-              <p:tags r:id="rId2"/>
-            </p:custDataLst>
-          </p:nvPr>
-        </p:nvPicPr>
-        <p:blipFill>
-          <a:blip r:embed="rId3" r:link="rId4" cstate="email"/>
-          <a:stretch>
-            <a:fillRect/>
-          </a:stretch>
-        </p:blipFill>
+      <p:sp>
+        <p:nvSpPr>
+          <p:cNvPr id="4" name="任意多边形 3"/>
+          <p:cNvSpPr/>
+          <p:nvPr userDrawn="1"/>
+        </p:nvSpPr>
         <p:spPr>
           <a:xfrm>
-            <a:off x="0" y="0"/>
-            <a:ext cx="12192000" cy="6858000"/>
+            <a:off x="19050" y="-19685"/>
+            <a:ext cx="12172950" cy="6870700"/>
           </a:xfrm>
-          <a:prstGeom prst="rect">
+          <a:custGeom>
             <a:avLst/>
-          </a:prstGeom>
+            <a:gdLst/>
+            <a:ahLst/>
+            <a:cxnLst>
+              <a:cxn ang="3cd4">
+                <a:pos x="hc" y="t"/>
+              </a:cxn>
+              <a:cxn ang="cd2">
+                <a:pos x="l" y="vc"/>
+              </a:cxn>
+              <a:cxn ang="cd4">
+                <a:pos x="hc" y="b"/>
+              </a:cxn>
+              <a:cxn ang="0">
+                <a:pos x="r" y="vc"/>
+              </a:cxn>
+            </a:cxnLst>
+            <a:rect l="l" t="t" r="r" b="b"/>
+            <a:pathLst>
+              <a:path w="19170" h="10820">
+                <a:moveTo>
+                  <a:pt x="0" y="0"/>
+                </a:moveTo>
+                <a:lnTo>
+                  <a:pt x="19170" y="0"/>
+                </a:lnTo>
+                <a:lnTo>
+                  <a:pt x="19170" y="7490"/>
+                </a:lnTo>
+                <a:lnTo>
+                  <a:pt x="12813" y="7490"/>
+                </a:lnTo>
+                <a:lnTo>
+                  <a:pt x="12813" y="10820"/>
+                </a:lnTo>
+                <a:lnTo>
+                  <a:pt x="0" y="10820"/>
+                </a:lnTo>
+                <a:lnTo>
+                  <a:pt x="0" y="0"/>
+                </a:lnTo>
+                <a:close/>
+              </a:path>
+            </a:pathLst>
+          </a:custGeom>
+          <a:solidFill>
+            <a:srgbClr val="FBFCFC"/>
+          </a:solidFill>
+          <a:ln>
+            <a:noFill/>
+          </a:ln>
         </p:spPr>
-      </p:pic>
+        <p:style>
+          <a:lnRef idx="2">
+            <a:schemeClr val="accent1">
+              <a:lumMod val="75000"/>
+            </a:schemeClr>
+          </a:lnRef>
+          <a:fillRef idx="1">
+            <a:schemeClr val="accent1"/>
+          </a:fillRef>
+          <a:effectRef idx="0">
+            <a:srgbClr val="FFFFFF"/>
+          </a:effectRef>
+          <a:fontRef idx="minor">
+            <a:schemeClr val="lt1"/>
+          </a:fontRef>
+        </p:style>
+        <p:txBody>
+          <a:bodyPr wrap="square" rtlCol="0" anchor="ctr">
+            <a:noAutofit/>
+          </a:bodyPr>
+          <a:p>
+            <a:pPr algn="ctr"/>
+            <a:endParaRPr lang="zh-CN" altLang="en-US"/>
+          </a:p>
+        </p:txBody>
+      </p:sp>
       <p:sp>
         <p:nvSpPr>
           <p:cNvPr id="16" name="日期占位符 15"/>
@@ -170,7 +242,7 @@
           <p:nvPr>
             <p:ph type="dt" sz="half" idx="10"/>
             <p:custDataLst>
-              <p:tags r:id="rId5"/>
+              <p:tags r:id="rId2"/>
             </p:custDataLst>
           </p:nvPr>
         </p:nvSpPr>
@@ -204,7 +276,7 @@
           <p:nvPr>
             <p:ph type="ftr" sz="quarter" idx="11"/>
             <p:custDataLst>
-              <p:tags r:id="rId6"/>
+              <p:tags r:id="rId3"/>
             </p:custDataLst>
           </p:nvPr>
         </p:nvSpPr>
@@ -235,7 +307,7 @@
           <p:nvPr>
             <p:ph type="sldNum" sz="quarter" idx="12"/>
             <p:custDataLst>
-              <p:tags r:id="rId7"/>
+              <p:tags r:id="rId4"/>
             </p:custDataLst>
           </p:nvPr>
         </p:nvSpPr>
@@ -269,7 +341,7 @@
           <p:nvPr>
             <p:ph type="title" hasCustomPrompt="1"/>
             <p:custDataLst>
-              <p:tags r:id="rId8"/>
+              <p:tags r:id="rId5"/>
             </p:custDataLst>
           </p:nvPr>
         </p:nvSpPr>
@@ -278,6 +350,9 @@
             <a:off x="2229742" y="2647331"/>
             <a:ext cx="4825366" cy="984018"/>
           </a:xfrm>
+          <a:prstGeom prst="rect">
+            <a:avLst/>
+          </a:prstGeom>
         </p:spPr>
         <p:txBody>
           <a:bodyPr anchor="b">
@@ -309,7 +384,7 @@
           <p:nvPr>
             <p:ph type="body" sz="quarter" idx="13" hasCustomPrompt="1"/>
             <p:custDataLst>
-              <p:tags r:id="rId9"/>
+              <p:tags r:id="rId6"/>
             </p:custDataLst>
           </p:nvPr>
         </p:nvSpPr>
@@ -345,6 +420,30 @@
           </a:p>
         </p:txBody>
       </p:sp>
+      <p:pic>
+        <p:nvPicPr>
+          <p:cNvPr id="13" name="图片 12" descr="图片2"/>
+          <p:cNvPicPr>
+            <a:picLocks noChangeAspect="1"/>
+          </p:cNvPicPr>
+          <p:nvPr userDrawn="1"/>
+        </p:nvPicPr>
+        <p:blipFill>
+          <a:blip r:embed="rId7"/>
+          <a:stretch>
+            <a:fillRect/>
+          </a:stretch>
+        </p:blipFill>
+        <p:spPr>
+          <a:xfrm>
+            <a:off x="0" y="-19685"/>
+            <a:ext cx="12192000" cy="6877685"/>
+          </a:xfrm>
+          <a:prstGeom prst="rect">
+            <a:avLst/>
+          </a:prstGeom>
+        </p:spPr>
+      </p:pic>
     </p:spTree>
   </p:cSld>
   <p:clrMapOvr>
@@ -865,6 +964,9 @@
             <a:off x="2771610" y="2675467"/>
             <a:ext cx="4824670" cy="1083614"/>
           </a:xfrm>
+          <a:prstGeom prst="rect">
+            <a:avLst/>
+          </a:prstGeom>
         </p:spPr>
         <p:txBody>
           <a:bodyPr anchor="b">
@@ -977,7 +1079,15 @@
             </p:custDataLst>
           </p:nvPr>
         </p:nvSpPr>
-        <p:spPr/>
+        <p:spPr>
+          <a:xfrm>
+            <a:off x="342857" y="591820"/>
+            <a:ext cx="10852237" cy="441964"/>
+          </a:xfrm>
+          <a:prstGeom prst="rect">
+            <a:avLst/>
+          </a:prstGeom>
+        </p:spPr>
         <p:txBody>
           <a:bodyPr wrap="square">
             <a:normAutofit/>
@@ -1138,17 +1248,906 @@
         </p:nvSpPr>
         <p:spPr>
           <a:xfrm>
-            <a:off x="292075" y="303809"/>
+            <a:off x="412725" y="416839"/>
             <a:ext cx="11607851" cy="6250382"/>
           </a:xfrm>
           <a:prstGeom prst="rect">
             <a:avLst/>
           </a:prstGeom>
           <a:solidFill>
-            <a:schemeClr val="tx2">
-              <a:lumMod val="10000"/>
-              <a:lumOff val="90000"/>
+            <a:srgbClr val="FEDF82">
+              <a:alpha val="17000"/>
+            </a:srgbClr>
+          </a:solidFill>
+          <a:ln w="12700" cap="flat" cmpd="sng" algn="ctr">
+            <a:noFill/>
+            <a:prstDash val="solid"/>
+            <a:miter lim="800000"/>
+          </a:ln>
+          <a:effectLst>
+            <a:softEdge rad="520700"/>
+          </a:effectLst>
+        </p:spPr>
+        <p:style>
+          <a:lnRef idx="2">
+            <a:schemeClr val="accent1">
+              <a:shade val="50000"/>
             </a:schemeClr>
+          </a:lnRef>
+          <a:fillRef idx="1">
+            <a:schemeClr val="accent1"/>
+          </a:fillRef>
+          <a:effectRef idx="0">
+            <a:schemeClr val="accent1"/>
+          </a:effectRef>
+          <a:fontRef idx="minor">
+            <a:schemeClr val="lt1"/>
+          </a:fontRef>
+        </p:style>
+        <p:txBody>
+          <a:bodyPr wrap="square" rtlCol="0" anchor="ctr">
+            <a:normAutofit/>
+          </a:bodyPr>
+          <a:lstStyle/>
+          <a:p>
+            <a:pPr algn="ctr"/>
+            <a:endParaRPr lang="zh-CN" altLang="en-US"/>
+          </a:p>
+        </p:txBody>
+      </p:sp>
+      <p:pic>
+        <p:nvPicPr>
+          <p:cNvPr id="9" name="图片 8"/>
+          <p:cNvPicPr/>
+          <p:nvPr userDrawn="1">
+            <p:custDataLst>
+              <p:tags r:id="rId3"/>
+            </p:custDataLst>
+          </p:nvPr>
+        </p:nvPicPr>
+        <p:blipFill>
+          <a:blip r:embed="rId4" r:link="rId5" cstate="email"/>
+          <a:stretch>
+            <a:fillRect/>
+          </a:stretch>
+        </p:blipFill>
+        <p:spPr>
+          <a:xfrm>
+            <a:off x="0" y="0"/>
+            <a:ext cx="720090" cy="611505"/>
+          </a:xfrm>
+          <a:prstGeom prst="rect">
+            <a:avLst/>
+          </a:prstGeom>
+        </p:spPr>
+      </p:pic>
+      <p:pic>
+        <p:nvPicPr>
+          <p:cNvPr id="8" name="图片 7"/>
+          <p:cNvPicPr/>
+          <p:nvPr userDrawn="1">
+            <p:custDataLst>
+              <p:tags r:id="rId6"/>
+            </p:custDataLst>
+          </p:nvPr>
+        </p:nvPicPr>
+        <p:blipFill>
+          <a:blip r:embed="rId7" r:link="rId8" cstate="email"/>
+          <a:stretch>
+            <a:fillRect/>
+          </a:stretch>
+        </p:blipFill>
+        <p:spPr>
+          <a:xfrm>
+            <a:off x="11471910" y="0"/>
+            <a:ext cx="720090" cy="682625"/>
+          </a:xfrm>
+          <a:prstGeom prst="rect">
+            <a:avLst/>
+          </a:prstGeom>
+        </p:spPr>
+      </p:pic>
+      <p:sp>
+        <p:nvSpPr>
+          <p:cNvPr id="2" name="标题 1"/>
+          <p:cNvSpPr>
+            <a:spLocks noGrp="1"/>
+          </p:cNvSpPr>
+          <p:nvPr>
+            <p:ph type="title" hasCustomPrompt="1"/>
+            <p:custDataLst>
+              <p:tags r:id="rId9"/>
+            </p:custDataLst>
+          </p:nvPr>
+        </p:nvSpPr>
+        <p:spPr>
+          <a:xfrm>
+            <a:off x="1281600" y="1249200"/>
+            <a:ext cx="9626400" cy="723600"/>
+          </a:xfrm>
+          <a:prstGeom prst="rect">
+            <a:avLst/>
+          </a:prstGeom>
+        </p:spPr>
+        <p:txBody>
+          <a:bodyPr wrap="square" anchor="ctr">
+            <a:normAutofit/>
+          </a:bodyPr>
+          <a:lstStyle>
+            <a:lvl1pPr>
+              <a:defRPr sz="3200" baseline="0">
+                <a:solidFill>
+                  <a:schemeClr val="tx1"/>
+                </a:solidFill>
+                <a:latin typeface="Arial" panose="020B0604020202020204" pitchFamily="34" charset="0"/>
+                <a:ea typeface="微软雅黑" panose="020B0503020204020204" charset="-122"/>
+              </a:defRPr>
+            </a:lvl1pPr>
+          </a:lstStyle>
+          <a:p>
+            <a:r>
+              <a:rPr lang="zh-CN" altLang="en-US" dirty="0"/>
+              <a:t>单击此处编辑标题</a:t>
+            </a:r>
+            <a:endParaRPr lang="zh-CN" altLang="en-US" dirty="0"/>
+          </a:p>
+        </p:txBody>
+      </p:sp>
+      <p:sp>
+        <p:nvSpPr>
+          <p:cNvPr id="7" name="内容占位符 6"/>
+          <p:cNvSpPr>
+            <a:spLocks noGrp="1"/>
+          </p:cNvSpPr>
+          <p:nvPr>
+            <p:ph sz="quarter" idx="13"/>
+            <p:custDataLst>
+              <p:tags r:id="rId10"/>
+            </p:custDataLst>
+          </p:nvPr>
+        </p:nvSpPr>
+        <p:spPr>
+          <a:xfrm>
+            <a:off x="1281113" y="2163600"/>
+            <a:ext cx="9626600" cy="3445200"/>
+          </a:xfrm>
+        </p:spPr>
+        <p:txBody>
+          <a:bodyPr wrap="square">
+            <a:normAutofit/>
+          </a:bodyPr>
+          <a:lstStyle>
+            <a:lvl1pPr>
+              <a:defRPr baseline="0">
+                <a:solidFill>
+                  <a:schemeClr val="tx1"/>
+                </a:solidFill>
+                <a:latin typeface="Arial" panose="020B0604020202020204" pitchFamily="34" charset="0"/>
+                <a:ea typeface="微软雅黑" panose="020B0503020204020204" charset="-122"/>
+              </a:defRPr>
+            </a:lvl1pPr>
+            <a:lvl2pPr>
+              <a:defRPr baseline="0">
+                <a:solidFill>
+                  <a:schemeClr val="tx1"/>
+                </a:solidFill>
+                <a:latin typeface="Arial" panose="020B0604020202020204" pitchFamily="34" charset="0"/>
+                <a:ea typeface="微软雅黑" panose="020B0503020204020204" charset="-122"/>
+              </a:defRPr>
+            </a:lvl2pPr>
+            <a:lvl3pPr>
+              <a:defRPr baseline="0">
+                <a:solidFill>
+                  <a:schemeClr val="tx1"/>
+                </a:solidFill>
+                <a:latin typeface="Arial" panose="020B0604020202020204" pitchFamily="34" charset="0"/>
+                <a:ea typeface="微软雅黑" panose="020B0503020204020204" charset="-122"/>
+              </a:defRPr>
+            </a:lvl3pPr>
+            <a:lvl4pPr>
+              <a:defRPr baseline="0">
+                <a:solidFill>
+                  <a:schemeClr val="tx1"/>
+                </a:solidFill>
+                <a:latin typeface="Arial" panose="020B0604020202020204" pitchFamily="34" charset="0"/>
+                <a:ea typeface="微软雅黑" panose="020B0503020204020204" charset="-122"/>
+              </a:defRPr>
+            </a:lvl4pPr>
+            <a:lvl5pPr>
+              <a:defRPr baseline="0">
+                <a:solidFill>
+                  <a:schemeClr val="tx1"/>
+                </a:solidFill>
+                <a:latin typeface="Arial" panose="020B0604020202020204" pitchFamily="34" charset="0"/>
+                <a:ea typeface="微软雅黑" panose="020B0503020204020204" charset="-122"/>
+              </a:defRPr>
+            </a:lvl5pPr>
+          </a:lstStyle>
+          <a:p>
+            <a:pPr lvl="0"/>
+            <a:r>
+              <a:rPr lang="zh-CN" altLang="en-US" dirty="0"/>
+              <a:t>单击此处编辑母版文本样式</a:t>
+            </a:r>
+            <a:endParaRPr lang="zh-CN" altLang="en-US" dirty="0"/>
+          </a:p>
+          <a:p>
+            <a:pPr lvl="1"/>
+            <a:r>
+              <a:rPr lang="zh-CN" altLang="en-US" dirty="0"/>
+              <a:t>第二级</a:t>
+            </a:r>
+            <a:endParaRPr lang="zh-CN" altLang="en-US" dirty="0"/>
+          </a:p>
+          <a:p>
+            <a:pPr lvl="2"/>
+            <a:r>
+              <a:rPr lang="zh-CN" altLang="en-US" dirty="0"/>
+              <a:t>第三级</a:t>
+            </a:r>
+            <a:endParaRPr lang="zh-CN" altLang="en-US" dirty="0"/>
+          </a:p>
+          <a:p>
+            <a:pPr lvl="3"/>
+            <a:r>
+              <a:rPr lang="zh-CN" altLang="en-US" dirty="0"/>
+              <a:t>第四级</a:t>
+            </a:r>
+            <a:endParaRPr lang="zh-CN" altLang="en-US" dirty="0"/>
+          </a:p>
+          <a:p>
+            <a:pPr lvl="4"/>
+            <a:r>
+              <a:rPr lang="zh-CN" altLang="en-US" dirty="0"/>
+              <a:t>第五级</a:t>
+            </a:r>
+            <a:endParaRPr lang="zh-CN" altLang="en-US" dirty="0"/>
+          </a:p>
+        </p:txBody>
+      </p:sp>
+      <p:sp>
+        <p:nvSpPr>
+          <p:cNvPr id="3" name="日期占位符 2"/>
+          <p:cNvSpPr>
+            <a:spLocks noGrp="1"/>
+          </p:cNvSpPr>
+          <p:nvPr>
+            <p:ph type="dt" sz="half" idx="10"/>
+            <p:custDataLst>
+              <p:tags r:id="rId11"/>
+            </p:custDataLst>
+          </p:nvPr>
+        </p:nvSpPr>
+        <p:spPr/>
+        <p:txBody>
+          <a:bodyPr wrap="square">
+            <a:normAutofit/>
+          </a:bodyPr>
+          <a:lstStyle>
+            <a:lvl1pPr>
+              <a:defRPr>
+                <a:latin typeface="Arial" panose="020B0604020202020204" pitchFamily="34" charset="0"/>
+                <a:ea typeface="微软雅黑" panose="020B0503020204020204" charset="-122"/>
+              </a:defRPr>
+            </a:lvl1pPr>
+          </a:lstStyle>
+          <a:p>
+            <a:fld id="{760FBDFE-C587-4B4C-A407-44438C67B59E}" type="datetimeFigureOut">
+              <a:rPr lang="zh-CN" altLang="en-US" smtClean="0"/>
+            </a:fld>
+            <a:endParaRPr lang="zh-CN" altLang="en-US"/>
+          </a:p>
+        </p:txBody>
+      </p:sp>
+      <p:sp>
+        <p:nvSpPr>
+          <p:cNvPr id="4" name="页脚占位符 3"/>
+          <p:cNvSpPr>
+            <a:spLocks noGrp="1"/>
+          </p:cNvSpPr>
+          <p:nvPr>
+            <p:ph type="ftr" sz="quarter" idx="11"/>
+            <p:custDataLst>
+              <p:tags r:id="rId12"/>
+            </p:custDataLst>
+          </p:nvPr>
+        </p:nvSpPr>
+        <p:spPr/>
+        <p:txBody>
+          <a:bodyPr wrap="square">
+            <a:normAutofit/>
+          </a:bodyPr>
+          <a:lstStyle>
+            <a:lvl1pPr>
+              <a:defRPr>
+                <a:latin typeface="Arial" panose="020B0604020202020204" pitchFamily="34" charset="0"/>
+                <a:ea typeface="微软雅黑" panose="020B0503020204020204" charset="-122"/>
+              </a:defRPr>
+            </a:lvl1pPr>
+          </a:lstStyle>
+          <a:p>
+            <a:endParaRPr lang="zh-CN" altLang="en-US" dirty="0"/>
+          </a:p>
+        </p:txBody>
+      </p:sp>
+      <p:sp>
+        <p:nvSpPr>
+          <p:cNvPr id="5" name="灯片编号占位符 4"/>
+          <p:cNvSpPr>
+            <a:spLocks noGrp="1"/>
+          </p:cNvSpPr>
+          <p:nvPr>
+            <p:ph type="sldNum" sz="quarter" idx="12"/>
+            <p:custDataLst>
+              <p:tags r:id="rId13"/>
+            </p:custDataLst>
+          </p:nvPr>
+        </p:nvSpPr>
+        <p:spPr/>
+        <p:txBody>
+          <a:bodyPr wrap="square">
+            <a:normAutofit/>
+          </a:bodyPr>
+          <a:lstStyle>
+            <a:lvl1pPr>
+              <a:defRPr>
+                <a:latin typeface="Arial" panose="020B0604020202020204" pitchFamily="34" charset="0"/>
+                <a:ea typeface="微软雅黑" panose="020B0503020204020204" charset="-122"/>
+              </a:defRPr>
+            </a:lvl1pPr>
+          </a:lstStyle>
+          <a:p>
+            <a:fld id="{49AE70B2-8BF9-45C0-BB95-33D1B9D3A854}" type="slidenum">
+              <a:rPr lang="zh-CN" altLang="en-US" smtClean="0"/>
+            </a:fld>
+            <a:endParaRPr lang="zh-CN" altLang="en-US" dirty="0"/>
+          </a:p>
+        </p:txBody>
+      </p:sp>
+    </p:spTree>
+  </p:cSld>
+  <p:clrMapOvr>
+    <a:masterClrMapping/>
+  </p:clrMapOvr>
+</p:sldLayout>
+</file>
+
+<file path=ppt/slideLayouts/slideLayout14.xml><?xml version="1.0" encoding="utf-8"?>
+<p:sldLayout xmlns:a="http://schemas.openxmlformats.org/drawingml/2006/main" xmlns:r="http://schemas.openxmlformats.org/officeDocument/2006/relationships" xmlns:p="http://schemas.openxmlformats.org/presentationml/2006/main" preserve="1" userDrawn="1">
+  <p:cSld name="左右">
+    <p:spTree>
+      <p:nvGrpSpPr>
+        <p:cNvPr id="1" name=""/>
+        <p:cNvGrpSpPr/>
+        <p:nvPr/>
+      </p:nvGrpSpPr>
+      <p:grpSpPr>
+        <a:xfrm>
+          <a:off x="0" y="0"/>
+          <a:ext cx="0" cy="0"/>
+          <a:chOff x="0" y="0"/>
+          <a:chExt cx="0" cy="0"/>
+        </a:xfrm>
+      </p:grpSpPr>
+      <p:sp>
+        <p:nvSpPr>
+          <p:cNvPr id="10" name="矩形 9"/>
+          <p:cNvSpPr/>
+          <p:nvPr userDrawn="1">
+            <p:custDataLst>
+              <p:tags r:id="rId2"/>
+            </p:custDataLst>
+          </p:nvPr>
+        </p:nvSpPr>
+        <p:spPr>
+          <a:xfrm>
+            <a:off x="0" y="0"/>
+            <a:ext cx="4824603" cy="6858000"/>
+          </a:xfrm>
+          <a:prstGeom prst="rect">
+            <a:avLst/>
+          </a:prstGeom>
+          <a:gradFill>
+            <a:gsLst>
+              <a:gs pos="1000">
+                <a:srgbClr val="FDE201">
+                  <a:alpha val="0"/>
+                </a:srgbClr>
+              </a:gs>
+              <a:gs pos="72000">
+                <a:srgbClr val="FED101">
+                  <a:alpha val="33000"/>
+                </a:srgbClr>
+              </a:gs>
+              <a:gs pos="51000">
+                <a:srgbClr val="FFC000">
+                  <a:alpha val="28000"/>
+                </a:srgbClr>
+              </a:gs>
+              <a:gs pos="100000">
+                <a:srgbClr val="FDE201">
+                  <a:alpha val="0"/>
+                </a:srgbClr>
+              </a:gs>
+            </a:gsLst>
+            <a:lin ang="16200000" scaled="0"/>
+          </a:gradFill>
+          <a:ln w="12700" cap="flat" cmpd="sng" algn="ctr">
+            <a:noFill/>
+            <a:prstDash val="solid"/>
+            <a:miter lim="800000"/>
+          </a:ln>
+          <a:effectLst/>
+        </p:spPr>
+        <p:style>
+          <a:lnRef idx="2">
+            <a:schemeClr val="accent1">
+              <a:shade val="50000"/>
+            </a:schemeClr>
+          </a:lnRef>
+          <a:fillRef idx="1">
+            <a:schemeClr val="accent1"/>
+          </a:fillRef>
+          <a:effectRef idx="0">
+            <a:schemeClr val="accent1"/>
+          </a:effectRef>
+          <a:fontRef idx="minor">
+            <a:schemeClr val="lt1"/>
+          </a:fontRef>
+        </p:style>
+        <p:txBody>
+          <a:bodyPr wrap="square" rtlCol="0" anchor="ctr">
+            <a:normAutofit/>
+          </a:bodyPr>
+          <a:lstStyle/>
+          <a:p>
+            <a:pPr algn="ctr"/>
+            <a:endParaRPr lang="zh-CN" altLang="en-US"/>
+          </a:p>
+        </p:txBody>
+      </p:sp>
+      <p:pic>
+        <p:nvPicPr>
+          <p:cNvPr id="8" name="图片 7"/>
+          <p:cNvPicPr/>
+          <p:nvPr userDrawn="1">
+            <p:custDataLst>
+              <p:tags r:id="rId3"/>
+            </p:custDataLst>
+          </p:nvPr>
+        </p:nvPicPr>
+        <p:blipFill>
+          <a:blip r:embed="rId4" r:link="rId5" cstate="email"/>
+          <a:stretch>
+            <a:fillRect/>
+          </a:stretch>
+        </p:blipFill>
+        <p:spPr>
+          <a:xfrm>
+            <a:off x="11471910" y="0"/>
+            <a:ext cx="720090" cy="611299"/>
+          </a:xfrm>
+          <a:prstGeom prst="rect">
+            <a:avLst/>
+          </a:prstGeom>
+        </p:spPr>
+      </p:pic>
+      <p:sp>
+        <p:nvSpPr>
+          <p:cNvPr id="2" name="标题 1"/>
+          <p:cNvSpPr>
+            <a:spLocks noGrp="1"/>
+          </p:cNvSpPr>
+          <p:nvPr>
+            <p:ph type="title" hasCustomPrompt="1"/>
+            <p:custDataLst>
+              <p:tags r:id="rId6"/>
+            </p:custDataLst>
+          </p:nvPr>
+        </p:nvSpPr>
+        <p:spPr>
+          <a:xfrm>
+            <a:off x="583200" y="770400"/>
+            <a:ext cx="3960000" cy="882000"/>
+          </a:xfrm>
+          <a:prstGeom prst="rect">
+            <a:avLst/>
+          </a:prstGeom>
+        </p:spPr>
+        <p:txBody>
+          <a:bodyPr wrap="square" anchor="ctr" anchorCtr="0">
+            <a:normAutofit/>
+          </a:bodyPr>
+          <a:lstStyle>
+            <a:lvl1pPr>
+              <a:defRPr sz="3600" baseline="0">
+                <a:solidFill>
+                  <a:schemeClr val="tx1"/>
+                </a:solidFill>
+                <a:latin typeface="Arial" panose="020B0604020202020204" pitchFamily="34" charset="0"/>
+                <a:ea typeface="微软雅黑" panose="020B0503020204020204" charset="-122"/>
+              </a:defRPr>
+            </a:lvl1pPr>
+          </a:lstStyle>
+          <a:p>
+            <a:r>
+              <a:rPr lang="zh-CN" altLang="en-US" dirty="0"/>
+              <a:t>单击编辑标题</a:t>
+            </a:r>
+            <a:endParaRPr lang="zh-CN" altLang="en-US" dirty="0"/>
+          </a:p>
+        </p:txBody>
+      </p:sp>
+      <p:sp>
+        <p:nvSpPr>
+          <p:cNvPr id="3" name="日期占位符 2"/>
+          <p:cNvSpPr>
+            <a:spLocks noGrp="1"/>
+          </p:cNvSpPr>
+          <p:nvPr>
+            <p:ph type="dt" sz="half" idx="10"/>
+            <p:custDataLst>
+              <p:tags r:id="rId7"/>
+            </p:custDataLst>
+          </p:nvPr>
+        </p:nvSpPr>
+        <p:spPr/>
+        <p:txBody>
+          <a:bodyPr wrap="square">
+            <a:normAutofit/>
+          </a:bodyPr>
+          <a:lstStyle>
+            <a:lvl1pPr>
+              <a:defRPr>
+                <a:latin typeface="Arial" panose="020B0604020202020204" pitchFamily="34" charset="0"/>
+                <a:ea typeface="微软雅黑" panose="020B0503020204020204" charset="-122"/>
+              </a:defRPr>
+            </a:lvl1pPr>
+          </a:lstStyle>
+          <a:p>
+            <a:fld id="{760FBDFE-C587-4B4C-A407-44438C67B59E}" type="datetimeFigureOut">
+              <a:rPr lang="zh-CN" altLang="en-US" smtClean="0"/>
+            </a:fld>
+            <a:endParaRPr lang="zh-CN" altLang="en-US"/>
+          </a:p>
+        </p:txBody>
+      </p:sp>
+      <p:sp>
+        <p:nvSpPr>
+          <p:cNvPr id="4" name="页脚占位符 3"/>
+          <p:cNvSpPr>
+            <a:spLocks noGrp="1"/>
+          </p:cNvSpPr>
+          <p:nvPr>
+            <p:ph type="ftr" sz="quarter" idx="11"/>
+            <p:custDataLst>
+              <p:tags r:id="rId8"/>
+            </p:custDataLst>
+          </p:nvPr>
+        </p:nvSpPr>
+        <p:spPr/>
+        <p:txBody>
+          <a:bodyPr wrap="square">
+            <a:normAutofit/>
+          </a:bodyPr>
+          <a:lstStyle>
+            <a:lvl1pPr>
+              <a:defRPr>
+                <a:latin typeface="Arial" panose="020B0604020202020204" pitchFamily="34" charset="0"/>
+                <a:ea typeface="微软雅黑" panose="020B0503020204020204" charset="-122"/>
+              </a:defRPr>
+            </a:lvl1pPr>
+          </a:lstStyle>
+          <a:p>
+            <a:endParaRPr lang="zh-CN" altLang="en-US" dirty="0"/>
+          </a:p>
+        </p:txBody>
+      </p:sp>
+      <p:sp>
+        <p:nvSpPr>
+          <p:cNvPr id="5" name="灯片编号占位符 4"/>
+          <p:cNvSpPr>
+            <a:spLocks noGrp="1"/>
+          </p:cNvSpPr>
+          <p:nvPr>
+            <p:ph type="sldNum" sz="quarter" idx="12"/>
+            <p:custDataLst>
+              <p:tags r:id="rId9"/>
+            </p:custDataLst>
+          </p:nvPr>
+        </p:nvSpPr>
+        <p:spPr/>
+        <p:txBody>
+          <a:bodyPr wrap="square">
+            <a:normAutofit/>
+          </a:bodyPr>
+          <a:lstStyle>
+            <a:lvl1pPr>
+              <a:defRPr>
+                <a:latin typeface="Arial" panose="020B0604020202020204" pitchFamily="34" charset="0"/>
+                <a:ea typeface="微软雅黑" panose="020B0503020204020204" charset="-122"/>
+              </a:defRPr>
+            </a:lvl1pPr>
+          </a:lstStyle>
+          <a:p>
+            <a:fld id="{49AE70B2-8BF9-45C0-BB95-33D1B9D3A854}" type="slidenum">
+              <a:rPr lang="zh-CN" altLang="en-US" smtClean="0"/>
+            </a:fld>
+            <a:endParaRPr lang="zh-CN" altLang="en-US" dirty="0"/>
+          </a:p>
+        </p:txBody>
+      </p:sp>
+      <p:sp>
+        <p:nvSpPr>
+          <p:cNvPr id="7" name="文本占位符 6"/>
+          <p:cNvSpPr>
+            <a:spLocks noGrp="1"/>
+          </p:cNvSpPr>
+          <p:nvPr>
+            <p:ph type="body" sz="quarter" idx="13"/>
+            <p:custDataLst>
+              <p:tags r:id="rId10"/>
+            </p:custDataLst>
+          </p:nvPr>
+        </p:nvSpPr>
+        <p:spPr>
+          <a:xfrm>
+            <a:off x="586800" y="1764000"/>
+            <a:ext cx="3956400" cy="4093200"/>
+          </a:xfrm>
+        </p:spPr>
+        <p:txBody>
+          <a:bodyPr wrap="square">
+            <a:normAutofit/>
+          </a:bodyPr>
+          <a:lstStyle>
+            <a:lvl1pPr>
+              <a:defRPr baseline="0">
+                <a:solidFill>
+                  <a:schemeClr val="tx1"/>
+                </a:solidFill>
+                <a:latin typeface="Arial" panose="020B0604020202020204" pitchFamily="34" charset="0"/>
+                <a:ea typeface="微软雅黑" panose="020B0503020204020204" charset="-122"/>
+              </a:defRPr>
+            </a:lvl1pPr>
+            <a:lvl2pPr>
+              <a:defRPr baseline="0">
+                <a:solidFill>
+                  <a:schemeClr val="tx1"/>
+                </a:solidFill>
+                <a:latin typeface="Arial" panose="020B0604020202020204" pitchFamily="34" charset="0"/>
+                <a:ea typeface="微软雅黑" panose="020B0503020204020204" charset="-122"/>
+              </a:defRPr>
+            </a:lvl2pPr>
+            <a:lvl3pPr>
+              <a:defRPr baseline="0">
+                <a:solidFill>
+                  <a:schemeClr val="tx1"/>
+                </a:solidFill>
+                <a:latin typeface="Arial" panose="020B0604020202020204" pitchFamily="34" charset="0"/>
+                <a:ea typeface="微软雅黑" panose="020B0503020204020204" charset="-122"/>
+              </a:defRPr>
+            </a:lvl3pPr>
+            <a:lvl4pPr>
+              <a:defRPr baseline="0">
+                <a:solidFill>
+                  <a:schemeClr val="tx1"/>
+                </a:solidFill>
+                <a:latin typeface="Arial" panose="020B0604020202020204" pitchFamily="34" charset="0"/>
+                <a:ea typeface="微软雅黑" panose="020B0503020204020204" charset="-122"/>
+              </a:defRPr>
+            </a:lvl4pPr>
+            <a:lvl5pPr>
+              <a:defRPr baseline="0">
+                <a:solidFill>
+                  <a:schemeClr val="tx1"/>
+                </a:solidFill>
+                <a:latin typeface="Arial" panose="020B0604020202020204" pitchFamily="34" charset="0"/>
+                <a:ea typeface="微软雅黑" panose="020B0503020204020204" charset="-122"/>
+              </a:defRPr>
+            </a:lvl5pPr>
+          </a:lstStyle>
+          <a:p>
+            <a:pPr lvl="0"/>
+            <a:r>
+              <a:rPr lang="zh-CN" altLang="en-US" dirty="0"/>
+              <a:t>单击此处编辑母版文本样式</a:t>
+            </a:r>
+            <a:endParaRPr lang="zh-CN" altLang="en-US" dirty="0"/>
+          </a:p>
+          <a:p>
+            <a:pPr lvl="1"/>
+            <a:r>
+              <a:rPr lang="zh-CN" altLang="en-US" dirty="0"/>
+              <a:t>第二级</a:t>
+            </a:r>
+            <a:endParaRPr lang="zh-CN" altLang="en-US" dirty="0"/>
+          </a:p>
+          <a:p>
+            <a:pPr lvl="2"/>
+            <a:r>
+              <a:rPr lang="zh-CN" altLang="en-US" dirty="0"/>
+              <a:t>第三级</a:t>
+            </a:r>
+            <a:endParaRPr lang="zh-CN" altLang="en-US" dirty="0"/>
+          </a:p>
+          <a:p>
+            <a:pPr lvl="3"/>
+            <a:r>
+              <a:rPr lang="zh-CN" altLang="en-US" dirty="0"/>
+              <a:t>第四级</a:t>
+            </a:r>
+            <a:endParaRPr lang="zh-CN" altLang="en-US" dirty="0"/>
+          </a:p>
+          <a:p>
+            <a:pPr lvl="4"/>
+            <a:r>
+              <a:rPr lang="zh-CN" altLang="en-US" dirty="0"/>
+              <a:t>第五级</a:t>
+            </a:r>
+            <a:endParaRPr lang="zh-CN" altLang="en-US" dirty="0"/>
+          </a:p>
+        </p:txBody>
+      </p:sp>
+      <p:sp>
+        <p:nvSpPr>
+          <p:cNvPr id="9" name="内容占位符 8"/>
+          <p:cNvSpPr>
+            <a:spLocks noGrp="1"/>
+          </p:cNvSpPr>
+          <p:nvPr>
+            <p:ph sz="quarter" idx="14"/>
+            <p:custDataLst>
+              <p:tags r:id="rId11"/>
+            </p:custDataLst>
+          </p:nvPr>
+        </p:nvSpPr>
+        <p:spPr>
+          <a:xfrm>
+            <a:off x="5101200" y="769938"/>
+            <a:ext cx="6480000" cy="5087937"/>
+          </a:xfrm>
+        </p:spPr>
+        <p:txBody>
+          <a:bodyPr wrap="square">
+            <a:normAutofit/>
+          </a:bodyPr>
+          <a:lstStyle>
+            <a:lvl1pPr>
+              <a:defRPr baseline="0">
+                <a:solidFill>
+                  <a:schemeClr val="tx1"/>
+                </a:solidFill>
+                <a:latin typeface="Arial" panose="020B0604020202020204" pitchFamily="34" charset="0"/>
+                <a:ea typeface="微软雅黑" panose="020B0503020204020204" charset="-122"/>
+              </a:defRPr>
+            </a:lvl1pPr>
+            <a:lvl2pPr>
+              <a:defRPr baseline="0">
+                <a:solidFill>
+                  <a:schemeClr val="tx1"/>
+                </a:solidFill>
+                <a:latin typeface="Arial" panose="020B0604020202020204" pitchFamily="34" charset="0"/>
+                <a:ea typeface="微软雅黑" panose="020B0503020204020204" charset="-122"/>
+              </a:defRPr>
+            </a:lvl2pPr>
+            <a:lvl3pPr>
+              <a:defRPr baseline="0">
+                <a:solidFill>
+                  <a:schemeClr val="tx1"/>
+                </a:solidFill>
+                <a:latin typeface="Arial" panose="020B0604020202020204" pitchFamily="34" charset="0"/>
+                <a:ea typeface="微软雅黑" panose="020B0503020204020204" charset="-122"/>
+              </a:defRPr>
+            </a:lvl3pPr>
+            <a:lvl4pPr>
+              <a:defRPr baseline="0">
+                <a:solidFill>
+                  <a:schemeClr val="tx1"/>
+                </a:solidFill>
+                <a:latin typeface="Arial" panose="020B0604020202020204" pitchFamily="34" charset="0"/>
+                <a:ea typeface="微软雅黑" panose="020B0503020204020204" charset="-122"/>
+              </a:defRPr>
+            </a:lvl4pPr>
+            <a:lvl5pPr>
+              <a:defRPr baseline="0">
+                <a:solidFill>
+                  <a:schemeClr val="tx1"/>
+                </a:solidFill>
+                <a:latin typeface="Arial" panose="020B0604020202020204" pitchFamily="34" charset="0"/>
+                <a:ea typeface="微软雅黑" panose="020B0503020204020204" charset="-122"/>
+              </a:defRPr>
+            </a:lvl5pPr>
+          </a:lstStyle>
+          <a:p>
+            <a:pPr lvl="0"/>
+            <a:r>
+              <a:rPr lang="zh-CN" altLang="en-US" dirty="0"/>
+              <a:t>单击此处编辑母版文本样式</a:t>
+            </a:r>
+            <a:endParaRPr lang="zh-CN" altLang="en-US" dirty="0"/>
+          </a:p>
+          <a:p>
+            <a:pPr lvl="1"/>
+            <a:r>
+              <a:rPr lang="zh-CN" altLang="en-US" dirty="0"/>
+              <a:t>第二级</a:t>
+            </a:r>
+            <a:endParaRPr lang="zh-CN" altLang="en-US" dirty="0"/>
+          </a:p>
+          <a:p>
+            <a:pPr lvl="2"/>
+            <a:r>
+              <a:rPr lang="zh-CN" altLang="en-US" dirty="0"/>
+              <a:t>第三级</a:t>
+            </a:r>
+            <a:endParaRPr lang="zh-CN" altLang="en-US" dirty="0"/>
+          </a:p>
+          <a:p>
+            <a:pPr lvl="3"/>
+            <a:r>
+              <a:rPr lang="zh-CN" altLang="en-US" dirty="0"/>
+              <a:t>第四级</a:t>
+            </a:r>
+            <a:endParaRPr lang="zh-CN" altLang="en-US" dirty="0"/>
+          </a:p>
+          <a:p>
+            <a:pPr lvl="4"/>
+            <a:r>
+              <a:rPr lang="zh-CN" altLang="en-US" dirty="0"/>
+              <a:t>第五级</a:t>
+            </a:r>
+            <a:endParaRPr lang="zh-CN" altLang="en-US" dirty="0"/>
+          </a:p>
+        </p:txBody>
+      </p:sp>
+    </p:spTree>
+  </p:cSld>
+  <p:clrMapOvr>
+    <a:masterClrMapping/>
+  </p:clrMapOvr>
+</p:sldLayout>
+</file>
+
+<file path=ppt/slideLayouts/slideLayout15.xml><?xml version="1.0" encoding="utf-8"?>
+<p:sldLayout xmlns:a="http://schemas.openxmlformats.org/drawingml/2006/main" xmlns:r="http://schemas.openxmlformats.org/officeDocument/2006/relationships" xmlns:p="http://schemas.openxmlformats.org/presentationml/2006/main" preserve="1" userDrawn="1">
+  <p:cSld name="上下">
+    <p:spTree>
+      <p:nvGrpSpPr>
+        <p:cNvPr id="1" name=""/>
+        <p:cNvGrpSpPr/>
+        <p:nvPr/>
+      </p:nvGrpSpPr>
+      <p:grpSpPr>
+        <a:xfrm>
+          <a:off x="0" y="0"/>
+          <a:ext cx="0" cy="0"/>
+          <a:chOff x="0" y="0"/>
+          <a:chExt cx="0" cy="0"/>
+        </a:xfrm>
+      </p:grpSpPr>
+      <p:sp>
+        <p:nvSpPr>
+          <p:cNvPr id="11" name="矩形 10"/>
+          <p:cNvSpPr/>
+          <p:nvPr userDrawn="1">
+            <p:custDataLst>
+              <p:tags r:id="rId2"/>
+            </p:custDataLst>
+          </p:nvPr>
+        </p:nvSpPr>
+        <p:spPr>
+          <a:xfrm>
+            <a:off x="0" y="465455"/>
+            <a:ext cx="12192000" cy="2179955"/>
+          </a:xfrm>
+          <a:prstGeom prst="rect">
+            <a:avLst/>
+          </a:prstGeom>
+          <a:solidFill>
+            <a:srgbClr val="FEDF82">
+              <a:alpha val="25000"/>
+            </a:srgbClr>
           </a:solidFill>
           <a:ln w="12700" cap="flat" cmpd="sng" algn="ctr">
             <a:noFill/>
@@ -1186,7 +2185,7 @@
       </p:sp>
       <p:pic>
         <p:nvPicPr>
-          <p:cNvPr id="9" name="图片 8"/>
+          <p:cNvPr id="10" name="图片 9"/>
           <p:cNvPicPr/>
           <p:nvPr userDrawn="1">
             <p:custDataLst>
@@ -1210,58 +2209,35 @@
           </a:prstGeom>
         </p:spPr>
       </p:pic>
-      <p:pic>
-        <p:nvPicPr>
-          <p:cNvPr id="8" name="图片 7"/>
-          <p:cNvPicPr/>
-          <p:nvPr userDrawn="1">
+      <p:sp>
+        <p:nvSpPr>
+          <p:cNvPr id="2" name="标题 1"/>
+          <p:cNvSpPr>
+            <a:spLocks noGrp="1"/>
+          </p:cNvSpPr>
+          <p:nvPr>
+            <p:ph type="title"/>
             <p:custDataLst>
               <p:tags r:id="rId6"/>
             </p:custDataLst>
           </p:nvPr>
-        </p:nvPicPr>
-        <p:blipFill>
-          <a:blip r:embed="rId7" r:link="rId8" cstate="email"/>
-          <a:stretch>
-            <a:fillRect/>
-          </a:stretch>
-        </p:blipFill>
+        </p:nvSpPr>
         <p:spPr>
           <a:xfrm>
-            <a:off x="11471910" y="0"/>
-            <a:ext cx="720090" cy="682625"/>
+            <a:off x="612000" y="781200"/>
+            <a:ext cx="10976400" cy="626400"/>
           </a:xfrm>
           <a:prstGeom prst="rect">
             <a:avLst/>
           </a:prstGeom>
         </p:spPr>
-      </p:pic>
-      <p:sp>
-        <p:nvSpPr>
-          <p:cNvPr id="2" name="标题 1"/>
-          <p:cNvSpPr>
-            <a:spLocks noGrp="1"/>
-          </p:cNvSpPr>
-          <p:nvPr>
-            <p:ph type="title" hasCustomPrompt="1"/>
-            <p:custDataLst>
-              <p:tags r:id="rId9"/>
-            </p:custDataLst>
-          </p:nvPr>
-        </p:nvSpPr>
-        <p:spPr>
-          <a:xfrm>
-            <a:off x="1281600" y="1249200"/>
-            <a:ext cx="9626400" cy="723600"/>
-          </a:xfrm>
-        </p:spPr>
         <p:txBody>
           <a:bodyPr wrap="square" anchor="ctr">
             <a:normAutofit/>
           </a:bodyPr>
           <a:lstStyle>
-            <a:lvl1pPr>
-              <a:defRPr sz="3200" baseline="0">
+            <a:lvl1pPr algn="ctr">
+              <a:defRPr sz="3600" baseline="0">
                 <a:solidFill>
                   <a:schemeClr val="tx1"/>
                 </a:solidFill>
@@ -1272,122 +2248,10 @@
           </a:lstStyle>
           <a:p>
             <a:r>
-              <a:rPr lang="zh-CN" altLang="en-US" dirty="0"/>
-              <a:t>单击此处编辑标题</a:t>
-            </a:r>
-            <a:endParaRPr lang="zh-CN" altLang="en-US" dirty="0"/>
-          </a:p>
-        </p:txBody>
-      </p:sp>
-      <p:sp>
-        <p:nvSpPr>
-          <p:cNvPr id="7" name="内容占位符 6"/>
-          <p:cNvSpPr>
-            <a:spLocks noGrp="1"/>
-          </p:cNvSpPr>
-          <p:nvPr>
-            <p:ph sz="quarter" idx="13"/>
-            <p:custDataLst>
-              <p:tags r:id="rId10"/>
-            </p:custDataLst>
-          </p:nvPr>
-        </p:nvSpPr>
-        <p:spPr>
-          <a:xfrm>
-            <a:off x="1281113" y="2163600"/>
-            <a:ext cx="9626600" cy="3445200"/>
-          </a:xfrm>
-        </p:spPr>
-        <p:txBody>
-          <a:bodyPr wrap="square">
-            <a:normAutofit/>
-          </a:bodyPr>
-          <a:lstStyle>
-            <a:lvl1pPr>
-              <a:defRPr baseline="0">
-                <a:solidFill>
-                  <a:schemeClr val="tx1"/>
-                </a:solidFill>
-                <a:latin typeface="Arial" panose="020B0604020202020204" pitchFamily="34" charset="0"/>
-                <a:ea typeface="微软雅黑" panose="020B0503020204020204" charset="-122"/>
-              </a:defRPr>
-            </a:lvl1pPr>
-            <a:lvl2pPr>
-              <a:defRPr baseline="0">
-                <a:solidFill>
-                  <a:schemeClr val="tx1"/>
-                </a:solidFill>
-                <a:latin typeface="Arial" panose="020B0604020202020204" pitchFamily="34" charset="0"/>
-                <a:ea typeface="微软雅黑" panose="020B0503020204020204" charset="-122"/>
-              </a:defRPr>
-            </a:lvl2pPr>
-            <a:lvl3pPr>
-              <a:defRPr baseline="0">
-                <a:solidFill>
-                  <a:schemeClr val="tx1"/>
-                </a:solidFill>
-                <a:latin typeface="Arial" panose="020B0604020202020204" pitchFamily="34" charset="0"/>
-                <a:ea typeface="微软雅黑" panose="020B0503020204020204" charset="-122"/>
-              </a:defRPr>
-            </a:lvl3pPr>
-            <a:lvl4pPr>
-              <a:defRPr baseline="0">
-                <a:solidFill>
-                  <a:schemeClr val="tx1"/>
-                </a:solidFill>
-                <a:latin typeface="Arial" panose="020B0604020202020204" pitchFamily="34" charset="0"/>
-                <a:ea typeface="微软雅黑" panose="020B0503020204020204" charset="-122"/>
-              </a:defRPr>
-            </a:lvl4pPr>
-            <a:lvl5pPr>
-              <a:defRPr baseline="0">
-                <a:solidFill>
-                  <a:schemeClr val="tx1"/>
-                </a:solidFill>
-                <a:latin typeface="Arial" panose="020B0604020202020204" pitchFamily="34" charset="0"/>
-                <a:ea typeface="微软雅黑" panose="020B0503020204020204" charset="-122"/>
-              </a:defRPr>
-            </a:lvl5pPr>
-          </a:lstStyle>
-          <a:p>
-            <a:pPr lvl="0"/>
-            <a:r>
-              <a:rPr lang="zh-CN" altLang="en-US" dirty="0"/>
-              <a:t>单击此处编辑母版文本样式</a:t>
-            </a:r>
-            <a:endParaRPr lang="zh-CN" altLang="en-US" dirty="0"/>
-          </a:p>
-          <a:p>
-            <a:pPr lvl="1"/>
-            <a:r>
-              <a:rPr lang="zh-CN" altLang="en-US" dirty="0"/>
-              <a:t>第二级</a:t>
-            </a:r>
-            <a:endParaRPr lang="zh-CN" altLang="en-US" dirty="0"/>
-          </a:p>
-          <a:p>
-            <a:pPr lvl="2"/>
-            <a:r>
-              <a:rPr lang="zh-CN" altLang="en-US" dirty="0"/>
-              <a:t>第三级</a:t>
-            </a:r>
-            <a:endParaRPr lang="zh-CN" altLang="en-US" dirty="0"/>
-          </a:p>
-          <a:p>
-            <a:pPr lvl="3"/>
-            <a:r>
-              <a:rPr lang="zh-CN" altLang="en-US" dirty="0"/>
-              <a:t>第四级</a:t>
-            </a:r>
-            <a:endParaRPr lang="zh-CN" altLang="en-US" dirty="0"/>
-          </a:p>
-          <a:p>
-            <a:pPr lvl="4"/>
-            <a:r>
-              <a:rPr lang="zh-CN" altLang="en-US" dirty="0"/>
-              <a:t>第五级</a:t>
-            </a:r>
-            <a:endParaRPr lang="zh-CN" altLang="en-US" dirty="0"/>
+              <a:rPr lang="zh-CN" altLang="en-US"/>
+              <a:t>单击此处编辑母版标题样式</a:t>
+            </a:r>
+            <a:endParaRPr lang="zh-CN" altLang="en-US"/>
           </a:p>
         </p:txBody>
       </p:sp>
@@ -1400,7 +2264,7 @@
           <p:nvPr>
             <p:ph type="dt" sz="half" idx="10"/>
             <p:custDataLst>
-              <p:tags r:id="rId11"/>
+              <p:tags r:id="rId7"/>
             </p:custDataLst>
           </p:nvPr>
         </p:nvSpPr>
@@ -1434,7 +2298,7 @@
           <p:nvPr>
             <p:ph type="ftr" sz="quarter" idx="11"/>
             <p:custDataLst>
-              <p:tags r:id="rId12"/>
+              <p:tags r:id="rId8"/>
             </p:custDataLst>
           </p:nvPr>
         </p:nvSpPr>
@@ -1465,257 +2329,6 @@
           <p:nvPr>
             <p:ph type="sldNum" sz="quarter" idx="12"/>
             <p:custDataLst>
-              <p:tags r:id="rId13"/>
-            </p:custDataLst>
-          </p:nvPr>
-        </p:nvSpPr>
-        <p:spPr/>
-        <p:txBody>
-          <a:bodyPr wrap="square">
-            <a:normAutofit/>
-          </a:bodyPr>
-          <a:lstStyle>
-            <a:lvl1pPr>
-              <a:defRPr>
-                <a:latin typeface="Arial" panose="020B0604020202020204" pitchFamily="34" charset="0"/>
-                <a:ea typeface="微软雅黑" panose="020B0503020204020204" charset="-122"/>
-              </a:defRPr>
-            </a:lvl1pPr>
-          </a:lstStyle>
-          <a:p>
-            <a:fld id="{49AE70B2-8BF9-45C0-BB95-33D1B9D3A854}" type="slidenum">
-              <a:rPr lang="zh-CN" altLang="en-US" smtClean="0"/>
-            </a:fld>
-            <a:endParaRPr lang="zh-CN" altLang="en-US" dirty="0"/>
-          </a:p>
-        </p:txBody>
-      </p:sp>
-    </p:spTree>
-  </p:cSld>
-  <p:clrMapOvr>
-    <a:masterClrMapping/>
-  </p:clrMapOvr>
-</p:sldLayout>
-</file>
-
-<file path=ppt/slideLayouts/slideLayout14.xml><?xml version="1.0" encoding="utf-8"?>
-<p:sldLayout xmlns:a="http://schemas.openxmlformats.org/drawingml/2006/main" xmlns:r="http://schemas.openxmlformats.org/officeDocument/2006/relationships" xmlns:p="http://schemas.openxmlformats.org/presentationml/2006/main" preserve="1" userDrawn="1">
-  <p:cSld name="左右">
-    <p:spTree>
-      <p:nvGrpSpPr>
-        <p:cNvPr id="1" name=""/>
-        <p:cNvGrpSpPr/>
-        <p:nvPr/>
-      </p:nvGrpSpPr>
-      <p:grpSpPr>
-        <a:xfrm>
-          <a:off x="0" y="0"/>
-          <a:ext cx="0" cy="0"/>
-          <a:chOff x="0" y="0"/>
-          <a:chExt cx="0" cy="0"/>
-        </a:xfrm>
-      </p:grpSpPr>
-      <p:sp>
-        <p:nvSpPr>
-          <p:cNvPr id="10" name="矩形 9"/>
-          <p:cNvSpPr/>
-          <p:nvPr userDrawn="1">
-            <p:custDataLst>
-              <p:tags r:id="rId2"/>
-            </p:custDataLst>
-          </p:nvPr>
-        </p:nvSpPr>
-        <p:spPr>
-          <a:xfrm>
-            <a:off x="0" y="0"/>
-            <a:ext cx="4824603" cy="6858000"/>
-          </a:xfrm>
-          <a:prstGeom prst="rect">
-            <a:avLst/>
-          </a:prstGeom>
-          <a:solidFill>
-            <a:schemeClr val="tx2">
-              <a:lumMod val="10000"/>
-              <a:lumOff val="90000"/>
-            </a:schemeClr>
-          </a:solidFill>
-          <a:ln w="12700" cap="flat" cmpd="sng" algn="ctr">
-            <a:noFill/>
-            <a:prstDash val="solid"/>
-            <a:miter lim="800000"/>
-          </a:ln>
-          <a:effectLst/>
-        </p:spPr>
-        <p:style>
-          <a:lnRef idx="2">
-            <a:schemeClr val="accent1">
-              <a:shade val="50000"/>
-            </a:schemeClr>
-          </a:lnRef>
-          <a:fillRef idx="1">
-            <a:schemeClr val="accent1"/>
-          </a:fillRef>
-          <a:effectRef idx="0">
-            <a:schemeClr val="accent1"/>
-          </a:effectRef>
-          <a:fontRef idx="minor">
-            <a:schemeClr val="lt1"/>
-          </a:fontRef>
-        </p:style>
-        <p:txBody>
-          <a:bodyPr wrap="square" rtlCol="0" anchor="ctr">
-            <a:normAutofit/>
-          </a:bodyPr>
-          <a:lstStyle/>
-          <a:p>
-            <a:pPr algn="ctr"/>
-            <a:endParaRPr lang="zh-CN" altLang="en-US"/>
-          </a:p>
-        </p:txBody>
-      </p:sp>
-      <p:pic>
-        <p:nvPicPr>
-          <p:cNvPr id="8" name="图片 7"/>
-          <p:cNvPicPr/>
-          <p:nvPr userDrawn="1">
-            <p:custDataLst>
-              <p:tags r:id="rId3"/>
-            </p:custDataLst>
-          </p:nvPr>
-        </p:nvPicPr>
-        <p:blipFill>
-          <a:blip r:embed="rId4" r:link="rId5" cstate="email"/>
-          <a:stretch>
-            <a:fillRect/>
-          </a:stretch>
-        </p:blipFill>
-        <p:spPr>
-          <a:xfrm>
-            <a:off x="11471910" y="0"/>
-            <a:ext cx="720090" cy="611299"/>
-          </a:xfrm>
-          <a:prstGeom prst="rect">
-            <a:avLst/>
-          </a:prstGeom>
-        </p:spPr>
-      </p:pic>
-      <p:sp>
-        <p:nvSpPr>
-          <p:cNvPr id="2" name="标题 1"/>
-          <p:cNvSpPr>
-            <a:spLocks noGrp="1"/>
-          </p:cNvSpPr>
-          <p:nvPr>
-            <p:ph type="title" hasCustomPrompt="1"/>
-            <p:custDataLst>
-              <p:tags r:id="rId6"/>
-            </p:custDataLst>
-          </p:nvPr>
-        </p:nvSpPr>
-        <p:spPr>
-          <a:xfrm>
-            <a:off x="583200" y="770400"/>
-            <a:ext cx="3960000" cy="882000"/>
-          </a:xfrm>
-        </p:spPr>
-        <p:txBody>
-          <a:bodyPr wrap="square" anchor="ctr" anchorCtr="0">
-            <a:normAutofit/>
-          </a:bodyPr>
-          <a:lstStyle>
-            <a:lvl1pPr>
-              <a:defRPr sz="3600" baseline="0">
-                <a:solidFill>
-                  <a:schemeClr val="tx1"/>
-                </a:solidFill>
-                <a:latin typeface="Arial" panose="020B0604020202020204" pitchFamily="34" charset="0"/>
-                <a:ea typeface="微软雅黑" panose="020B0503020204020204" charset="-122"/>
-              </a:defRPr>
-            </a:lvl1pPr>
-          </a:lstStyle>
-          <a:p>
-            <a:r>
-              <a:rPr lang="zh-CN" altLang="en-US" dirty="0"/>
-              <a:t>单击编辑标题</a:t>
-            </a:r>
-            <a:endParaRPr lang="zh-CN" altLang="en-US" dirty="0"/>
-          </a:p>
-        </p:txBody>
-      </p:sp>
-      <p:sp>
-        <p:nvSpPr>
-          <p:cNvPr id="3" name="日期占位符 2"/>
-          <p:cNvSpPr>
-            <a:spLocks noGrp="1"/>
-          </p:cNvSpPr>
-          <p:nvPr>
-            <p:ph type="dt" sz="half" idx="10"/>
-            <p:custDataLst>
-              <p:tags r:id="rId7"/>
-            </p:custDataLst>
-          </p:nvPr>
-        </p:nvSpPr>
-        <p:spPr/>
-        <p:txBody>
-          <a:bodyPr wrap="square">
-            <a:normAutofit/>
-          </a:bodyPr>
-          <a:lstStyle>
-            <a:lvl1pPr>
-              <a:defRPr>
-                <a:latin typeface="Arial" panose="020B0604020202020204" pitchFamily="34" charset="0"/>
-                <a:ea typeface="微软雅黑" panose="020B0503020204020204" charset="-122"/>
-              </a:defRPr>
-            </a:lvl1pPr>
-          </a:lstStyle>
-          <a:p>
-            <a:fld id="{760FBDFE-C587-4B4C-A407-44438C67B59E}" type="datetimeFigureOut">
-              <a:rPr lang="zh-CN" altLang="en-US" smtClean="0"/>
-            </a:fld>
-            <a:endParaRPr lang="zh-CN" altLang="en-US"/>
-          </a:p>
-        </p:txBody>
-      </p:sp>
-      <p:sp>
-        <p:nvSpPr>
-          <p:cNvPr id="4" name="页脚占位符 3"/>
-          <p:cNvSpPr>
-            <a:spLocks noGrp="1"/>
-          </p:cNvSpPr>
-          <p:nvPr>
-            <p:ph type="ftr" sz="quarter" idx="11"/>
-            <p:custDataLst>
-              <p:tags r:id="rId8"/>
-            </p:custDataLst>
-          </p:nvPr>
-        </p:nvSpPr>
-        <p:spPr/>
-        <p:txBody>
-          <a:bodyPr wrap="square">
-            <a:normAutofit/>
-          </a:bodyPr>
-          <a:lstStyle>
-            <a:lvl1pPr>
-              <a:defRPr>
-                <a:latin typeface="Arial" panose="020B0604020202020204" pitchFamily="34" charset="0"/>
-                <a:ea typeface="微软雅黑" panose="020B0503020204020204" charset="-122"/>
-              </a:defRPr>
-            </a:lvl1pPr>
-          </a:lstStyle>
-          <a:p>
-            <a:endParaRPr lang="zh-CN" altLang="en-US" dirty="0"/>
-          </a:p>
-        </p:txBody>
-      </p:sp>
-      <p:sp>
-        <p:nvSpPr>
-          <p:cNvPr id="5" name="灯片编号占位符 4"/>
-          <p:cNvSpPr>
-            <a:spLocks noGrp="1"/>
-          </p:cNvSpPr>
-          <p:nvPr>
-            <p:ph type="sldNum" sz="quarter" idx="12"/>
-            <p:custDataLst>
               <p:tags r:id="rId9"/>
             </p:custDataLst>
           </p:nvPr>
@@ -1756,8 +2369,8 @@
         </p:nvSpPr>
         <p:spPr>
           <a:xfrm>
-            <a:off x="586800" y="1764000"/>
-            <a:ext cx="3956400" cy="4093200"/>
+            <a:off x="612000" y="1659600"/>
+            <a:ext cx="10975975" cy="828000"/>
           </a:xfrm>
         </p:spPr>
         <p:txBody>
@@ -1765,7 +2378,7 @@
             <a:normAutofit/>
           </a:bodyPr>
           <a:lstStyle>
-            <a:lvl1pPr>
+            <a:lvl1pPr algn="ctr">
               <a:defRPr baseline="0">
                 <a:solidFill>
                   <a:schemeClr val="tx1"/>
@@ -1774,80 +2387,12 @@
                 <a:ea typeface="微软雅黑" panose="020B0503020204020204" charset="-122"/>
               </a:defRPr>
             </a:lvl1pPr>
-            <a:lvl2pPr>
-              <a:defRPr baseline="0">
-                <a:solidFill>
-                  <a:schemeClr val="tx1"/>
-                </a:solidFill>
-                <a:latin typeface="Arial" panose="020B0604020202020204" pitchFamily="34" charset="0"/>
-                <a:ea typeface="微软雅黑" panose="020B0503020204020204" charset="-122"/>
-              </a:defRPr>
-            </a:lvl2pPr>
-            <a:lvl3pPr>
-              <a:defRPr baseline="0">
-                <a:solidFill>
-                  <a:schemeClr val="tx1"/>
-                </a:solidFill>
-                <a:latin typeface="Arial" panose="020B0604020202020204" pitchFamily="34" charset="0"/>
-                <a:ea typeface="微软雅黑" panose="020B0503020204020204" charset="-122"/>
-              </a:defRPr>
-            </a:lvl3pPr>
-            <a:lvl4pPr>
-              <a:defRPr baseline="0">
-                <a:solidFill>
-                  <a:schemeClr val="tx1"/>
-                </a:solidFill>
-                <a:latin typeface="Arial" panose="020B0604020202020204" pitchFamily="34" charset="0"/>
-                <a:ea typeface="微软雅黑" panose="020B0503020204020204" charset="-122"/>
-              </a:defRPr>
-            </a:lvl4pPr>
-            <a:lvl5pPr>
-              <a:defRPr baseline="0">
-                <a:solidFill>
-                  <a:schemeClr val="tx1"/>
-                </a:solidFill>
-                <a:latin typeface="Arial" panose="020B0604020202020204" pitchFamily="34" charset="0"/>
-                <a:ea typeface="微软雅黑" panose="020B0503020204020204" charset="-122"/>
-              </a:defRPr>
-            </a:lvl5pPr>
           </a:lstStyle>
           <a:p>
             <a:pPr lvl="0"/>
             <a:r>
               <a:rPr lang="zh-CN" altLang="en-US" dirty="0"/>
               <a:t>单击此处编辑母版文本样式</a:t>
-            </a:r>
-            <a:endParaRPr lang="zh-CN" altLang="en-US" dirty="0"/>
-          </a:p>
-          <a:p>
-            <a:pPr lvl="1"/>
-            <a:r>
-              <a:rPr lang="zh-CN" altLang="en-US" dirty="0"/>
-              <a:t>第二级</a:t>
-            </a:r>
-            <a:endParaRPr lang="zh-CN" altLang="en-US" dirty="0"/>
-          </a:p>
-          <a:p>
-            <a:pPr lvl="2"/>
-            <a:r>
-              <a:rPr lang="zh-CN" altLang="en-US" dirty="0"/>
-              <a:t>第三级</a:t>
-            </a:r>
-            <a:endParaRPr lang="zh-CN" altLang="en-US" dirty="0"/>
-          </a:p>
-          <a:p>
-            <a:pPr lvl="3"/>
-            <a:r>
-              <a:rPr lang="zh-CN" altLang="en-US" dirty="0"/>
-              <a:t>第四级</a:t>
-            </a:r>
-            <a:endParaRPr lang="zh-CN" altLang="en-US" dirty="0"/>
-          </a:p>
-          <a:p>
-            <a:pPr lvl="4"/>
-            <a:r>
-              <a:rPr lang="zh-CN" altLang="en-US" dirty="0"/>
-              <a:t>第五级</a:t>
             </a:r>
             <a:endParaRPr lang="zh-CN" altLang="en-US" dirty="0"/>
           </a:p>
@@ -1863,439 +2408,6 @@
             <p:ph sz="quarter" idx="14"/>
             <p:custDataLst>
               <p:tags r:id="rId11"/>
-            </p:custDataLst>
-          </p:nvPr>
-        </p:nvSpPr>
-        <p:spPr>
-          <a:xfrm>
-            <a:off x="5101200" y="769938"/>
-            <a:ext cx="6480000" cy="5087937"/>
-          </a:xfrm>
-        </p:spPr>
-        <p:txBody>
-          <a:bodyPr wrap="square">
-            <a:normAutofit/>
-          </a:bodyPr>
-          <a:lstStyle>
-            <a:lvl1pPr>
-              <a:defRPr baseline="0">
-                <a:solidFill>
-                  <a:schemeClr val="tx1"/>
-                </a:solidFill>
-                <a:latin typeface="Arial" panose="020B0604020202020204" pitchFamily="34" charset="0"/>
-                <a:ea typeface="微软雅黑" panose="020B0503020204020204" charset="-122"/>
-              </a:defRPr>
-            </a:lvl1pPr>
-            <a:lvl2pPr>
-              <a:defRPr baseline="0">
-                <a:solidFill>
-                  <a:schemeClr val="tx1"/>
-                </a:solidFill>
-                <a:latin typeface="Arial" panose="020B0604020202020204" pitchFamily="34" charset="0"/>
-                <a:ea typeface="微软雅黑" panose="020B0503020204020204" charset="-122"/>
-              </a:defRPr>
-            </a:lvl2pPr>
-            <a:lvl3pPr>
-              <a:defRPr baseline="0">
-                <a:solidFill>
-                  <a:schemeClr val="tx1"/>
-                </a:solidFill>
-                <a:latin typeface="Arial" panose="020B0604020202020204" pitchFamily="34" charset="0"/>
-                <a:ea typeface="微软雅黑" panose="020B0503020204020204" charset="-122"/>
-              </a:defRPr>
-            </a:lvl3pPr>
-            <a:lvl4pPr>
-              <a:defRPr baseline="0">
-                <a:solidFill>
-                  <a:schemeClr val="tx1"/>
-                </a:solidFill>
-                <a:latin typeface="Arial" panose="020B0604020202020204" pitchFamily="34" charset="0"/>
-                <a:ea typeface="微软雅黑" panose="020B0503020204020204" charset="-122"/>
-              </a:defRPr>
-            </a:lvl4pPr>
-            <a:lvl5pPr>
-              <a:defRPr baseline="0">
-                <a:solidFill>
-                  <a:schemeClr val="tx1"/>
-                </a:solidFill>
-                <a:latin typeface="Arial" panose="020B0604020202020204" pitchFamily="34" charset="0"/>
-                <a:ea typeface="微软雅黑" panose="020B0503020204020204" charset="-122"/>
-              </a:defRPr>
-            </a:lvl5pPr>
-          </a:lstStyle>
-          <a:p>
-            <a:pPr lvl="0"/>
-            <a:r>
-              <a:rPr lang="zh-CN" altLang="en-US" dirty="0"/>
-              <a:t>单击此处编辑母版文本样式</a:t>
-            </a:r>
-            <a:endParaRPr lang="zh-CN" altLang="en-US" dirty="0"/>
-          </a:p>
-          <a:p>
-            <a:pPr lvl="1"/>
-            <a:r>
-              <a:rPr lang="zh-CN" altLang="en-US" dirty="0"/>
-              <a:t>第二级</a:t>
-            </a:r>
-            <a:endParaRPr lang="zh-CN" altLang="en-US" dirty="0"/>
-          </a:p>
-          <a:p>
-            <a:pPr lvl="2"/>
-            <a:r>
-              <a:rPr lang="zh-CN" altLang="en-US" dirty="0"/>
-              <a:t>第三级</a:t>
-            </a:r>
-            <a:endParaRPr lang="zh-CN" altLang="en-US" dirty="0"/>
-          </a:p>
-          <a:p>
-            <a:pPr lvl="3"/>
-            <a:r>
-              <a:rPr lang="zh-CN" altLang="en-US" dirty="0"/>
-              <a:t>第四级</a:t>
-            </a:r>
-            <a:endParaRPr lang="zh-CN" altLang="en-US" dirty="0"/>
-          </a:p>
-          <a:p>
-            <a:pPr lvl="4"/>
-            <a:r>
-              <a:rPr lang="zh-CN" altLang="en-US" dirty="0"/>
-              <a:t>第五级</a:t>
-            </a:r>
-            <a:endParaRPr lang="zh-CN" altLang="en-US" dirty="0"/>
-          </a:p>
-        </p:txBody>
-      </p:sp>
-    </p:spTree>
-  </p:cSld>
-  <p:clrMapOvr>
-    <a:masterClrMapping/>
-  </p:clrMapOvr>
-</p:sldLayout>
-</file>
-
-<file path=ppt/slideLayouts/slideLayout15.xml><?xml version="1.0" encoding="utf-8"?>
-<p:sldLayout xmlns:a="http://schemas.openxmlformats.org/drawingml/2006/main" xmlns:r="http://schemas.openxmlformats.org/officeDocument/2006/relationships" xmlns:p="http://schemas.openxmlformats.org/presentationml/2006/main" preserve="1" userDrawn="1">
-  <p:cSld name="上下">
-    <p:spTree>
-      <p:nvGrpSpPr>
-        <p:cNvPr id="1" name=""/>
-        <p:cNvGrpSpPr/>
-        <p:nvPr/>
-      </p:nvGrpSpPr>
-      <p:grpSpPr>
-        <a:xfrm>
-          <a:off x="0" y="0"/>
-          <a:ext cx="0" cy="0"/>
-          <a:chOff x="0" y="0"/>
-          <a:chExt cx="0" cy="0"/>
-        </a:xfrm>
-      </p:grpSpPr>
-      <p:sp>
-        <p:nvSpPr>
-          <p:cNvPr id="11" name="矩形 10"/>
-          <p:cNvSpPr/>
-          <p:nvPr userDrawn="1">
-            <p:custDataLst>
-              <p:tags r:id="rId2"/>
-            </p:custDataLst>
-          </p:nvPr>
-        </p:nvSpPr>
-        <p:spPr>
-          <a:xfrm>
-            <a:off x="0" y="0"/>
-            <a:ext cx="12192000" cy="2664333"/>
-          </a:xfrm>
-          <a:prstGeom prst="rect">
-            <a:avLst/>
-          </a:prstGeom>
-          <a:solidFill>
-            <a:schemeClr val="tx2">
-              <a:lumMod val="10000"/>
-              <a:lumOff val="90000"/>
-            </a:schemeClr>
-          </a:solidFill>
-          <a:ln w="12700" cap="flat" cmpd="sng" algn="ctr">
-            <a:noFill/>
-            <a:prstDash val="solid"/>
-            <a:miter lim="800000"/>
-          </a:ln>
-          <a:effectLst/>
-        </p:spPr>
-        <p:style>
-          <a:lnRef idx="2">
-            <a:schemeClr val="accent1">
-              <a:shade val="50000"/>
-            </a:schemeClr>
-          </a:lnRef>
-          <a:fillRef idx="1">
-            <a:schemeClr val="accent1"/>
-          </a:fillRef>
-          <a:effectRef idx="0">
-            <a:schemeClr val="accent1"/>
-          </a:effectRef>
-          <a:fontRef idx="minor">
-            <a:schemeClr val="lt1"/>
-          </a:fontRef>
-        </p:style>
-        <p:txBody>
-          <a:bodyPr wrap="square" rtlCol="0" anchor="ctr">
-            <a:normAutofit/>
-          </a:bodyPr>
-          <a:lstStyle/>
-          <a:p>
-            <a:pPr algn="ctr"/>
-            <a:endParaRPr lang="zh-CN" altLang="en-US"/>
-          </a:p>
-        </p:txBody>
-      </p:sp>
-      <p:pic>
-        <p:nvPicPr>
-          <p:cNvPr id="10" name="图片 9"/>
-          <p:cNvPicPr/>
-          <p:nvPr userDrawn="1">
-            <p:custDataLst>
-              <p:tags r:id="rId3"/>
-            </p:custDataLst>
-          </p:nvPr>
-        </p:nvPicPr>
-        <p:blipFill>
-          <a:blip r:embed="rId4" r:link="rId5" cstate="email"/>
-          <a:stretch>
-            <a:fillRect/>
-          </a:stretch>
-        </p:blipFill>
-        <p:spPr>
-          <a:xfrm>
-            <a:off x="0" y="0"/>
-            <a:ext cx="720090" cy="611505"/>
-          </a:xfrm>
-          <a:prstGeom prst="rect">
-            <a:avLst/>
-          </a:prstGeom>
-        </p:spPr>
-      </p:pic>
-      <p:pic>
-        <p:nvPicPr>
-          <p:cNvPr id="8" name="图片 7"/>
-          <p:cNvPicPr/>
-          <p:nvPr userDrawn="1">
-            <p:custDataLst>
-              <p:tags r:id="rId6"/>
-            </p:custDataLst>
-          </p:nvPr>
-        </p:nvPicPr>
-        <p:blipFill>
-          <a:blip r:embed="rId7" r:link="rId8" cstate="email"/>
-          <a:stretch>
-            <a:fillRect/>
-          </a:stretch>
-        </p:blipFill>
-        <p:spPr>
-          <a:xfrm>
-            <a:off x="11471910" y="0"/>
-            <a:ext cx="720090" cy="682625"/>
-          </a:xfrm>
-          <a:prstGeom prst="rect">
-            <a:avLst/>
-          </a:prstGeom>
-        </p:spPr>
-      </p:pic>
-      <p:sp>
-        <p:nvSpPr>
-          <p:cNvPr id="2" name="标题 1"/>
-          <p:cNvSpPr>
-            <a:spLocks noGrp="1"/>
-          </p:cNvSpPr>
-          <p:nvPr>
-            <p:ph type="title"/>
-            <p:custDataLst>
-              <p:tags r:id="rId9"/>
-            </p:custDataLst>
-          </p:nvPr>
-        </p:nvSpPr>
-        <p:spPr>
-          <a:xfrm>
-            <a:off x="612000" y="781200"/>
-            <a:ext cx="10976400" cy="626400"/>
-          </a:xfrm>
-        </p:spPr>
-        <p:txBody>
-          <a:bodyPr wrap="square" anchor="ctr">
-            <a:normAutofit/>
-          </a:bodyPr>
-          <a:lstStyle>
-            <a:lvl1pPr algn="ctr">
-              <a:defRPr sz="3600" baseline="0">
-                <a:solidFill>
-                  <a:schemeClr val="tx1"/>
-                </a:solidFill>
-                <a:latin typeface="Arial" panose="020B0604020202020204" pitchFamily="34" charset="0"/>
-                <a:ea typeface="微软雅黑" panose="020B0503020204020204" charset="-122"/>
-              </a:defRPr>
-            </a:lvl1pPr>
-          </a:lstStyle>
-          <a:p>
-            <a:r>
-              <a:rPr lang="zh-CN" altLang="en-US"/>
-              <a:t>单击此处编辑母版标题样式</a:t>
-            </a:r>
-            <a:endParaRPr lang="zh-CN" altLang="en-US"/>
-          </a:p>
-        </p:txBody>
-      </p:sp>
-      <p:sp>
-        <p:nvSpPr>
-          <p:cNvPr id="3" name="日期占位符 2"/>
-          <p:cNvSpPr>
-            <a:spLocks noGrp="1"/>
-          </p:cNvSpPr>
-          <p:nvPr>
-            <p:ph type="dt" sz="half" idx="10"/>
-            <p:custDataLst>
-              <p:tags r:id="rId10"/>
-            </p:custDataLst>
-          </p:nvPr>
-        </p:nvSpPr>
-        <p:spPr/>
-        <p:txBody>
-          <a:bodyPr wrap="square">
-            <a:normAutofit/>
-          </a:bodyPr>
-          <a:lstStyle>
-            <a:lvl1pPr>
-              <a:defRPr>
-                <a:latin typeface="Arial" panose="020B0604020202020204" pitchFamily="34" charset="0"/>
-                <a:ea typeface="微软雅黑" panose="020B0503020204020204" charset="-122"/>
-              </a:defRPr>
-            </a:lvl1pPr>
-          </a:lstStyle>
-          <a:p>
-            <a:fld id="{760FBDFE-C587-4B4C-A407-44438C67B59E}" type="datetimeFigureOut">
-              <a:rPr lang="zh-CN" altLang="en-US" smtClean="0"/>
-            </a:fld>
-            <a:endParaRPr lang="zh-CN" altLang="en-US"/>
-          </a:p>
-        </p:txBody>
-      </p:sp>
-      <p:sp>
-        <p:nvSpPr>
-          <p:cNvPr id="4" name="页脚占位符 3"/>
-          <p:cNvSpPr>
-            <a:spLocks noGrp="1"/>
-          </p:cNvSpPr>
-          <p:nvPr>
-            <p:ph type="ftr" sz="quarter" idx="11"/>
-            <p:custDataLst>
-              <p:tags r:id="rId11"/>
-            </p:custDataLst>
-          </p:nvPr>
-        </p:nvSpPr>
-        <p:spPr/>
-        <p:txBody>
-          <a:bodyPr wrap="square">
-            <a:normAutofit/>
-          </a:bodyPr>
-          <a:lstStyle>
-            <a:lvl1pPr>
-              <a:defRPr>
-                <a:latin typeface="Arial" panose="020B0604020202020204" pitchFamily="34" charset="0"/>
-                <a:ea typeface="微软雅黑" panose="020B0503020204020204" charset="-122"/>
-              </a:defRPr>
-            </a:lvl1pPr>
-          </a:lstStyle>
-          <a:p>
-            <a:endParaRPr lang="zh-CN" altLang="en-US" dirty="0"/>
-          </a:p>
-        </p:txBody>
-      </p:sp>
-      <p:sp>
-        <p:nvSpPr>
-          <p:cNvPr id="5" name="灯片编号占位符 4"/>
-          <p:cNvSpPr>
-            <a:spLocks noGrp="1"/>
-          </p:cNvSpPr>
-          <p:nvPr>
-            <p:ph type="sldNum" sz="quarter" idx="12"/>
-            <p:custDataLst>
-              <p:tags r:id="rId12"/>
-            </p:custDataLst>
-          </p:nvPr>
-        </p:nvSpPr>
-        <p:spPr/>
-        <p:txBody>
-          <a:bodyPr wrap="square">
-            <a:normAutofit/>
-          </a:bodyPr>
-          <a:lstStyle>
-            <a:lvl1pPr>
-              <a:defRPr>
-                <a:latin typeface="Arial" panose="020B0604020202020204" pitchFamily="34" charset="0"/>
-                <a:ea typeface="微软雅黑" panose="020B0503020204020204" charset="-122"/>
-              </a:defRPr>
-            </a:lvl1pPr>
-          </a:lstStyle>
-          <a:p>
-            <a:fld id="{49AE70B2-8BF9-45C0-BB95-33D1B9D3A854}" type="slidenum">
-              <a:rPr lang="zh-CN" altLang="en-US" smtClean="0"/>
-            </a:fld>
-            <a:endParaRPr lang="zh-CN" altLang="en-US" dirty="0"/>
-          </a:p>
-        </p:txBody>
-      </p:sp>
-      <p:sp>
-        <p:nvSpPr>
-          <p:cNvPr id="7" name="文本占位符 6"/>
-          <p:cNvSpPr>
-            <a:spLocks noGrp="1"/>
-          </p:cNvSpPr>
-          <p:nvPr>
-            <p:ph type="body" sz="quarter" idx="13"/>
-            <p:custDataLst>
-              <p:tags r:id="rId13"/>
-            </p:custDataLst>
-          </p:nvPr>
-        </p:nvSpPr>
-        <p:spPr>
-          <a:xfrm>
-            <a:off x="612000" y="1659600"/>
-            <a:ext cx="10975975" cy="828000"/>
-          </a:xfrm>
-        </p:spPr>
-        <p:txBody>
-          <a:bodyPr wrap="square">
-            <a:normAutofit/>
-          </a:bodyPr>
-          <a:lstStyle>
-            <a:lvl1pPr algn="ctr">
-              <a:defRPr baseline="0">
-                <a:solidFill>
-                  <a:schemeClr val="tx1"/>
-                </a:solidFill>
-                <a:latin typeface="Arial" panose="020B0604020202020204" pitchFamily="34" charset="0"/>
-                <a:ea typeface="微软雅黑" panose="020B0503020204020204" charset="-122"/>
-              </a:defRPr>
-            </a:lvl1pPr>
-          </a:lstStyle>
-          <a:p>
-            <a:pPr lvl="0"/>
-            <a:r>
-              <a:rPr lang="zh-CN" altLang="en-US" dirty="0"/>
-              <a:t>单击此处编辑母版文本样式</a:t>
-            </a:r>
-            <a:endParaRPr lang="zh-CN" altLang="en-US" dirty="0"/>
-          </a:p>
-        </p:txBody>
-      </p:sp>
-      <p:sp>
-        <p:nvSpPr>
-          <p:cNvPr id="9" name="内容占位符 8"/>
-          <p:cNvSpPr>
-            <a:spLocks noGrp="1"/>
-          </p:cNvSpPr>
-          <p:nvPr>
-            <p:ph sz="quarter" idx="14"/>
-            <p:custDataLst>
-              <p:tags r:id="rId14"/>
             </p:custDataLst>
           </p:nvPr>
         </p:nvSpPr>
@@ -2551,6 +2663,9 @@
             <a:off x="604800" y="669600"/>
             <a:ext cx="10976400" cy="565200"/>
           </a:xfrm>
+          <a:prstGeom prst="rect">
+            <a:avLst/>
+          </a:prstGeom>
         </p:spPr>
         <p:txBody>
           <a:bodyPr wrap="square" anchor="ctr" anchorCtr="0">
@@ -2984,6 +3099,9 @@
             <a:off x="579600" y="237600"/>
             <a:ext cx="11037600" cy="441964"/>
           </a:xfrm>
+          <a:prstGeom prst="rect">
+            <a:avLst/>
+          </a:prstGeom>
         </p:spPr>
         <p:txBody>
           <a:bodyPr wrap="square">
@@ -3503,58 +3621,6 @@
           </a:p>
         </p:txBody>
       </p:sp>
-      <p:pic>
-        <p:nvPicPr>
-          <p:cNvPr id="9" name="图片 8"/>
-          <p:cNvPicPr/>
-          <p:nvPr userDrawn="1">
-            <p:custDataLst>
-              <p:tags r:id="rId3"/>
-            </p:custDataLst>
-          </p:nvPr>
-        </p:nvPicPr>
-        <p:blipFill>
-          <a:blip r:embed="rId4" r:link="rId5" cstate="email"/>
-          <a:stretch>
-            <a:fillRect/>
-          </a:stretch>
-        </p:blipFill>
-        <p:spPr>
-          <a:xfrm>
-            <a:off x="10571480" y="5482590"/>
-            <a:ext cx="1619885" cy="1375410"/>
-          </a:xfrm>
-          <a:prstGeom prst="rect">
-            <a:avLst/>
-          </a:prstGeom>
-        </p:spPr>
-      </p:pic>
-      <p:pic>
-        <p:nvPicPr>
-          <p:cNvPr id="8" name="图片 7"/>
-          <p:cNvPicPr/>
-          <p:nvPr userDrawn="1">
-            <p:custDataLst>
-              <p:tags r:id="rId6"/>
-            </p:custDataLst>
-          </p:nvPr>
-        </p:nvPicPr>
-        <p:blipFill>
-          <a:blip r:embed="rId7" r:link="rId8" cstate="email"/>
-          <a:stretch>
-            <a:fillRect/>
-          </a:stretch>
-        </p:blipFill>
-        <p:spPr>
-          <a:xfrm>
-            <a:off x="0" y="5322570"/>
-            <a:ext cx="1619885" cy="1535430"/>
-          </a:xfrm>
-          <a:prstGeom prst="rect">
-            <a:avLst/>
-          </a:prstGeom>
-        </p:spPr>
-      </p:pic>
       <p:sp>
         <p:nvSpPr>
           <p:cNvPr id="2" name="标题 1"/>
@@ -3564,7 +3630,7 @@
           <p:nvPr>
             <p:ph type="title" hasCustomPrompt="1"/>
             <p:custDataLst>
-              <p:tags r:id="rId9"/>
+              <p:tags r:id="rId3"/>
             </p:custDataLst>
           </p:nvPr>
         </p:nvSpPr>
@@ -3573,6 +3639,9 @@
             <a:off x="1522800" y="1339200"/>
             <a:ext cx="9144000" cy="2386800"/>
           </a:xfrm>
+          <a:prstGeom prst="rect">
+            <a:avLst/>
+          </a:prstGeom>
         </p:spPr>
         <p:txBody>
           <a:bodyPr wrap="square" anchor="b">
@@ -3607,7 +3676,7 @@
           <p:nvPr>
             <p:ph type="dt" sz="half" idx="10"/>
             <p:custDataLst>
-              <p:tags r:id="rId10"/>
+              <p:tags r:id="rId4"/>
             </p:custDataLst>
           </p:nvPr>
         </p:nvSpPr>
@@ -3641,7 +3710,7 @@
           <p:nvPr>
             <p:ph type="ftr" sz="quarter" idx="11"/>
             <p:custDataLst>
-              <p:tags r:id="rId11"/>
+              <p:tags r:id="rId5"/>
             </p:custDataLst>
           </p:nvPr>
         </p:nvSpPr>
@@ -3672,7 +3741,7 @@
           <p:nvPr>
             <p:ph type="sldNum" sz="quarter" idx="12"/>
             <p:custDataLst>
-              <p:tags r:id="rId12"/>
+              <p:tags r:id="rId6"/>
             </p:custDataLst>
           </p:nvPr>
         </p:nvSpPr>
@@ -3706,7 +3775,7 @@
           <p:nvPr>
             <p:ph type="body" sz="quarter" idx="13"/>
             <p:custDataLst>
-              <p:tags r:id="rId13"/>
+              <p:tags r:id="rId7"/>
             </p:custDataLst>
           </p:nvPr>
         </p:nvSpPr>
@@ -3855,6 +3924,9 @@
             <a:off x="669882" y="443234"/>
             <a:ext cx="10852237" cy="441964"/>
           </a:xfrm>
+          <a:prstGeom prst="rect">
+            <a:avLst/>
+          </a:prstGeom>
         </p:spPr>
         <p:txBody>
           <a:bodyPr vert="horz" wrap="square" lIns="90170" tIns="46990" rIns="90170" bIns="46990" rtlCol="0" anchor="ctr" anchorCtr="0">
@@ -4196,6 +4268,30 @@
           </a:p>
         </p:txBody>
       </p:sp>
+      <p:pic>
+        <p:nvPicPr>
+          <p:cNvPr id="10" name="图片 9" descr="DM_20240308123443_003"/>
+          <p:cNvPicPr>
+            <a:picLocks noChangeAspect="1"/>
+          </p:cNvPicPr>
+          <p:nvPr userDrawn="1"/>
+        </p:nvPicPr>
+        <p:blipFill>
+          <a:blip r:embed="rId14"/>
+          <a:stretch>
+            <a:fillRect/>
+          </a:stretch>
+        </p:blipFill>
+        <p:spPr>
+          <a:xfrm rot="1860000">
+            <a:off x="1136650" y="5703570"/>
+            <a:ext cx="431800" cy="455295"/>
+          </a:xfrm>
+          <a:prstGeom prst="rect">
+            <a:avLst/>
+          </a:prstGeom>
+        </p:spPr>
+      </p:pic>
     </p:spTree>
   </p:cSld>
   <p:clrMapOvr>
@@ -4364,6 +4460,9 @@
             <a:off x="2191067" y="2707006"/>
             <a:ext cx="5894070" cy="714375"/>
           </a:xfrm>
+          <a:prstGeom prst="rect">
+            <a:avLst/>
+          </a:prstGeom>
         </p:spPr>
         <p:txBody>
           <a:bodyPr vert="horz" wrap="square" lIns="0" tIns="0" rIns="0" bIns="0" anchor="ctr" anchorCtr="0">
@@ -4492,6 +4591,1886 @@
 <file path=ppt/slideLayouts/slideLayout4.xml><?xml version="1.0" encoding="utf-8"?>
 <p:sldLayout xmlns:a="http://schemas.openxmlformats.org/drawingml/2006/main" xmlns:r="http://schemas.openxmlformats.org/officeDocument/2006/relationships" xmlns:p="http://schemas.openxmlformats.org/presentationml/2006/main" type="twoObj" preserve="1">
   <p:cSld name="两栏内容">
+    <p:spTree>
+      <p:nvGrpSpPr>
+        <p:cNvPr id="1" name=""/>
+        <p:cNvGrpSpPr/>
+        <p:nvPr/>
+      </p:nvGrpSpPr>
+      <p:grpSpPr>
+        <a:xfrm>
+          <a:off x="0" y="0"/>
+          <a:ext cx="0" cy="0"/>
+          <a:chOff x="0" y="0"/>
+          <a:chExt cx="0" cy="0"/>
+        </a:xfrm>
+      </p:grpSpPr>
+      <p:sp>
+        <p:nvSpPr>
+          <p:cNvPr id="2" name="标题 1"/>
+          <p:cNvSpPr>
+            <a:spLocks noGrp="1"/>
+          </p:cNvSpPr>
+          <p:nvPr>
+            <p:ph type="title"/>
+            <p:custDataLst>
+              <p:tags r:id="rId2"/>
+            </p:custDataLst>
+          </p:nvPr>
+        </p:nvSpPr>
+        <p:spPr>
+          <a:xfrm>
+            <a:off x="669882" y="443234"/>
+            <a:ext cx="10852237" cy="441964"/>
+          </a:xfrm>
+          <a:prstGeom prst="rect">
+            <a:avLst/>
+          </a:prstGeom>
+        </p:spPr>
+        <p:txBody>
+          <a:bodyPr vert="horz" wrap="square" lIns="90170" tIns="46990" rIns="90170" bIns="46990" rtlCol="0" anchor="ctr" anchorCtr="0">
+            <a:normAutofit/>
+          </a:bodyPr>
+          <a:lstStyle>
+            <a:lvl1pPr marL="0" marR="0" lvl="0" algn="l" defTabSz="914400" rtl="0" eaLnBrk="1" fontAlgn="auto" latinLnBrk="0" hangingPunct="1">
+              <a:lnSpc>
+                <a:spcPct val="100000"/>
+              </a:lnSpc>
+              <a:buNone/>
+              <a:defRPr kumimoji="0" lang="zh-CN" altLang="en-US" sz="2400" b="1" i="0" u="none" strike="noStrike" kern="1200" cap="none" spc="200" normalizeH="0" baseline="0" noProof="1" dirty="0">
+                <a:solidFill>
+                  <a:schemeClr val="tx1"/>
+                </a:solidFill>
+                <a:uFillTx/>
+                <a:latin typeface="Arial" panose="020B0604020202020204" pitchFamily="34" charset="0"/>
+                <a:ea typeface="微软雅黑" panose="020B0503020204020204" charset="-122"/>
+                <a:cs typeface="+mj-cs"/>
+                <a:sym typeface="+mn-ea"/>
+              </a:defRPr>
+            </a:lvl1pPr>
+          </a:lstStyle>
+          <a:p>
+            <a:pPr lvl="0"/>
+            <a:r>
+              <a:rPr>
+                <a:sym typeface="+mn-ea"/>
+              </a:rPr>
+              <a:t>单击此处编辑母版标题样式</a:t>
+            </a:r>
+            <a:endParaRPr>
+              <a:sym typeface="+mn-ea"/>
+            </a:endParaRPr>
+          </a:p>
+        </p:txBody>
+      </p:sp>
+      <p:sp>
+        <p:nvSpPr>
+          <p:cNvPr id="3" name="内容占位符 2"/>
+          <p:cNvSpPr>
+            <a:spLocks noGrp="1"/>
+          </p:cNvSpPr>
+          <p:nvPr>
+            <p:ph sz="half" idx="1"/>
+            <p:custDataLst>
+              <p:tags r:id="rId3"/>
+            </p:custDataLst>
+          </p:nvPr>
+        </p:nvSpPr>
+        <p:spPr>
+          <a:xfrm>
+            <a:off x="669930" y="952508"/>
+            <a:ext cx="5283242" cy="5388907"/>
+          </a:xfrm>
+        </p:spPr>
+        <p:txBody>
+          <a:bodyPr vert="horz" wrap="square" lIns="90170" tIns="46990" rIns="90170" bIns="46990" rtlCol="0">
+            <a:normAutofit/>
+          </a:bodyPr>
+          <a:lstStyle>
+            <a:lvl1pPr marL="228600" marR="0" lvl="0" indent="-228600" algn="l" defTabSz="914400" rtl="0" eaLnBrk="1" fontAlgn="auto" latinLnBrk="0" hangingPunct="1">
+              <a:lnSpc>
+                <a:spcPct val="130000"/>
+              </a:lnSpc>
+              <a:spcBef>
+                <a:spcPts val="0"/>
+              </a:spcBef>
+              <a:spcAft>
+                <a:spcPts val="1000"/>
+              </a:spcAft>
+              <a:buFont typeface="Arial" panose="020B0604020202020204" pitchFamily="34" charset="0"/>
+              <a:buChar char="•"/>
+              <a:defRPr kumimoji="0" lang="zh-CN" altLang="en-US" sz="1600" b="0" i="0" u="none" strike="noStrike" kern="1200" cap="none" spc="150" normalizeH="0" baseline="0" noProof="1" dirty="0">
+                <a:solidFill>
+                  <a:schemeClr val="tx1"/>
+                </a:solidFill>
+                <a:uFillTx/>
+                <a:latin typeface="Arial" panose="020B0604020202020204" pitchFamily="34" charset="0"/>
+                <a:ea typeface="微软雅黑" panose="020B0503020204020204" charset="-122"/>
+                <a:cs typeface="+mn-cs"/>
+                <a:sym typeface="+mn-ea"/>
+              </a:defRPr>
+            </a:lvl1pPr>
+            <a:lvl2pPr marL="685800" marR="0" lvl="1" indent="-228600" algn="l" defTabSz="914400" rtl="0" eaLnBrk="1" fontAlgn="auto" latinLnBrk="0" hangingPunct="1">
+              <a:lnSpc>
+                <a:spcPct val="130000"/>
+              </a:lnSpc>
+              <a:spcBef>
+                <a:spcPts val="0"/>
+              </a:spcBef>
+              <a:spcAft>
+                <a:spcPts val="1000"/>
+              </a:spcAft>
+              <a:buFont typeface="Arial" panose="020B0604020202020204" pitchFamily="34" charset="0"/>
+              <a:buChar char="•"/>
+              <a:tabLst>
+                <a:tab pos="1609725" algn="l"/>
+              </a:tabLst>
+              <a:defRPr kumimoji="0" lang="zh-CN" altLang="en-US" sz="1600" b="0" i="0" u="none" strike="noStrike" kern="1200" cap="none" spc="150" normalizeH="0" baseline="0" noProof="1" dirty="0">
+                <a:solidFill>
+                  <a:schemeClr val="tx1"/>
+                </a:solidFill>
+                <a:uFillTx/>
+                <a:latin typeface="Arial" panose="020B0604020202020204" pitchFamily="34" charset="0"/>
+                <a:ea typeface="微软雅黑" panose="020B0503020204020204" charset="-122"/>
+                <a:cs typeface="+mn-cs"/>
+                <a:sym typeface="+mn-ea"/>
+              </a:defRPr>
+            </a:lvl2pPr>
+            <a:lvl3pPr marL="1143000" marR="0" lvl="2" indent="-228600" algn="l" defTabSz="914400" rtl="0" eaLnBrk="1" fontAlgn="auto" latinLnBrk="0" hangingPunct="1">
+              <a:lnSpc>
+                <a:spcPct val="130000"/>
+              </a:lnSpc>
+              <a:spcBef>
+                <a:spcPts val="0"/>
+              </a:spcBef>
+              <a:spcAft>
+                <a:spcPts val="1000"/>
+              </a:spcAft>
+              <a:buFont typeface="Arial" panose="020B0604020202020204" pitchFamily="34" charset="0"/>
+              <a:buChar char="•"/>
+              <a:defRPr kumimoji="0" lang="zh-CN" altLang="en-US" sz="1600" b="0" i="0" u="none" strike="noStrike" kern="1200" cap="none" spc="150" normalizeH="0" baseline="0" noProof="1" dirty="0">
+                <a:solidFill>
+                  <a:schemeClr val="tx1"/>
+                </a:solidFill>
+                <a:uFillTx/>
+                <a:latin typeface="Arial" panose="020B0604020202020204" pitchFamily="34" charset="0"/>
+                <a:ea typeface="微软雅黑" panose="020B0503020204020204" charset="-122"/>
+                <a:cs typeface="+mn-cs"/>
+                <a:sym typeface="+mn-ea"/>
+              </a:defRPr>
+            </a:lvl3pPr>
+            <a:lvl4pPr marL="1600200" marR="0" lvl="3" indent="-228600" algn="l" defTabSz="914400" rtl="0" eaLnBrk="1" fontAlgn="auto" latinLnBrk="0" hangingPunct="1">
+              <a:lnSpc>
+                <a:spcPct val="130000"/>
+              </a:lnSpc>
+              <a:spcBef>
+                <a:spcPts val="0"/>
+              </a:spcBef>
+              <a:spcAft>
+                <a:spcPts val="1000"/>
+              </a:spcAft>
+              <a:buFont typeface="Arial" panose="020B0604020202020204" pitchFamily="34" charset="0"/>
+              <a:buChar char="•"/>
+              <a:defRPr kumimoji="0" lang="zh-CN" altLang="en-US" sz="1600" b="0" i="0" u="none" strike="noStrike" kern="1200" cap="none" spc="150" normalizeH="0" baseline="0" noProof="1" dirty="0">
+                <a:solidFill>
+                  <a:schemeClr val="tx1"/>
+                </a:solidFill>
+                <a:uFillTx/>
+                <a:latin typeface="Arial" panose="020B0604020202020204" pitchFamily="34" charset="0"/>
+                <a:ea typeface="微软雅黑" panose="020B0503020204020204" charset="-122"/>
+                <a:cs typeface="+mn-cs"/>
+                <a:sym typeface="+mn-ea"/>
+              </a:defRPr>
+            </a:lvl4pPr>
+            <a:lvl5pPr marL="2057400" marR="0" lvl="4" indent="-228600" algn="l" defTabSz="914400" rtl="0" eaLnBrk="1" fontAlgn="auto" latinLnBrk="0" hangingPunct="1">
+              <a:lnSpc>
+                <a:spcPct val="130000"/>
+              </a:lnSpc>
+              <a:spcBef>
+                <a:spcPts val="0"/>
+              </a:spcBef>
+              <a:spcAft>
+                <a:spcPts val="1000"/>
+              </a:spcAft>
+              <a:buFont typeface="Arial" panose="020B0604020202020204" pitchFamily="34" charset="0"/>
+              <a:buChar char="•"/>
+              <a:defRPr kumimoji="0" lang="zh-CN" altLang="en-US" sz="1600" b="0" i="0" u="none" strike="noStrike" kern="1200" cap="none" spc="150" normalizeH="0" baseline="0" noProof="1" dirty="0">
+                <a:solidFill>
+                  <a:schemeClr val="tx1"/>
+                </a:solidFill>
+                <a:uFillTx/>
+                <a:latin typeface="Arial" panose="020B0604020202020204" pitchFamily="34" charset="0"/>
+                <a:ea typeface="微软雅黑" panose="020B0503020204020204" charset="-122"/>
+                <a:cs typeface="+mn-cs"/>
+                <a:sym typeface="+mn-ea"/>
+              </a:defRPr>
+            </a:lvl5pPr>
+          </a:lstStyle>
+          <a:p>
+            <a:pPr lvl="0"/>
+            <a:r>
+              <a:rPr>
+                <a:sym typeface="+mn-ea"/>
+              </a:rPr>
+              <a:t>单击此处编辑母版文本样式</a:t>
+            </a:r>
+            <a:endParaRPr>
+              <a:sym typeface="+mn-ea"/>
+            </a:endParaRPr>
+          </a:p>
+          <a:p>
+            <a:pPr lvl="1"/>
+            <a:r>
+              <a:rPr>
+                <a:sym typeface="+mn-ea"/>
+              </a:rPr>
+              <a:t>第二级</a:t>
+            </a:r>
+            <a:endParaRPr>
+              <a:sym typeface="+mn-ea"/>
+            </a:endParaRPr>
+          </a:p>
+          <a:p>
+            <a:pPr lvl="2"/>
+            <a:r>
+              <a:rPr>
+                <a:sym typeface="+mn-ea"/>
+              </a:rPr>
+              <a:t>第三级</a:t>
+            </a:r>
+            <a:endParaRPr>
+              <a:sym typeface="+mn-ea"/>
+            </a:endParaRPr>
+          </a:p>
+          <a:p>
+            <a:pPr lvl="3"/>
+            <a:r>
+              <a:rPr>
+                <a:sym typeface="+mn-ea"/>
+              </a:rPr>
+              <a:t>第四级</a:t>
+            </a:r>
+            <a:endParaRPr>
+              <a:sym typeface="+mn-ea"/>
+            </a:endParaRPr>
+          </a:p>
+          <a:p>
+            <a:pPr lvl="4"/>
+            <a:r>
+              <a:rPr>
+                <a:sym typeface="+mn-ea"/>
+              </a:rPr>
+              <a:t>第五级</a:t>
+            </a:r>
+            <a:endParaRPr>
+              <a:sym typeface="+mn-ea"/>
+            </a:endParaRPr>
+          </a:p>
+        </p:txBody>
+      </p:sp>
+      <p:sp>
+        <p:nvSpPr>
+          <p:cNvPr id="4" name="内容占位符 3"/>
+          <p:cNvSpPr>
+            <a:spLocks noGrp="1"/>
+          </p:cNvSpPr>
+          <p:nvPr>
+            <p:ph sz="half" idx="2"/>
+            <p:custDataLst>
+              <p:tags r:id="rId4"/>
+            </p:custDataLst>
+          </p:nvPr>
+        </p:nvSpPr>
+        <p:spPr>
+          <a:xfrm>
+            <a:off x="6238877" y="952508"/>
+            <a:ext cx="5283242" cy="5388907"/>
+          </a:xfrm>
+        </p:spPr>
+        <p:txBody>
+          <a:bodyPr wrap="square" lIns="90170" tIns="46990" rIns="90170" bIns="46990">
+            <a:normAutofit/>
+          </a:bodyPr>
+          <a:lstStyle>
+            <a:lvl1pPr eaLnBrk="1" fontAlgn="auto" latinLnBrk="0" hangingPunct="1">
+              <a:defRPr sz="1600">
+                <a:solidFill>
+                  <a:schemeClr val="tx1"/>
+                </a:solidFill>
+                <a:latin typeface="Arial" panose="020B0604020202020204" pitchFamily="34" charset="0"/>
+                <a:ea typeface="微软雅黑" panose="020B0503020204020204" charset="-122"/>
+              </a:defRPr>
+            </a:lvl1pPr>
+            <a:lvl2pPr eaLnBrk="1" fontAlgn="auto" latinLnBrk="0" hangingPunct="1">
+              <a:defRPr sz="1600">
+                <a:solidFill>
+                  <a:schemeClr val="tx1"/>
+                </a:solidFill>
+                <a:latin typeface="Arial" panose="020B0604020202020204" pitchFamily="34" charset="0"/>
+                <a:ea typeface="微软雅黑" panose="020B0503020204020204" charset="-122"/>
+              </a:defRPr>
+            </a:lvl2pPr>
+            <a:lvl3pPr eaLnBrk="1" fontAlgn="auto" latinLnBrk="0" hangingPunct="1">
+              <a:defRPr sz="1600">
+                <a:solidFill>
+                  <a:schemeClr val="tx1"/>
+                </a:solidFill>
+                <a:latin typeface="Arial" panose="020B0604020202020204" pitchFamily="34" charset="0"/>
+                <a:ea typeface="微软雅黑" panose="020B0503020204020204" charset="-122"/>
+              </a:defRPr>
+            </a:lvl3pPr>
+            <a:lvl4pPr eaLnBrk="1" fontAlgn="auto" latinLnBrk="0" hangingPunct="1">
+              <a:defRPr sz="1600">
+                <a:solidFill>
+                  <a:schemeClr val="tx1"/>
+                </a:solidFill>
+                <a:latin typeface="Arial" panose="020B0604020202020204" pitchFamily="34" charset="0"/>
+                <a:ea typeface="微软雅黑" panose="020B0503020204020204" charset="-122"/>
+              </a:defRPr>
+            </a:lvl4pPr>
+            <a:lvl5pPr eaLnBrk="1" fontAlgn="auto" latinLnBrk="0" hangingPunct="1">
+              <a:defRPr sz="1600">
+                <a:solidFill>
+                  <a:schemeClr val="tx1"/>
+                </a:solidFill>
+                <a:latin typeface="Arial" panose="020B0604020202020204" pitchFamily="34" charset="0"/>
+                <a:ea typeface="微软雅黑" panose="020B0503020204020204" charset="-122"/>
+              </a:defRPr>
+            </a:lvl5pPr>
+          </a:lstStyle>
+          <a:p>
+            <a:pPr lvl="0"/>
+            <a:r>
+              <a:rPr lang="zh-CN" altLang="en-US" dirty="0"/>
+              <a:t>单击此处编辑母版文本样式</a:t>
+            </a:r>
+            <a:endParaRPr lang="zh-CN" altLang="en-US" dirty="0"/>
+          </a:p>
+          <a:p>
+            <a:pPr lvl="1"/>
+            <a:r>
+              <a:rPr lang="zh-CN" altLang="en-US" dirty="0"/>
+              <a:t>第二级</a:t>
+            </a:r>
+            <a:endParaRPr lang="zh-CN" altLang="en-US" dirty="0"/>
+          </a:p>
+          <a:p>
+            <a:pPr lvl="2"/>
+            <a:r>
+              <a:rPr lang="zh-CN" altLang="en-US" dirty="0"/>
+              <a:t>第三级</a:t>
+            </a:r>
+            <a:endParaRPr lang="zh-CN" altLang="en-US" dirty="0"/>
+          </a:p>
+          <a:p>
+            <a:pPr lvl="3"/>
+            <a:r>
+              <a:rPr lang="zh-CN" altLang="en-US" dirty="0"/>
+              <a:t>第四级</a:t>
+            </a:r>
+            <a:endParaRPr lang="zh-CN" altLang="en-US" dirty="0"/>
+          </a:p>
+          <a:p>
+            <a:pPr lvl="4"/>
+            <a:r>
+              <a:rPr lang="zh-CN" altLang="en-US" dirty="0"/>
+              <a:t>第五级</a:t>
+            </a:r>
+            <a:endParaRPr lang="zh-CN" altLang="en-US" dirty="0"/>
+          </a:p>
+        </p:txBody>
+      </p:sp>
+      <p:sp>
+        <p:nvSpPr>
+          <p:cNvPr id="5" name="日期占位符 4"/>
+          <p:cNvSpPr>
+            <a:spLocks noGrp="1"/>
+          </p:cNvSpPr>
+          <p:nvPr>
+            <p:ph type="dt" sz="half" idx="10"/>
+            <p:custDataLst>
+              <p:tags r:id="rId5"/>
+            </p:custDataLst>
+          </p:nvPr>
+        </p:nvSpPr>
+        <p:spPr/>
+        <p:txBody>
+          <a:bodyPr wrap="square">
+            <a:normAutofit/>
+          </a:bodyPr>
+          <a:lstStyle>
+            <a:lvl1pPr>
+              <a:defRPr>
+                <a:latin typeface="Arial" panose="020B0604020202020204" pitchFamily="34" charset="0"/>
+                <a:ea typeface="微软雅黑" panose="020B0503020204020204" charset="-122"/>
+              </a:defRPr>
+            </a:lvl1pPr>
+          </a:lstStyle>
+          <a:p>
+            <a:fld id="{760FBDFE-C587-4B4C-A407-44438C67B59E}" type="datetimeFigureOut">
+              <a:rPr lang="zh-CN" altLang="en-US" smtClean="0"/>
+            </a:fld>
+            <a:endParaRPr lang="zh-CN" altLang="en-US"/>
+          </a:p>
+        </p:txBody>
+      </p:sp>
+      <p:sp>
+        <p:nvSpPr>
+          <p:cNvPr id="6" name="页脚占位符 5"/>
+          <p:cNvSpPr>
+            <a:spLocks noGrp="1"/>
+          </p:cNvSpPr>
+          <p:nvPr>
+            <p:ph type="ftr" sz="quarter" idx="11"/>
+            <p:custDataLst>
+              <p:tags r:id="rId6"/>
+            </p:custDataLst>
+          </p:nvPr>
+        </p:nvSpPr>
+        <p:spPr/>
+        <p:txBody>
+          <a:bodyPr wrap="square">
+            <a:normAutofit/>
+          </a:bodyPr>
+          <a:lstStyle>
+            <a:lvl1pPr>
+              <a:defRPr>
+                <a:latin typeface="Arial" panose="020B0604020202020204" pitchFamily="34" charset="0"/>
+                <a:ea typeface="微软雅黑" panose="020B0503020204020204" charset="-122"/>
+              </a:defRPr>
+            </a:lvl1pPr>
+          </a:lstStyle>
+          <a:p>
+            <a:endParaRPr lang="zh-CN" altLang="en-US"/>
+          </a:p>
+        </p:txBody>
+      </p:sp>
+      <p:sp>
+        <p:nvSpPr>
+          <p:cNvPr id="7" name="灯片编号占位符 6"/>
+          <p:cNvSpPr>
+            <a:spLocks noGrp="1"/>
+          </p:cNvSpPr>
+          <p:nvPr>
+            <p:ph type="sldNum" sz="quarter" idx="12"/>
+            <p:custDataLst>
+              <p:tags r:id="rId7"/>
+            </p:custDataLst>
+          </p:nvPr>
+        </p:nvSpPr>
+        <p:spPr/>
+        <p:txBody>
+          <a:bodyPr wrap="square">
+            <a:normAutofit/>
+          </a:bodyPr>
+          <a:lstStyle>
+            <a:lvl1pPr>
+              <a:defRPr>
+                <a:latin typeface="Arial" panose="020B0604020202020204" pitchFamily="34" charset="0"/>
+                <a:ea typeface="微软雅黑" panose="020B0503020204020204" charset="-122"/>
+              </a:defRPr>
+            </a:lvl1pPr>
+          </a:lstStyle>
+          <a:p>
+            <a:fld id="{49AE70B2-8BF9-45C0-BB95-33D1B9D3A854}" type="slidenum">
+              <a:rPr lang="zh-CN" altLang="en-US" smtClean="0"/>
+            </a:fld>
+            <a:endParaRPr lang="zh-CN" altLang="en-US"/>
+          </a:p>
+        </p:txBody>
+      </p:sp>
+    </p:spTree>
+  </p:cSld>
+  <p:clrMapOvr>
+    <a:masterClrMapping/>
+  </p:clrMapOvr>
+</p:sldLayout>
+</file>
+
+<file path=ppt/slideLayouts/slideLayout5.xml><?xml version="1.0" encoding="utf-8"?>
+<p:sldLayout xmlns:a="http://schemas.openxmlformats.org/drawingml/2006/main" xmlns:r="http://schemas.openxmlformats.org/officeDocument/2006/relationships" xmlns:p="http://schemas.openxmlformats.org/presentationml/2006/main" type="twoTxTwoObj" preserve="1">
+  <p:cSld name="比较">
+    <p:spTree>
+      <p:nvGrpSpPr>
+        <p:cNvPr id="1" name=""/>
+        <p:cNvGrpSpPr/>
+        <p:nvPr/>
+      </p:nvGrpSpPr>
+      <p:grpSpPr>
+        <a:xfrm>
+          <a:off x="0" y="0"/>
+          <a:ext cx="0" cy="0"/>
+          <a:chOff x="0" y="0"/>
+          <a:chExt cx="0" cy="0"/>
+        </a:xfrm>
+      </p:grpSpPr>
+      <p:grpSp>
+        <p:nvGrpSpPr>
+          <p:cNvPr id="12" name="组合 11"/>
+          <p:cNvGrpSpPr/>
+          <p:nvPr userDrawn="1">
+            <p:custDataLst>
+              <p:tags r:id="rId2"/>
+            </p:custDataLst>
+          </p:nvPr>
+        </p:nvGrpSpPr>
+        <p:grpSpPr>
+          <a:xfrm>
+            <a:off x="0" y="0"/>
+            <a:ext cx="12192000" cy="682332"/>
+            <a:chOff x="0" y="0"/>
+            <a:chExt cx="12192000" cy="682332"/>
+          </a:xfrm>
+        </p:grpSpPr>
+        <p:pic>
+          <p:nvPicPr>
+            <p:cNvPr id="11" name="图片 10"/>
+            <p:cNvPicPr/>
+            <p:nvPr userDrawn="1">
+              <p:custDataLst>
+                <p:tags r:id="rId3"/>
+              </p:custDataLst>
+            </p:nvPr>
+          </p:nvPicPr>
+          <p:blipFill>
+            <a:blip r:embed="rId4" r:link="rId5" cstate="email"/>
+            <a:stretch>
+              <a:fillRect/>
+            </a:stretch>
+          </p:blipFill>
+          <p:spPr>
+            <a:xfrm>
+              <a:off x="0" y="0"/>
+              <a:ext cx="720090" cy="611299"/>
+            </a:xfrm>
+            <a:prstGeom prst="rect">
+              <a:avLst/>
+            </a:prstGeom>
+          </p:spPr>
+        </p:pic>
+        <p:pic>
+          <p:nvPicPr>
+            <p:cNvPr id="10" name="图片 9"/>
+            <p:cNvPicPr/>
+            <p:nvPr userDrawn="1">
+              <p:custDataLst>
+                <p:tags r:id="rId6"/>
+              </p:custDataLst>
+            </p:nvPr>
+          </p:nvPicPr>
+          <p:blipFill>
+            <a:blip r:embed="rId7" r:link="rId8" cstate="email"/>
+            <a:stretch>
+              <a:fillRect/>
+            </a:stretch>
+          </p:blipFill>
+          <p:spPr>
+            <a:xfrm>
+              <a:off x="11471910" y="0"/>
+              <a:ext cx="720090" cy="682332"/>
+            </a:xfrm>
+            <a:prstGeom prst="rect">
+              <a:avLst/>
+            </a:prstGeom>
+          </p:spPr>
+        </p:pic>
+      </p:grpSp>
+      <p:sp>
+        <p:nvSpPr>
+          <p:cNvPr id="2" name="标题 1"/>
+          <p:cNvSpPr>
+            <a:spLocks noGrp="1"/>
+          </p:cNvSpPr>
+          <p:nvPr>
+            <p:ph type="title"/>
+            <p:custDataLst>
+              <p:tags r:id="rId9"/>
+            </p:custDataLst>
+          </p:nvPr>
+        </p:nvSpPr>
+        <p:spPr>
+          <a:xfrm>
+            <a:off x="669882" y="443234"/>
+            <a:ext cx="10852237" cy="441964"/>
+          </a:xfrm>
+          <a:prstGeom prst="rect">
+            <a:avLst/>
+          </a:prstGeom>
+        </p:spPr>
+        <p:txBody>
+          <a:bodyPr vert="horz" wrap="square" lIns="90170" tIns="46990" rIns="90170" bIns="46990" rtlCol="0" anchor="ctr" anchorCtr="0">
+            <a:normAutofit/>
+          </a:bodyPr>
+          <a:lstStyle>
+            <a:lvl1pPr marL="0" marR="0" lvl="0" algn="l" defTabSz="914400" rtl="0" eaLnBrk="1" fontAlgn="auto" latinLnBrk="0" hangingPunct="1">
+              <a:lnSpc>
+                <a:spcPct val="100000"/>
+              </a:lnSpc>
+              <a:buNone/>
+              <a:defRPr kumimoji="0" lang="zh-CN" altLang="en-US" sz="2400" b="1" i="0" u="none" strike="noStrike" kern="1200" cap="none" spc="200" normalizeH="0" baseline="0" noProof="1" dirty="0">
+                <a:solidFill>
+                  <a:schemeClr val="tx1"/>
+                </a:solidFill>
+                <a:uFillTx/>
+                <a:latin typeface="Arial" panose="020B0604020202020204" pitchFamily="34" charset="0"/>
+                <a:ea typeface="微软雅黑" panose="020B0503020204020204" charset="-122"/>
+                <a:cs typeface="+mj-cs"/>
+                <a:sym typeface="+mn-ea"/>
+              </a:defRPr>
+            </a:lvl1pPr>
+          </a:lstStyle>
+          <a:p>
+            <a:pPr lvl="0"/>
+            <a:r>
+              <a:rPr dirty="0">
+                <a:sym typeface="+mn-ea"/>
+              </a:rPr>
+              <a:t>单击此处编辑母版标题样式</a:t>
+            </a:r>
+            <a:endParaRPr dirty="0">
+              <a:sym typeface="+mn-ea"/>
+            </a:endParaRPr>
+          </a:p>
+        </p:txBody>
+      </p:sp>
+      <p:sp>
+        <p:nvSpPr>
+          <p:cNvPr id="3" name="文本占位符 2"/>
+          <p:cNvSpPr>
+            <a:spLocks noGrp="1"/>
+          </p:cNvSpPr>
+          <p:nvPr>
+            <p:ph type="body" idx="1" hasCustomPrompt="1"/>
+            <p:custDataLst>
+              <p:tags r:id="rId10"/>
+            </p:custDataLst>
+          </p:nvPr>
+        </p:nvSpPr>
+        <p:spPr>
+          <a:xfrm>
+            <a:off x="669930" y="952508"/>
+            <a:ext cx="5283242" cy="381003"/>
+          </a:xfrm>
+        </p:spPr>
+        <p:txBody>
+          <a:bodyPr wrap="square" lIns="90170" tIns="46990" rIns="90170" bIns="46990" anchor="ctr" anchorCtr="0">
+            <a:normAutofit/>
+          </a:bodyPr>
+          <a:lstStyle>
+            <a:lvl1pPr marL="0" indent="0" eaLnBrk="1" fontAlgn="auto" latinLnBrk="0" hangingPunct="1">
+              <a:lnSpc>
+                <a:spcPct val="100000"/>
+              </a:lnSpc>
+              <a:spcAft>
+                <a:spcPts val="0"/>
+              </a:spcAft>
+              <a:buNone/>
+              <a:defRPr sz="2000" b="0" u="none" strike="noStrike" kern="1200" cap="none" spc="200" normalizeH="0" baseline="0">
+                <a:solidFill>
+                  <a:schemeClr val="tx1"/>
+                </a:solidFill>
+                <a:uFillTx/>
+                <a:latin typeface="Arial" panose="020B0604020202020204" pitchFamily="34" charset="0"/>
+                <a:ea typeface="微软雅黑" panose="020B0503020204020204" charset="-122"/>
+              </a:defRPr>
+            </a:lvl1pPr>
+            <a:lvl2pPr marL="457200" indent="0">
+              <a:buNone/>
+              <a:defRPr sz="2000" b="1"/>
+            </a:lvl2pPr>
+            <a:lvl3pPr marL="914400" indent="0">
+              <a:buNone/>
+              <a:defRPr sz="1800" b="1"/>
+            </a:lvl3pPr>
+            <a:lvl4pPr marL="1371600" indent="0">
+              <a:buNone/>
+              <a:defRPr sz="1600" b="1"/>
+            </a:lvl4pPr>
+            <a:lvl5pPr marL="1828800" indent="0">
+              <a:buNone/>
+              <a:defRPr sz="1600" b="1"/>
+            </a:lvl5pPr>
+            <a:lvl6pPr marL="2286000" indent="0">
+              <a:buNone/>
+              <a:defRPr sz="1600" b="1"/>
+            </a:lvl6pPr>
+            <a:lvl7pPr marL="2743200" indent="0">
+              <a:buNone/>
+              <a:defRPr sz="1600" b="1"/>
+            </a:lvl7pPr>
+            <a:lvl8pPr marL="3200400" indent="0">
+              <a:buNone/>
+              <a:defRPr sz="1600" b="1"/>
+            </a:lvl8pPr>
+            <a:lvl9pPr marL="3657600" indent="0">
+              <a:buNone/>
+              <a:defRPr sz="1600" b="1"/>
+            </a:lvl9pPr>
+          </a:lstStyle>
+          <a:p>
+            <a:pPr lvl="0"/>
+            <a:r>
+              <a:rPr lang="zh-CN" altLang="en-US" dirty="0"/>
+              <a:t>单击此处编辑文本</a:t>
+            </a:r>
+            <a:endParaRPr lang="zh-CN" altLang="en-US" dirty="0"/>
+          </a:p>
+        </p:txBody>
+      </p:sp>
+      <p:sp>
+        <p:nvSpPr>
+          <p:cNvPr id="4" name="内容占位符 3"/>
+          <p:cNvSpPr>
+            <a:spLocks noGrp="1"/>
+          </p:cNvSpPr>
+          <p:nvPr>
+            <p:ph sz="half" idx="2"/>
+            <p:custDataLst>
+              <p:tags r:id="rId11"/>
+            </p:custDataLst>
+          </p:nvPr>
+        </p:nvSpPr>
+        <p:spPr>
+          <a:xfrm>
+            <a:off x="669925" y="1406525"/>
+            <a:ext cx="5283200" cy="4934752"/>
+          </a:xfrm>
+        </p:spPr>
+        <p:txBody>
+          <a:bodyPr vert="horz" wrap="square" lIns="90170" tIns="46990" rIns="90170" bIns="46990" rtlCol="0">
+            <a:normAutofit/>
+          </a:bodyPr>
+          <a:lstStyle>
+            <a:lvl1pPr marL="228600" marR="0" lvl="0" indent="-228600" algn="l" defTabSz="914400" rtl="0" eaLnBrk="1" fontAlgn="auto" latinLnBrk="0" hangingPunct="1">
+              <a:lnSpc>
+                <a:spcPct val="130000"/>
+              </a:lnSpc>
+              <a:spcBef>
+                <a:spcPts val="0"/>
+              </a:spcBef>
+              <a:spcAft>
+                <a:spcPts val="1000"/>
+              </a:spcAft>
+              <a:buFont typeface="Arial" panose="020B0604020202020204" pitchFamily="34" charset="0"/>
+              <a:buChar char="•"/>
+              <a:defRPr kumimoji="0" lang="zh-CN" altLang="en-US" sz="1600" b="0" i="0" u="none" strike="noStrike" kern="1200" cap="none" spc="150" normalizeH="0" baseline="0" noProof="1" dirty="0">
+                <a:solidFill>
+                  <a:schemeClr val="tx1"/>
+                </a:solidFill>
+                <a:uFillTx/>
+                <a:latin typeface="Arial" panose="020B0604020202020204" pitchFamily="34" charset="0"/>
+                <a:ea typeface="微软雅黑" panose="020B0503020204020204" charset="-122"/>
+                <a:cs typeface="+mn-cs"/>
+                <a:sym typeface="+mn-ea"/>
+              </a:defRPr>
+            </a:lvl1pPr>
+            <a:lvl2pPr marL="685800" marR="0" lvl="1" indent="-228600" algn="l" defTabSz="914400" rtl="0" eaLnBrk="1" fontAlgn="auto" latinLnBrk="0" hangingPunct="1">
+              <a:lnSpc>
+                <a:spcPct val="130000"/>
+              </a:lnSpc>
+              <a:spcBef>
+                <a:spcPts val="0"/>
+              </a:spcBef>
+              <a:spcAft>
+                <a:spcPts val="1000"/>
+              </a:spcAft>
+              <a:buFont typeface="Arial" panose="020B0604020202020204" pitchFamily="34" charset="0"/>
+              <a:buChar char="•"/>
+              <a:tabLst>
+                <a:tab pos="1609725" algn="l"/>
+              </a:tabLst>
+              <a:defRPr kumimoji="0" lang="zh-CN" altLang="en-US" sz="1600" b="0" i="0" u="none" strike="noStrike" kern="1200" cap="none" spc="150" normalizeH="0" baseline="0" noProof="1" dirty="0">
+                <a:solidFill>
+                  <a:schemeClr val="tx1"/>
+                </a:solidFill>
+                <a:uFillTx/>
+                <a:latin typeface="Arial" panose="020B0604020202020204" pitchFamily="34" charset="0"/>
+                <a:ea typeface="微软雅黑" panose="020B0503020204020204" charset="-122"/>
+                <a:cs typeface="+mn-cs"/>
+                <a:sym typeface="+mn-ea"/>
+              </a:defRPr>
+            </a:lvl2pPr>
+            <a:lvl3pPr marL="1143000" marR="0" lvl="2" indent="-228600" algn="l" defTabSz="914400" rtl="0" eaLnBrk="1" fontAlgn="auto" latinLnBrk="0" hangingPunct="1">
+              <a:lnSpc>
+                <a:spcPct val="130000"/>
+              </a:lnSpc>
+              <a:spcBef>
+                <a:spcPts val="0"/>
+              </a:spcBef>
+              <a:spcAft>
+                <a:spcPts val="1000"/>
+              </a:spcAft>
+              <a:buFont typeface="Arial" panose="020B0604020202020204" pitchFamily="34" charset="0"/>
+              <a:buChar char="•"/>
+              <a:defRPr kumimoji="0" lang="zh-CN" altLang="en-US" sz="1600" b="0" i="0" u="none" strike="noStrike" kern="1200" cap="none" spc="150" normalizeH="0" baseline="0" noProof="1" dirty="0">
+                <a:solidFill>
+                  <a:schemeClr val="tx1"/>
+                </a:solidFill>
+                <a:uFillTx/>
+                <a:latin typeface="Arial" panose="020B0604020202020204" pitchFamily="34" charset="0"/>
+                <a:ea typeface="微软雅黑" panose="020B0503020204020204" charset="-122"/>
+                <a:cs typeface="+mn-cs"/>
+                <a:sym typeface="+mn-ea"/>
+              </a:defRPr>
+            </a:lvl3pPr>
+            <a:lvl4pPr marL="1600200" marR="0" lvl="3" indent="-228600" algn="l" defTabSz="914400" rtl="0" eaLnBrk="1" fontAlgn="auto" latinLnBrk="0" hangingPunct="1">
+              <a:lnSpc>
+                <a:spcPct val="130000"/>
+              </a:lnSpc>
+              <a:spcBef>
+                <a:spcPts val="0"/>
+              </a:spcBef>
+              <a:spcAft>
+                <a:spcPts val="1000"/>
+              </a:spcAft>
+              <a:buFont typeface="Arial" panose="020B0604020202020204" pitchFamily="34" charset="0"/>
+              <a:buChar char="•"/>
+              <a:defRPr kumimoji="0" lang="zh-CN" altLang="en-US" sz="1600" b="0" i="0" u="none" strike="noStrike" kern="1200" cap="none" spc="150" normalizeH="0" baseline="0" noProof="1" dirty="0">
+                <a:solidFill>
+                  <a:schemeClr val="tx1"/>
+                </a:solidFill>
+                <a:uFillTx/>
+                <a:latin typeface="Arial" panose="020B0604020202020204" pitchFamily="34" charset="0"/>
+                <a:ea typeface="微软雅黑" panose="020B0503020204020204" charset="-122"/>
+                <a:cs typeface="+mn-cs"/>
+                <a:sym typeface="+mn-ea"/>
+              </a:defRPr>
+            </a:lvl4pPr>
+            <a:lvl5pPr marL="2057400" marR="0" lvl="4" indent="-228600" algn="l" defTabSz="914400" rtl="0" eaLnBrk="1" fontAlgn="auto" latinLnBrk="0" hangingPunct="1">
+              <a:lnSpc>
+                <a:spcPct val="130000"/>
+              </a:lnSpc>
+              <a:spcBef>
+                <a:spcPts val="0"/>
+              </a:spcBef>
+              <a:spcAft>
+                <a:spcPts val="1000"/>
+              </a:spcAft>
+              <a:buFont typeface="Arial" panose="020B0604020202020204" pitchFamily="34" charset="0"/>
+              <a:buChar char="•"/>
+              <a:defRPr kumimoji="0" lang="zh-CN" altLang="en-US" sz="1600" b="0" i="0" u="none" strike="noStrike" kern="1200" cap="none" spc="150" normalizeH="0" baseline="0" noProof="1" dirty="0">
+                <a:solidFill>
+                  <a:schemeClr val="tx1"/>
+                </a:solidFill>
+                <a:uFillTx/>
+                <a:latin typeface="Arial" panose="020B0604020202020204" pitchFamily="34" charset="0"/>
+                <a:ea typeface="微软雅黑" panose="020B0503020204020204" charset="-122"/>
+                <a:cs typeface="+mn-cs"/>
+                <a:sym typeface="+mn-ea"/>
+              </a:defRPr>
+            </a:lvl5pPr>
+          </a:lstStyle>
+          <a:p>
+            <a:pPr lvl="0"/>
+            <a:r>
+              <a:rPr dirty="0">
+                <a:sym typeface="+mn-ea"/>
+              </a:rPr>
+              <a:t>单击此处编辑母版文本样式</a:t>
+            </a:r>
+            <a:endParaRPr dirty="0">
+              <a:sym typeface="+mn-ea"/>
+            </a:endParaRPr>
+          </a:p>
+          <a:p>
+            <a:pPr lvl="1"/>
+            <a:r>
+              <a:rPr dirty="0">
+                <a:sym typeface="+mn-ea"/>
+              </a:rPr>
+              <a:t>第二级</a:t>
+            </a:r>
+            <a:endParaRPr dirty="0">
+              <a:sym typeface="+mn-ea"/>
+            </a:endParaRPr>
+          </a:p>
+          <a:p>
+            <a:pPr lvl="2"/>
+            <a:r>
+              <a:rPr dirty="0">
+                <a:sym typeface="+mn-ea"/>
+              </a:rPr>
+              <a:t>第三级</a:t>
+            </a:r>
+            <a:endParaRPr dirty="0">
+              <a:sym typeface="+mn-ea"/>
+            </a:endParaRPr>
+          </a:p>
+          <a:p>
+            <a:pPr lvl="3"/>
+            <a:r>
+              <a:rPr dirty="0">
+                <a:sym typeface="+mn-ea"/>
+              </a:rPr>
+              <a:t>第四级</a:t>
+            </a:r>
+            <a:endParaRPr dirty="0">
+              <a:sym typeface="+mn-ea"/>
+            </a:endParaRPr>
+          </a:p>
+          <a:p>
+            <a:pPr lvl="4"/>
+            <a:r>
+              <a:rPr dirty="0">
+                <a:sym typeface="+mn-ea"/>
+              </a:rPr>
+              <a:t>第五级</a:t>
+            </a:r>
+            <a:endParaRPr dirty="0">
+              <a:sym typeface="+mn-ea"/>
+            </a:endParaRPr>
+          </a:p>
+        </p:txBody>
+      </p:sp>
+      <p:sp>
+        <p:nvSpPr>
+          <p:cNvPr id="5" name="文本占位符 4"/>
+          <p:cNvSpPr>
+            <a:spLocks noGrp="1"/>
+          </p:cNvSpPr>
+          <p:nvPr>
+            <p:ph type="body" sz="quarter" idx="3" hasCustomPrompt="1"/>
+            <p:custDataLst>
+              <p:tags r:id="rId12"/>
+            </p:custDataLst>
+          </p:nvPr>
+        </p:nvSpPr>
+        <p:spPr>
+          <a:xfrm>
+            <a:off x="6235750" y="952508"/>
+            <a:ext cx="5283242" cy="381003"/>
+          </a:xfrm>
+        </p:spPr>
+        <p:txBody>
+          <a:bodyPr vert="horz" wrap="square" lIns="90170" tIns="46990" rIns="90170" bIns="46990" rtlCol="0" anchor="ctr" anchorCtr="0">
+            <a:normAutofit/>
+          </a:bodyPr>
+          <a:lstStyle>
+            <a:lvl1pPr marL="0" marR="0" lvl="0" indent="0" algn="l" defTabSz="914400" rtl="0" eaLnBrk="1" fontAlgn="auto" latinLnBrk="0" hangingPunct="1">
+              <a:lnSpc>
+                <a:spcPct val="100000"/>
+              </a:lnSpc>
+              <a:spcBef>
+                <a:spcPts val="0"/>
+              </a:spcBef>
+              <a:spcAft>
+                <a:spcPts val="0"/>
+              </a:spcAft>
+              <a:buFont typeface="Arial" panose="020B0604020202020204" pitchFamily="34" charset="0"/>
+              <a:buNone/>
+              <a:defRPr kumimoji="0" lang="zh-CN" altLang="en-US" sz="2000" b="0" i="0" u="none" strike="noStrike" kern="1200" cap="none" spc="200" normalizeH="0" baseline="0" noProof="1" dirty="0">
+                <a:solidFill>
+                  <a:schemeClr val="tx1"/>
+                </a:solidFill>
+                <a:uFillTx/>
+                <a:latin typeface="Arial" panose="020B0604020202020204" pitchFamily="34" charset="0"/>
+                <a:ea typeface="微软雅黑" panose="020B0503020204020204" charset="-122"/>
+                <a:cs typeface="+mn-cs"/>
+                <a:sym typeface="+mn-ea"/>
+              </a:defRPr>
+            </a:lvl1pPr>
+            <a:lvl2pPr marL="457200" indent="0">
+              <a:buNone/>
+              <a:defRPr sz="2000" b="1"/>
+            </a:lvl2pPr>
+            <a:lvl3pPr marL="914400" indent="0">
+              <a:buNone/>
+              <a:defRPr sz="1800" b="1"/>
+            </a:lvl3pPr>
+            <a:lvl4pPr marL="1371600" indent="0">
+              <a:buNone/>
+              <a:defRPr sz="1600" b="1"/>
+            </a:lvl4pPr>
+            <a:lvl5pPr marL="1828800" indent="0">
+              <a:buNone/>
+              <a:defRPr sz="1600" b="1"/>
+            </a:lvl5pPr>
+            <a:lvl6pPr marL="2286000" indent="0">
+              <a:buNone/>
+              <a:defRPr sz="1600" b="1"/>
+            </a:lvl6pPr>
+            <a:lvl7pPr marL="2743200" indent="0">
+              <a:buNone/>
+              <a:defRPr sz="1600" b="1"/>
+            </a:lvl7pPr>
+            <a:lvl8pPr marL="3200400" indent="0">
+              <a:buNone/>
+              <a:defRPr sz="1600" b="1"/>
+            </a:lvl8pPr>
+            <a:lvl9pPr marL="3657600" indent="0">
+              <a:buNone/>
+              <a:defRPr sz="1600" b="1"/>
+            </a:lvl9pPr>
+          </a:lstStyle>
+          <a:p>
+            <a:pPr lvl="0"/>
+            <a:r>
+              <a:rPr>
+                <a:sym typeface="+mn-ea"/>
+              </a:rPr>
+              <a:t>单击此处编辑文本</a:t>
+            </a:r>
+            <a:endParaRPr>
+              <a:sym typeface="+mn-ea"/>
+            </a:endParaRPr>
+          </a:p>
+        </p:txBody>
+      </p:sp>
+      <p:sp>
+        <p:nvSpPr>
+          <p:cNvPr id="6" name="内容占位符 5"/>
+          <p:cNvSpPr>
+            <a:spLocks noGrp="1"/>
+          </p:cNvSpPr>
+          <p:nvPr>
+            <p:ph sz="quarter" idx="4"/>
+            <p:custDataLst>
+              <p:tags r:id="rId13"/>
+            </p:custDataLst>
+          </p:nvPr>
+        </p:nvSpPr>
+        <p:spPr>
+          <a:xfrm>
+            <a:off x="6235750" y="1406525"/>
+            <a:ext cx="5283242" cy="4934752"/>
+          </a:xfrm>
+        </p:spPr>
+        <p:txBody>
+          <a:bodyPr vert="horz" wrap="square" lIns="90170" tIns="46990" rIns="90170" bIns="46990" rtlCol="0">
+            <a:normAutofit/>
+          </a:bodyPr>
+          <a:lstStyle>
+            <a:lvl1pPr marL="228600" marR="0" lvl="0" indent="-228600" algn="l" defTabSz="914400" rtl="0" eaLnBrk="1" fontAlgn="auto" latinLnBrk="0" hangingPunct="1">
+              <a:lnSpc>
+                <a:spcPct val="130000"/>
+              </a:lnSpc>
+              <a:spcBef>
+                <a:spcPts val="0"/>
+              </a:spcBef>
+              <a:spcAft>
+                <a:spcPts val="1000"/>
+              </a:spcAft>
+              <a:buFont typeface="Arial" panose="020B0604020202020204" pitchFamily="34" charset="0"/>
+              <a:buChar char="•"/>
+              <a:defRPr kumimoji="0" lang="zh-CN" altLang="en-US" sz="1600" b="0" i="0" u="none" strike="noStrike" kern="1200" cap="none" spc="150" normalizeH="0" baseline="0" noProof="1" dirty="0">
+                <a:solidFill>
+                  <a:schemeClr val="tx1"/>
+                </a:solidFill>
+                <a:uFillTx/>
+                <a:latin typeface="Arial" panose="020B0604020202020204" pitchFamily="34" charset="0"/>
+                <a:ea typeface="微软雅黑" panose="020B0503020204020204" charset="-122"/>
+                <a:cs typeface="+mn-cs"/>
+                <a:sym typeface="+mn-ea"/>
+              </a:defRPr>
+            </a:lvl1pPr>
+            <a:lvl2pPr marL="685800" marR="0" lvl="1" indent="-228600" algn="l" defTabSz="914400" rtl="0" eaLnBrk="1" fontAlgn="auto" latinLnBrk="0" hangingPunct="1">
+              <a:lnSpc>
+                <a:spcPct val="130000"/>
+              </a:lnSpc>
+              <a:spcBef>
+                <a:spcPts val="0"/>
+              </a:spcBef>
+              <a:spcAft>
+                <a:spcPts val="1000"/>
+              </a:spcAft>
+              <a:buFont typeface="Arial" panose="020B0604020202020204" pitchFamily="34" charset="0"/>
+              <a:buChar char="•"/>
+              <a:tabLst>
+                <a:tab pos="1609725" algn="l"/>
+              </a:tabLst>
+              <a:defRPr kumimoji="0" lang="zh-CN" altLang="en-US" sz="1600" b="0" i="0" u="none" strike="noStrike" kern="1200" cap="none" spc="150" normalizeH="0" baseline="0" noProof="1" dirty="0">
+                <a:solidFill>
+                  <a:schemeClr val="tx1"/>
+                </a:solidFill>
+                <a:uFillTx/>
+                <a:latin typeface="Arial" panose="020B0604020202020204" pitchFamily="34" charset="0"/>
+                <a:ea typeface="微软雅黑" panose="020B0503020204020204" charset="-122"/>
+                <a:cs typeface="+mn-cs"/>
+                <a:sym typeface="+mn-ea"/>
+              </a:defRPr>
+            </a:lvl2pPr>
+            <a:lvl3pPr marL="1143000" marR="0" lvl="2" indent="-228600" algn="l" defTabSz="914400" rtl="0" eaLnBrk="1" fontAlgn="auto" latinLnBrk="0" hangingPunct="1">
+              <a:lnSpc>
+                <a:spcPct val="130000"/>
+              </a:lnSpc>
+              <a:spcBef>
+                <a:spcPts val="0"/>
+              </a:spcBef>
+              <a:spcAft>
+                <a:spcPts val="1000"/>
+              </a:spcAft>
+              <a:buFont typeface="Arial" panose="020B0604020202020204" pitchFamily="34" charset="0"/>
+              <a:buChar char="•"/>
+              <a:defRPr kumimoji="0" lang="zh-CN" altLang="en-US" sz="1600" b="0" i="0" u="none" strike="noStrike" kern="1200" cap="none" spc="150" normalizeH="0" baseline="0" noProof="1" dirty="0">
+                <a:solidFill>
+                  <a:schemeClr val="tx1"/>
+                </a:solidFill>
+                <a:uFillTx/>
+                <a:latin typeface="Arial" panose="020B0604020202020204" pitchFamily="34" charset="0"/>
+                <a:ea typeface="微软雅黑" panose="020B0503020204020204" charset="-122"/>
+                <a:cs typeface="+mn-cs"/>
+                <a:sym typeface="+mn-ea"/>
+              </a:defRPr>
+            </a:lvl3pPr>
+            <a:lvl4pPr marL="1600200" marR="0" lvl="3" indent="-228600" algn="l" defTabSz="914400" rtl="0" eaLnBrk="1" fontAlgn="auto" latinLnBrk="0" hangingPunct="1">
+              <a:lnSpc>
+                <a:spcPct val="130000"/>
+              </a:lnSpc>
+              <a:spcBef>
+                <a:spcPts val="0"/>
+              </a:spcBef>
+              <a:spcAft>
+                <a:spcPts val="1000"/>
+              </a:spcAft>
+              <a:buFont typeface="Arial" panose="020B0604020202020204" pitchFamily="34" charset="0"/>
+              <a:buChar char="•"/>
+              <a:defRPr kumimoji="0" lang="zh-CN" altLang="en-US" sz="1600" b="0" i="0" u="none" strike="noStrike" kern="1200" cap="none" spc="150" normalizeH="0" baseline="0" noProof="1" dirty="0">
+                <a:solidFill>
+                  <a:schemeClr val="tx1"/>
+                </a:solidFill>
+                <a:uFillTx/>
+                <a:latin typeface="Arial" panose="020B0604020202020204" pitchFamily="34" charset="0"/>
+                <a:ea typeface="微软雅黑" panose="020B0503020204020204" charset="-122"/>
+                <a:cs typeface="+mn-cs"/>
+                <a:sym typeface="+mn-ea"/>
+              </a:defRPr>
+            </a:lvl4pPr>
+            <a:lvl5pPr marL="2057400" marR="0" lvl="4" indent="-228600" algn="l" defTabSz="914400" rtl="0" eaLnBrk="1" fontAlgn="auto" latinLnBrk="0" hangingPunct="1">
+              <a:lnSpc>
+                <a:spcPct val="130000"/>
+              </a:lnSpc>
+              <a:spcBef>
+                <a:spcPts val="0"/>
+              </a:spcBef>
+              <a:spcAft>
+                <a:spcPts val="1000"/>
+              </a:spcAft>
+              <a:buFont typeface="Arial" panose="020B0604020202020204" pitchFamily="34" charset="0"/>
+              <a:buChar char="•"/>
+              <a:defRPr kumimoji="0" lang="zh-CN" altLang="en-US" sz="1600" b="0" i="0" u="none" strike="noStrike" kern="1200" cap="none" spc="150" normalizeH="0" baseline="0" noProof="1" dirty="0">
+                <a:solidFill>
+                  <a:schemeClr val="tx1"/>
+                </a:solidFill>
+                <a:uFillTx/>
+                <a:latin typeface="Arial" panose="020B0604020202020204" pitchFamily="34" charset="0"/>
+                <a:ea typeface="微软雅黑" panose="020B0503020204020204" charset="-122"/>
+                <a:cs typeface="+mn-cs"/>
+                <a:sym typeface="+mn-ea"/>
+              </a:defRPr>
+            </a:lvl5pPr>
+          </a:lstStyle>
+          <a:p>
+            <a:pPr lvl="0"/>
+            <a:r>
+              <a:rPr dirty="0">
+                <a:sym typeface="+mn-ea"/>
+              </a:rPr>
+              <a:t>单击此处编辑母版文本样式</a:t>
+            </a:r>
+            <a:endParaRPr dirty="0">
+              <a:sym typeface="+mn-ea"/>
+            </a:endParaRPr>
+          </a:p>
+          <a:p>
+            <a:pPr lvl="1"/>
+            <a:r>
+              <a:rPr dirty="0">
+                <a:sym typeface="+mn-ea"/>
+              </a:rPr>
+              <a:t>第二级</a:t>
+            </a:r>
+            <a:endParaRPr dirty="0">
+              <a:sym typeface="+mn-ea"/>
+            </a:endParaRPr>
+          </a:p>
+          <a:p>
+            <a:pPr lvl="2"/>
+            <a:r>
+              <a:rPr dirty="0">
+                <a:sym typeface="+mn-ea"/>
+              </a:rPr>
+              <a:t>第三级</a:t>
+            </a:r>
+            <a:endParaRPr dirty="0">
+              <a:sym typeface="+mn-ea"/>
+            </a:endParaRPr>
+          </a:p>
+          <a:p>
+            <a:pPr lvl="3"/>
+            <a:r>
+              <a:rPr dirty="0">
+                <a:sym typeface="+mn-ea"/>
+              </a:rPr>
+              <a:t>第四级</a:t>
+            </a:r>
+            <a:endParaRPr dirty="0">
+              <a:sym typeface="+mn-ea"/>
+            </a:endParaRPr>
+          </a:p>
+          <a:p>
+            <a:pPr lvl="4"/>
+            <a:r>
+              <a:rPr dirty="0">
+                <a:sym typeface="+mn-ea"/>
+              </a:rPr>
+              <a:t>第五级</a:t>
+            </a:r>
+            <a:endParaRPr dirty="0">
+              <a:sym typeface="+mn-ea"/>
+            </a:endParaRPr>
+          </a:p>
+        </p:txBody>
+      </p:sp>
+      <p:sp>
+        <p:nvSpPr>
+          <p:cNvPr id="7" name="日期占位符 6"/>
+          <p:cNvSpPr>
+            <a:spLocks noGrp="1"/>
+          </p:cNvSpPr>
+          <p:nvPr>
+            <p:ph type="dt" sz="half" idx="10"/>
+            <p:custDataLst>
+              <p:tags r:id="rId14"/>
+            </p:custDataLst>
+          </p:nvPr>
+        </p:nvSpPr>
+        <p:spPr/>
+        <p:txBody>
+          <a:bodyPr wrap="square">
+            <a:normAutofit/>
+          </a:bodyPr>
+          <a:lstStyle>
+            <a:lvl1pPr>
+              <a:defRPr>
+                <a:latin typeface="Arial" panose="020B0604020202020204" pitchFamily="34" charset="0"/>
+                <a:ea typeface="微软雅黑" panose="020B0503020204020204" charset="-122"/>
+              </a:defRPr>
+            </a:lvl1pPr>
+          </a:lstStyle>
+          <a:p>
+            <a:fld id="{760FBDFE-C587-4B4C-A407-44438C67B59E}" type="datetimeFigureOut">
+              <a:rPr lang="zh-CN" altLang="en-US" smtClean="0"/>
+            </a:fld>
+            <a:endParaRPr lang="zh-CN" altLang="en-US"/>
+          </a:p>
+        </p:txBody>
+      </p:sp>
+      <p:sp>
+        <p:nvSpPr>
+          <p:cNvPr id="8" name="页脚占位符 7"/>
+          <p:cNvSpPr>
+            <a:spLocks noGrp="1"/>
+          </p:cNvSpPr>
+          <p:nvPr>
+            <p:ph type="ftr" sz="quarter" idx="11"/>
+            <p:custDataLst>
+              <p:tags r:id="rId15"/>
+            </p:custDataLst>
+          </p:nvPr>
+        </p:nvSpPr>
+        <p:spPr/>
+        <p:txBody>
+          <a:bodyPr wrap="square">
+            <a:normAutofit/>
+          </a:bodyPr>
+          <a:lstStyle>
+            <a:lvl1pPr>
+              <a:defRPr>
+                <a:latin typeface="Arial" panose="020B0604020202020204" pitchFamily="34" charset="0"/>
+                <a:ea typeface="微软雅黑" panose="020B0503020204020204" charset="-122"/>
+              </a:defRPr>
+            </a:lvl1pPr>
+          </a:lstStyle>
+          <a:p>
+            <a:endParaRPr lang="zh-CN" altLang="en-US"/>
+          </a:p>
+        </p:txBody>
+      </p:sp>
+      <p:sp>
+        <p:nvSpPr>
+          <p:cNvPr id="9" name="灯片编号占位符 8"/>
+          <p:cNvSpPr>
+            <a:spLocks noGrp="1"/>
+          </p:cNvSpPr>
+          <p:nvPr>
+            <p:ph type="sldNum" sz="quarter" idx="12"/>
+            <p:custDataLst>
+              <p:tags r:id="rId16"/>
+            </p:custDataLst>
+          </p:nvPr>
+        </p:nvSpPr>
+        <p:spPr/>
+        <p:txBody>
+          <a:bodyPr wrap="square">
+            <a:normAutofit/>
+          </a:bodyPr>
+          <a:lstStyle>
+            <a:lvl1pPr>
+              <a:defRPr>
+                <a:latin typeface="Arial" panose="020B0604020202020204" pitchFamily="34" charset="0"/>
+                <a:ea typeface="微软雅黑" panose="020B0503020204020204" charset="-122"/>
+              </a:defRPr>
+            </a:lvl1pPr>
+          </a:lstStyle>
+          <a:p>
+            <a:fld id="{49AE70B2-8BF9-45C0-BB95-33D1B9D3A854}" type="slidenum">
+              <a:rPr lang="zh-CN" altLang="en-US" smtClean="0"/>
+            </a:fld>
+            <a:endParaRPr lang="zh-CN" altLang="en-US"/>
+          </a:p>
+        </p:txBody>
+      </p:sp>
+    </p:spTree>
+  </p:cSld>
+  <p:clrMapOvr>
+    <a:masterClrMapping/>
+  </p:clrMapOvr>
+</p:sldLayout>
+</file>
+
+<file path=ppt/slideLayouts/slideLayout6.xml><?xml version="1.0" encoding="utf-8"?>
+<p:sldLayout xmlns:a="http://schemas.openxmlformats.org/drawingml/2006/main" xmlns:r="http://schemas.openxmlformats.org/officeDocument/2006/relationships" xmlns:p="http://schemas.openxmlformats.org/presentationml/2006/main" type="titleOnly" preserve="1">
+  <p:cSld name="仅标题">
+    <p:spTree>
+      <p:nvGrpSpPr>
+        <p:cNvPr id="1" name=""/>
+        <p:cNvGrpSpPr/>
+        <p:nvPr/>
+      </p:nvGrpSpPr>
+      <p:grpSpPr>
+        <a:xfrm>
+          <a:off x="0" y="0"/>
+          <a:ext cx="0" cy="0"/>
+          <a:chOff x="0" y="0"/>
+          <a:chExt cx="0" cy="0"/>
+        </a:xfrm>
+      </p:grpSpPr>
+      <p:sp>
+        <p:nvSpPr>
+          <p:cNvPr id="7" name="任意多边形 6"/>
+          <p:cNvSpPr/>
+          <p:nvPr userDrawn="1">
+            <p:custDataLst>
+              <p:tags r:id="rId2"/>
+            </p:custDataLst>
+          </p:nvPr>
+        </p:nvSpPr>
+        <p:spPr>
+          <a:xfrm>
+            <a:off x="4878000" y="444500"/>
+            <a:ext cx="7314000" cy="6858000"/>
+          </a:xfrm>
+          <a:custGeom>
+            <a:avLst/>
+            <a:gdLst>
+              <a:gd name="connsiteX0" fmla="*/ 1714500 w 7314000"/>
+              <a:gd name="connsiteY0" fmla="*/ 0 h 6858000"/>
+              <a:gd name="connsiteX1" fmla="*/ 7314000 w 7314000"/>
+              <a:gd name="connsiteY1" fmla="*/ 0 h 6858000"/>
+              <a:gd name="connsiteX2" fmla="*/ 7314000 w 7314000"/>
+              <a:gd name="connsiteY2" fmla="*/ 6858000 h 6858000"/>
+              <a:gd name="connsiteX3" fmla="*/ 0 w 7314000"/>
+              <a:gd name="connsiteY3" fmla="*/ 6858000 h 6858000"/>
+              <a:gd name="connsiteX4" fmla="*/ 1714500 w 7314000"/>
+              <a:gd name="connsiteY4" fmla="*/ 0 h 6858000"/>
+            </a:gdLst>
+            <a:ahLst/>
+            <a:cxnLst>
+              <a:cxn ang="0">
+                <a:pos x="connsiteX0" y="connsiteY0"/>
+              </a:cxn>
+              <a:cxn ang="0">
+                <a:pos x="connsiteX1" y="connsiteY1"/>
+              </a:cxn>
+              <a:cxn ang="0">
+                <a:pos x="connsiteX2" y="connsiteY2"/>
+              </a:cxn>
+              <a:cxn ang="0">
+                <a:pos x="connsiteX3" y="connsiteY3"/>
+              </a:cxn>
+              <a:cxn ang="0">
+                <a:pos x="connsiteX4" y="connsiteY4"/>
+              </a:cxn>
+            </a:cxnLst>
+            <a:rect l="l" t="t" r="r" b="b"/>
+            <a:pathLst>
+              <a:path w="7314000" h="6858000">
+                <a:moveTo>
+                  <a:pt x="1714500" y="0"/>
+                </a:moveTo>
+                <a:lnTo>
+                  <a:pt x="7314000" y="0"/>
+                </a:lnTo>
+                <a:lnTo>
+                  <a:pt x="7314000" y="6858000"/>
+                </a:lnTo>
+                <a:lnTo>
+                  <a:pt x="0" y="6858000"/>
+                </a:lnTo>
+                <a:lnTo>
+                  <a:pt x="1714500" y="0"/>
+                </a:lnTo>
+                <a:close/>
+              </a:path>
+            </a:pathLst>
+          </a:custGeom>
+          <a:solidFill>
+            <a:srgbClr val="FEDF82">
+              <a:alpha val="35000"/>
+            </a:srgbClr>
+          </a:solidFill>
+          <a:ln w="12700" cap="flat" cmpd="sng" algn="ctr">
+            <a:noFill/>
+            <a:prstDash val="solid"/>
+            <a:miter lim="800000"/>
+            <a:headEnd type="none" w="med" len="med"/>
+            <a:tailEnd type="none" w="med" len="med"/>
+          </a:ln>
+          <a:effectLst/>
+        </p:spPr>
+        <p:style>
+          <a:lnRef idx="2">
+            <a:schemeClr val="accent1">
+              <a:shade val="50000"/>
+            </a:schemeClr>
+          </a:lnRef>
+          <a:fillRef idx="1">
+            <a:schemeClr val="accent1"/>
+          </a:fillRef>
+          <a:effectRef idx="0">
+            <a:schemeClr val="accent1"/>
+          </a:effectRef>
+          <a:fontRef idx="minor">
+            <a:schemeClr val="lt1"/>
+          </a:fontRef>
+        </p:style>
+        <p:txBody>
+          <a:bodyPr wrap="square" rtlCol="0" anchor="ctr">
+            <a:normAutofit/>
+          </a:bodyPr>
+          <a:lstStyle>
+            <a:defPPr>
+              <a:defRPr lang="zh-CN">
+                <a:solidFill>
+                  <a:schemeClr val="lt1"/>
+                </a:solidFill>
+              </a:defRPr>
+            </a:defPPr>
+            <a:lvl1pPr marL="0" algn="l" defTabSz="914400" rtl="0" eaLnBrk="1" latinLnBrk="0" hangingPunct="1">
+              <a:defRPr sz="1800" kern="1200">
+                <a:solidFill>
+                  <a:schemeClr val="lt1"/>
+                </a:solidFill>
+                <a:latin typeface="+mn-lt"/>
+                <a:ea typeface="+mn-ea"/>
+                <a:cs typeface="+mn-cs"/>
+              </a:defRPr>
+            </a:lvl1pPr>
+            <a:lvl2pPr marL="457200" algn="l" defTabSz="914400" rtl="0" eaLnBrk="1" latinLnBrk="0" hangingPunct="1">
+              <a:defRPr sz="1800" kern="1200">
+                <a:solidFill>
+                  <a:schemeClr val="lt1"/>
+                </a:solidFill>
+                <a:latin typeface="+mn-lt"/>
+                <a:ea typeface="+mn-ea"/>
+                <a:cs typeface="+mn-cs"/>
+              </a:defRPr>
+            </a:lvl2pPr>
+            <a:lvl3pPr marL="914400" algn="l" defTabSz="914400" rtl="0" eaLnBrk="1" latinLnBrk="0" hangingPunct="1">
+              <a:defRPr sz="1800" kern="1200">
+                <a:solidFill>
+                  <a:schemeClr val="lt1"/>
+                </a:solidFill>
+                <a:latin typeface="+mn-lt"/>
+                <a:ea typeface="+mn-ea"/>
+                <a:cs typeface="+mn-cs"/>
+              </a:defRPr>
+            </a:lvl3pPr>
+            <a:lvl4pPr marL="1371600" algn="l" defTabSz="914400" rtl="0" eaLnBrk="1" latinLnBrk="0" hangingPunct="1">
+              <a:defRPr sz="1800" kern="1200">
+                <a:solidFill>
+                  <a:schemeClr val="lt1"/>
+                </a:solidFill>
+                <a:latin typeface="+mn-lt"/>
+                <a:ea typeface="+mn-ea"/>
+                <a:cs typeface="+mn-cs"/>
+              </a:defRPr>
+            </a:lvl4pPr>
+            <a:lvl5pPr marL="1828800" algn="l" defTabSz="914400" rtl="0" eaLnBrk="1" latinLnBrk="0" hangingPunct="1">
+              <a:defRPr sz="1800" kern="1200">
+                <a:solidFill>
+                  <a:schemeClr val="lt1"/>
+                </a:solidFill>
+                <a:latin typeface="+mn-lt"/>
+                <a:ea typeface="+mn-ea"/>
+                <a:cs typeface="+mn-cs"/>
+              </a:defRPr>
+            </a:lvl5pPr>
+            <a:lvl6pPr marL="2286000" algn="l" defTabSz="914400" rtl="0" eaLnBrk="1" latinLnBrk="0" hangingPunct="1">
+              <a:defRPr sz="1800" kern="1200">
+                <a:solidFill>
+                  <a:schemeClr val="lt1"/>
+                </a:solidFill>
+                <a:latin typeface="+mn-lt"/>
+                <a:ea typeface="+mn-ea"/>
+                <a:cs typeface="+mn-cs"/>
+              </a:defRPr>
+            </a:lvl6pPr>
+            <a:lvl7pPr marL="2743200" algn="l" defTabSz="914400" rtl="0" eaLnBrk="1" latinLnBrk="0" hangingPunct="1">
+              <a:defRPr sz="1800" kern="1200">
+                <a:solidFill>
+                  <a:schemeClr val="lt1"/>
+                </a:solidFill>
+                <a:latin typeface="+mn-lt"/>
+                <a:ea typeface="+mn-ea"/>
+                <a:cs typeface="+mn-cs"/>
+              </a:defRPr>
+            </a:lvl7pPr>
+            <a:lvl8pPr marL="3200400" algn="l" defTabSz="914400" rtl="0" eaLnBrk="1" latinLnBrk="0" hangingPunct="1">
+              <a:defRPr sz="1800" kern="1200">
+                <a:solidFill>
+                  <a:schemeClr val="lt1"/>
+                </a:solidFill>
+                <a:latin typeface="+mn-lt"/>
+                <a:ea typeface="+mn-ea"/>
+                <a:cs typeface="+mn-cs"/>
+              </a:defRPr>
+            </a:lvl8pPr>
+            <a:lvl9pPr marL="3657600" algn="l" defTabSz="914400" rtl="0" eaLnBrk="1" latinLnBrk="0" hangingPunct="1">
+              <a:defRPr sz="1800" kern="1200">
+                <a:solidFill>
+                  <a:schemeClr val="lt1"/>
+                </a:solidFill>
+                <a:latin typeface="+mn-lt"/>
+                <a:ea typeface="+mn-ea"/>
+                <a:cs typeface="+mn-cs"/>
+              </a:defRPr>
+            </a:lvl9pPr>
+          </a:lstStyle>
+          <a:p>
+            <a:pPr algn="ctr"/>
+            <a:endParaRPr lang="zh-CN" altLang="en-US"/>
+          </a:p>
+        </p:txBody>
+      </p:sp>
+      <p:pic>
+        <p:nvPicPr>
+          <p:cNvPr id="6" name="图片 5"/>
+          <p:cNvPicPr/>
+          <p:nvPr userDrawn="1">
+            <p:custDataLst>
+              <p:tags r:id="rId3"/>
+            </p:custDataLst>
+          </p:nvPr>
+        </p:nvPicPr>
+        <p:blipFill>
+          <a:blip r:embed="rId4" r:link="rId5" cstate="email"/>
+          <a:stretch>
+            <a:fillRect/>
+          </a:stretch>
+        </p:blipFill>
+        <p:spPr>
+          <a:xfrm>
+            <a:off x="11471910" y="6246700"/>
+            <a:ext cx="720090" cy="611299"/>
+          </a:xfrm>
+          <a:prstGeom prst="rect">
+            <a:avLst/>
+          </a:prstGeom>
+        </p:spPr>
+      </p:pic>
+      <p:sp>
+        <p:nvSpPr>
+          <p:cNvPr id="2" name="标题 1"/>
+          <p:cNvSpPr>
+            <a:spLocks noGrp="1"/>
+          </p:cNvSpPr>
+          <p:nvPr>
+            <p:ph type="title"/>
+            <p:custDataLst>
+              <p:tags r:id="rId6"/>
+            </p:custDataLst>
+          </p:nvPr>
+        </p:nvSpPr>
+        <p:spPr>
+          <a:xfrm>
+            <a:off x="342857" y="591820"/>
+            <a:ext cx="10852237" cy="441964"/>
+          </a:xfrm>
+          <a:prstGeom prst="rect">
+            <a:avLst/>
+          </a:prstGeom>
+        </p:spPr>
+        <p:txBody>
+          <a:bodyPr vert="horz" wrap="square" lIns="90170" tIns="46990" rIns="90170" bIns="46990" rtlCol="0" anchor="ctr" anchorCtr="0">
+            <a:normAutofit/>
+          </a:bodyPr>
+          <a:lstStyle>
+            <a:lvl1pPr marL="0" marR="0" lvl="0" algn="l" defTabSz="914400" rtl="0" eaLnBrk="1" fontAlgn="auto" latinLnBrk="0" hangingPunct="1">
+              <a:lnSpc>
+                <a:spcPct val="100000"/>
+              </a:lnSpc>
+              <a:buNone/>
+              <a:defRPr kumimoji="0" lang="zh-CN" altLang="en-US" sz="2400" b="1" i="0" u="none" strike="noStrike" kern="1200" cap="none" spc="200" normalizeH="0" baseline="0" noProof="1" dirty="0">
+                <a:solidFill>
+                  <a:schemeClr val="tx1"/>
+                </a:solidFill>
+                <a:uFillTx/>
+                <a:latin typeface="Arial" panose="020B0604020202020204" pitchFamily="34" charset="0"/>
+                <a:ea typeface="微软雅黑" panose="020B0503020204020204" charset="-122"/>
+                <a:cs typeface="+mj-cs"/>
+                <a:sym typeface="+mn-ea"/>
+              </a:defRPr>
+            </a:lvl1pPr>
+          </a:lstStyle>
+          <a:p>
+            <a:pPr lvl="0"/>
+            <a:r>
+              <a:rPr>
+                <a:sym typeface="+mn-ea"/>
+              </a:rPr>
+              <a:t>单击此处编辑母版标题样式</a:t>
+            </a:r>
+            <a:endParaRPr>
+              <a:sym typeface="+mn-ea"/>
+            </a:endParaRPr>
+          </a:p>
+        </p:txBody>
+      </p:sp>
+      <p:sp>
+        <p:nvSpPr>
+          <p:cNvPr id="3" name="日期占位符 2"/>
+          <p:cNvSpPr>
+            <a:spLocks noGrp="1"/>
+          </p:cNvSpPr>
+          <p:nvPr>
+            <p:ph type="dt" sz="half" idx="10"/>
+            <p:custDataLst>
+              <p:tags r:id="rId7"/>
+            </p:custDataLst>
+          </p:nvPr>
+        </p:nvSpPr>
+        <p:spPr/>
+        <p:txBody>
+          <a:bodyPr wrap="square">
+            <a:normAutofit/>
+          </a:bodyPr>
+          <a:lstStyle>
+            <a:lvl1pPr>
+              <a:defRPr>
+                <a:latin typeface="Arial" panose="020B0604020202020204" pitchFamily="34" charset="0"/>
+                <a:ea typeface="微软雅黑" panose="020B0503020204020204" charset="-122"/>
+              </a:defRPr>
+            </a:lvl1pPr>
+          </a:lstStyle>
+          <a:p>
+            <a:fld id="{760FBDFE-C587-4B4C-A407-44438C67B59E}" type="datetimeFigureOut">
+              <a:rPr lang="zh-CN" altLang="en-US" smtClean="0"/>
+            </a:fld>
+            <a:endParaRPr lang="zh-CN" altLang="en-US"/>
+          </a:p>
+        </p:txBody>
+      </p:sp>
+      <p:sp>
+        <p:nvSpPr>
+          <p:cNvPr id="4" name="页脚占位符 3"/>
+          <p:cNvSpPr>
+            <a:spLocks noGrp="1"/>
+          </p:cNvSpPr>
+          <p:nvPr>
+            <p:ph type="ftr" sz="quarter" idx="11"/>
+            <p:custDataLst>
+              <p:tags r:id="rId8"/>
+            </p:custDataLst>
+          </p:nvPr>
+        </p:nvSpPr>
+        <p:spPr/>
+        <p:txBody>
+          <a:bodyPr wrap="square">
+            <a:normAutofit/>
+          </a:bodyPr>
+          <a:lstStyle>
+            <a:lvl1pPr>
+              <a:defRPr>
+                <a:latin typeface="Arial" panose="020B0604020202020204" pitchFamily="34" charset="0"/>
+                <a:ea typeface="微软雅黑" panose="020B0503020204020204" charset="-122"/>
+              </a:defRPr>
+            </a:lvl1pPr>
+          </a:lstStyle>
+          <a:p>
+            <a:endParaRPr lang="zh-CN" altLang="en-US"/>
+          </a:p>
+        </p:txBody>
+      </p:sp>
+      <p:sp>
+        <p:nvSpPr>
+          <p:cNvPr id="5" name="灯片编号占位符 4"/>
+          <p:cNvSpPr>
+            <a:spLocks noGrp="1"/>
+          </p:cNvSpPr>
+          <p:nvPr>
+            <p:ph type="sldNum" sz="quarter" idx="12"/>
+            <p:custDataLst>
+              <p:tags r:id="rId9"/>
+            </p:custDataLst>
+          </p:nvPr>
+        </p:nvSpPr>
+        <p:spPr/>
+        <p:txBody>
+          <a:bodyPr wrap="square">
+            <a:normAutofit/>
+          </a:bodyPr>
+          <a:lstStyle>
+            <a:lvl1pPr>
+              <a:defRPr>
+                <a:latin typeface="Arial" panose="020B0604020202020204" pitchFamily="34" charset="0"/>
+                <a:ea typeface="微软雅黑" panose="020B0503020204020204" charset="-122"/>
+              </a:defRPr>
+            </a:lvl1pPr>
+          </a:lstStyle>
+          <a:p>
+            <a:fld id="{49AE70B2-8BF9-45C0-BB95-33D1B9D3A854}" type="slidenum">
+              <a:rPr lang="zh-CN" altLang="en-US" smtClean="0"/>
+            </a:fld>
+            <a:endParaRPr lang="zh-CN" altLang="en-US"/>
+          </a:p>
+        </p:txBody>
+      </p:sp>
+    </p:spTree>
+  </p:cSld>
+  <p:clrMapOvr>
+    <a:masterClrMapping/>
+  </p:clrMapOvr>
+</p:sldLayout>
+</file>
+
+<file path=ppt/slideLayouts/slideLayout7.xml><?xml version="1.0" encoding="utf-8"?>
+<p:sldLayout xmlns:a="http://schemas.openxmlformats.org/drawingml/2006/main" xmlns:r="http://schemas.openxmlformats.org/officeDocument/2006/relationships" xmlns:p="http://schemas.openxmlformats.org/presentationml/2006/main" type="blank" preserve="1">
+  <p:cSld name="空白">
+    <p:spTree>
+      <p:nvGrpSpPr>
+        <p:cNvPr id="1" name=""/>
+        <p:cNvGrpSpPr/>
+        <p:nvPr/>
+      </p:nvGrpSpPr>
+      <p:grpSpPr>
+        <a:xfrm>
+          <a:off x="0" y="0"/>
+          <a:ext cx="0" cy="0"/>
+          <a:chOff x="0" y="0"/>
+          <a:chExt cx="0" cy="0"/>
+        </a:xfrm>
+      </p:grpSpPr>
+      <p:sp>
+        <p:nvSpPr>
+          <p:cNvPr id="2" name="日期占位符 1"/>
+          <p:cNvSpPr>
+            <a:spLocks noGrp="1"/>
+          </p:cNvSpPr>
+          <p:nvPr>
+            <p:ph type="dt" sz="half" idx="10"/>
+            <p:custDataLst>
+              <p:tags r:id="rId2"/>
+            </p:custDataLst>
+          </p:nvPr>
+        </p:nvSpPr>
+        <p:spPr/>
+        <p:txBody>
+          <a:bodyPr wrap="square">
+            <a:normAutofit/>
+          </a:bodyPr>
+          <a:lstStyle>
+            <a:lvl1pPr>
+              <a:defRPr>
+                <a:latin typeface="Arial" panose="020B0604020202020204" pitchFamily="34" charset="0"/>
+                <a:ea typeface="微软雅黑" panose="020B0503020204020204" charset="-122"/>
+              </a:defRPr>
+            </a:lvl1pPr>
+          </a:lstStyle>
+          <a:p>
+            <a:fld id="{760FBDFE-C587-4B4C-A407-44438C67B59E}" type="datetimeFigureOut">
+              <a:rPr lang="zh-CN" altLang="en-US" smtClean="0"/>
+            </a:fld>
+            <a:endParaRPr lang="zh-CN" altLang="en-US"/>
+          </a:p>
+        </p:txBody>
+      </p:sp>
+      <p:sp>
+        <p:nvSpPr>
+          <p:cNvPr id="3" name="页脚占位符 2"/>
+          <p:cNvSpPr>
+            <a:spLocks noGrp="1"/>
+          </p:cNvSpPr>
+          <p:nvPr>
+            <p:ph type="ftr" sz="quarter" idx="11"/>
+            <p:custDataLst>
+              <p:tags r:id="rId3"/>
+            </p:custDataLst>
+          </p:nvPr>
+        </p:nvSpPr>
+        <p:spPr/>
+        <p:txBody>
+          <a:bodyPr wrap="square">
+            <a:normAutofit/>
+          </a:bodyPr>
+          <a:lstStyle>
+            <a:lvl1pPr>
+              <a:defRPr>
+                <a:latin typeface="Arial" panose="020B0604020202020204" pitchFamily="34" charset="0"/>
+                <a:ea typeface="微软雅黑" panose="020B0503020204020204" charset="-122"/>
+              </a:defRPr>
+            </a:lvl1pPr>
+          </a:lstStyle>
+          <a:p>
+            <a:endParaRPr lang="zh-CN" altLang="en-US"/>
+          </a:p>
+        </p:txBody>
+      </p:sp>
+      <p:sp>
+        <p:nvSpPr>
+          <p:cNvPr id="4" name="灯片编号占位符 3"/>
+          <p:cNvSpPr>
+            <a:spLocks noGrp="1"/>
+          </p:cNvSpPr>
+          <p:nvPr>
+            <p:ph type="sldNum" sz="quarter" idx="12"/>
+            <p:custDataLst>
+              <p:tags r:id="rId4"/>
+            </p:custDataLst>
+          </p:nvPr>
+        </p:nvSpPr>
+        <p:spPr/>
+        <p:txBody>
+          <a:bodyPr wrap="square">
+            <a:normAutofit/>
+          </a:bodyPr>
+          <a:lstStyle>
+            <a:lvl1pPr>
+              <a:defRPr>
+                <a:latin typeface="Arial" panose="020B0604020202020204" pitchFamily="34" charset="0"/>
+                <a:ea typeface="微软雅黑" panose="020B0503020204020204" charset="-122"/>
+              </a:defRPr>
+            </a:lvl1pPr>
+          </a:lstStyle>
+          <a:p>
+            <a:fld id="{49AE70B2-8BF9-45C0-BB95-33D1B9D3A854}" type="slidenum">
+              <a:rPr lang="zh-CN" altLang="en-US" smtClean="0"/>
+            </a:fld>
+            <a:endParaRPr lang="zh-CN" altLang="en-US"/>
+          </a:p>
+        </p:txBody>
+      </p:sp>
+    </p:spTree>
+  </p:cSld>
+  <p:clrMapOvr>
+    <a:masterClrMapping/>
+  </p:clrMapOvr>
+</p:sldLayout>
+</file>
+
+<file path=ppt/slideLayouts/slideLayout8.xml><?xml version="1.0" encoding="utf-8"?>
+<p:sldLayout xmlns:a="http://schemas.openxmlformats.org/drawingml/2006/main" xmlns:r="http://schemas.openxmlformats.org/officeDocument/2006/relationships" xmlns:p="http://schemas.openxmlformats.org/presentationml/2006/main" preserve="1" userDrawn="1">
+  <p:cSld name="图片与标题">
     <p:spTree>
       <p:nvGrpSpPr>
         <p:cNvPr id="1" name=""/>
@@ -4592,9 +6571,12 @@
         </p:nvSpPr>
         <p:spPr>
           <a:xfrm>
-            <a:off x="669882" y="443234"/>
+            <a:off x="669930" y="443234"/>
             <a:ext cx="10852237" cy="441964"/>
           </a:xfrm>
+          <a:prstGeom prst="rect">
+            <a:avLst/>
+          </a:prstGeom>
         </p:spPr>
         <p:txBody>
           <a:bodyPr vert="horz" wrap="square" lIns="90170" tIns="46990" rIns="90170" bIns="46990" rtlCol="0" anchor="ctr" anchorCtr="0">
@@ -4621,12 +6603,12 @@
           <a:p>
             <a:pPr lvl="0"/>
             <a:r>
-              <a:rPr>
+              <a:rPr dirty="0">
                 <a:sym typeface="+mn-ea"/>
               </a:rPr>
               <a:t>单击此处编辑母版标题样式</a:t>
             </a:r>
-            <a:endParaRPr>
+            <a:endParaRPr dirty="0">
               <a:sym typeface="+mn-ea"/>
             </a:endParaRPr>
           </a:p>
@@ -4634,12 +6616,12 @@
       </p:sp>
       <p:sp>
         <p:nvSpPr>
-          <p:cNvPr id="3" name="内容占位符 2"/>
+          <p:cNvPr id="3" name="图片占位符 2"/>
           <p:cNvSpPr>
             <a:spLocks noGrp="1"/>
           </p:cNvSpPr>
           <p:nvPr>
-            <p:ph sz="half" idx="1"/>
+            <p:ph type="pic" idx="1"/>
             <p:custDataLst>
               <p:tags r:id="rId10"/>
             </p:custDataLst>
@@ -4652,11 +6634,11 @@
           </a:xfrm>
         </p:spPr>
         <p:txBody>
-          <a:bodyPr vert="horz" wrap="square" lIns="90170" tIns="46990" rIns="90170" bIns="46990" rtlCol="0">
+          <a:bodyPr vert="horz" lIns="90170" tIns="46990" rIns="90170" bIns="46990" rtlCol="0">
             <a:normAutofit/>
           </a:bodyPr>
           <a:lstStyle>
-            <a:lvl1pPr marL="228600" marR="0" lvl="0" indent="-228600" algn="l" defTabSz="914400" rtl="0" eaLnBrk="1" fontAlgn="auto" latinLnBrk="0" hangingPunct="1">
+            <a:lvl1pPr marL="0" marR="0" lvl="0" indent="0" algn="l" defTabSz="914400" rtl="0" eaLnBrk="1" fontAlgn="auto" latinLnBrk="0" hangingPunct="1">
               <a:lnSpc>
                 <a:spcPct val="130000"/>
               </a:lnSpc>
@@ -4667,7 +6649,7 @@
                 <a:spcPts val="1000"/>
               </a:spcAft>
               <a:buFont typeface="Arial" panose="020B0604020202020204" pitchFamily="34" charset="0"/>
-              <a:buChar char="•"/>
+              <a:buNone/>
               <a:defRPr kumimoji="0" lang="zh-CN" altLang="en-US" sz="1600" b="0" i="0" u="none" strike="noStrike" kern="1200" cap="none" spc="150" normalizeH="0" baseline="0" noProof="1" dirty="0">
                 <a:solidFill>
                   <a:schemeClr val="tx1"/>
@@ -4699,1970 +6681,6 @@
                   <a:schemeClr val="tx1"/>
                 </a:solidFill>
                 <a:uFillTx/>
-                <a:latin typeface="Arial" panose="020B0604020202020204" pitchFamily="34" charset="0"/>
-                <a:ea typeface="微软雅黑" panose="020B0503020204020204" charset="-122"/>
-                <a:cs typeface="+mn-cs"/>
-                <a:sym typeface="+mn-ea"/>
-              </a:defRPr>
-            </a:lvl2pPr>
-            <a:lvl3pPr marL="1143000" marR="0" lvl="2" indent="-228600" algn="l" defTabSz="914400" rtl="0" eaLnBrk="1" fontAlgn="auto" latinLnBrk="0" hangingPunct="1">
-              <a:lnSpc>
-                <a:spcPct val="130000"/>
-              </a:lnSpc>
-              <a:spcBef>
-                <a:spcPts val="0"/>
-              </a:spcBef>
-              <a:spcAft>
-                <a:spcPts val="1000"/>
-              </a:spcAft>
-              <a:buFont typeface="Arial" panose="020B0604020202020204" pitchFamily="34" charset="0"/>
-              <a:buChar char="•"/>
-              <a:defRPr kumimoji="0" lang="zh-CN" altLang="en-US" sz="1600" b="0" i="0" u="none" strike="noStrike" kern="1200" cap="none" spc="150" normalizeH="0" baseline="0" noProof="1" dirty="0">
-                <a:solidFill>
-                  <a:schemeClr val="tx1"/>
-                </a:solidFill>
-                <a:uFillTx/>
-                <a:latin typeface="Arial" panose="020B0604020202020204" pitchFamily="34" charset="0"/>
-                <a:ea typeface="微软雅黑" panose="020B0503020204020204" charset="-122"/>
-                <a:cs typeface="+mn-cs"/>
-                <a:sym typeface="+mn-ea"/>
-              </a:defRPr>
-            </a:lvl3pPr>
-            <a:lvl4pPr marL="1600200" marR="0" lvl="3" indent="-228600" algn="l" defTabSz="914400" rtl="0" eaLnBrk="1" fontAlgn="auto" latinLnBrk="0" hangingPunct="1">
-              <a:lnSpc>
-                <a:spcPct val="130000"/>
-              </a:lnSpc>
-              <a:spcBef>
-                <a:spcPts val="0"/>
-              </a:spcBef>
-              <a:spcAft>
-                <a:spcPts val="1000"/>
-              </a:spcAft>
-              <a:buFont typeface="Arial" panose="020B0604020202020204" pitchFamily="34" charset="0"/>
-              <a:buChar char="•"/>
-              <a:defRPr kumimoji="0" lang="zh-CN" altLang="en-US" sz="1600" b="0" i="0" u="none" strike="noStrike" kern="1200" cap="none" spc="150" normalizeH="0" baseline="0" noProof="1" dirty="0">
-                <a:solidFill>
-                  <a:schemeClr val="tx1"/>
-                </a:solidFill>
-                <a:uFillTx/>
-                <a:latin typeface="Arial" panose="020B0604020202020204" pitchFamily="34" charset="0"/>
-                <a:ea typeface="微软雅黑" panose="020B0503020204020204" charset="-122"/>
-                <a:cs typeface="+mn-cs"/>
-                <a:sym typeface="+mn-ea"/>
-              </a:defRPr>
-            </a:lvl4pPr>
-            <a:lvl5pPr marL="2057400" marR="0" lvl="4" indent="-228600" algn="l" defTabSz="914400" rtl="0" eaLnBrk="1" fontAlgn="auto" latinLnBrk="0" hangingPunct="1">
-              <a:lnSpc>
-                <a:spcPct val="130000"/>
-              </a:lnSpc>
-              <a:spcBef>
-                <a:spcPts val="0"/>
-              </a:spcBef>
-              <a:spcAft>
-                <a:spcPts val="1000"/>
-              </a:spcAft>
-              <a:buFont typeface="Arial" panose="020B0604020202020204" pitchFamily="34" charset="0"/>
-              <a:buChar char="•"/>
-              <a:defRPr kumimoji="0" lang="zh-CN" altLang="en-US" sz="1600" b="0" i="0" u="none" strike="noStrike" kern="1200" cap="none" spc="150" normalizeH="0" baseline="0" noProof="1" dirty="0">
-                <a:solidFill>
-                  <a:schemeClr val="tx1"/>
-                </a:solidFill>
-                <a:uFillTx/>
-                <a:latin typeface="Arial" panose="020B0604020202020204" pitchFamily="34" charset="0"/>
-                <a:ea typeface="微软雅黑" panose="020B0503020204020204" charset="-122"/>
-                <a:cs typeface="+mn-cs"/>
-                <a:sym typeface="+mn-ea"/>
-              </a:defRPr>
-            </a:lvl5pPr>
-          </a:lstStyle>
-          <a:p>
-            <a:pPr lvl="0"/>
-            <a:r>
-              <a:rPr>
-                <a:sym typeface="+mn-ea"/>
-              </a:rPr>
-              <a:t>单击此处编辑母版文本样式</a:t>
-            </a:r>
-            <a:endParaRPr>
-              <a:sym typeface="+mn-ea"/>
-            </a:endParaRPr>
-          </a:p>
-          <a:p>
-            <a:pPr lvl="1"/>
-            <a:r>
-              <a:rPr>
-                <a:sym typeface="+mn-ea"/>
-              </a:rPr>
-              <a:t>第二级</a:t>
-            </a:r>
-            <a:endParaRPr>
-              <a:sym typeface="+mn-ea"/>
-            </a:endParaRPr>
-          </a:p>
-          <a:p>
-            <a:pPr lvl="2"/>
-            <a:r>
-              <a:rPr>
-                <a:sym typeface="+mn-ea"/>
-              </a:rPr>
-              <a:t>第三级</a:t>
-            </a:r>
-            <a:endParaRPr>
-              <a:sym typeface="+mn-ea"/>
-            </a:endParaRPr>
-          </a:p>
-          <a:p>
-            <a:pPr lvl="3"/>
-            <a:r>
-              <a:rPr>
-                <a:sym typeface="+mn-ea"/>
-              </a:rPr>
-              <a:t>第四级</a:t>
-            </a:r>
-            <a:endParaRPr>
-              <a:sym typeface="+mn-ea"/>
-            </a:endParaRPr>
-          </a:p>
-          <a:p>
-            <a:pPr lvl="4"/>
-            <a:r>
-              <a:rPr>
-                <a:sym typeface="+mn-ea"/>
-              </a:rPr>
-              <a:t>第五级</a:t>
-            </a:r>
-            <a:endParaRPr>
-              <a:sym typeface="+mn-ea"/>
-            </a:endParaRPr>
-          </a:p>
-        </p:txBody>
-      </p:sp>
-      <p:sp>
-        <p:nvSpPr>
-          <p:cNvPr id="4" name="内容占位符 3"/>
-          <p:cNvSpPr>
-            <a:spLocks noGrp="1"/>
-          </p:cNvSpPr>
-          <p:nvPr>
-            <p:ph sz="half" idx="2"/>
-            <p:custDataLst>
-              <p:tags r:id="rId11"/>
-            </p:custDataLst>
-          </p:nvPr>
-        </p:nvSpPr>
-        <p:spPr>
-          <a:xfrm>
-            <a:off x="6238877" y="952508"/>
-            <a:ext cx="5283242" cy="5388907"/>
-          </a:xfrm>
-        </p:spPr>
-        <p:txBody>
-          <a:bodyPr wrap="square" lIns="90170" tIns="46990" rIns="90170" bIns="46990">
-            <a:normAutofit/>
-          </a:bodyPr>
-          <a:lstStyle>
-            <a:lvl1pPr eaLnBrk="1" fontAlgn="auto" latinLnBrk="0" hangingPunct="1">
-              <a:defRPr sz="1600">
-                <a:solidFill>
-                  <a:schemeClr val="tx1"/>
-                </a:solidFill>
-                <a:latin typeface="Arial" panose="020B0604020202020204" pitchFamily="34" charset="0"/>
-                <a:ea typeface="微软雅黑" panose="020B0503020204020204" charset="-122"/>
-              </a:defRPr>
-            </a:lvl1pPr>
-            <a:lvl2pPr eaLnBrk="1" fontAlgn="auto" latinLnBrk="0" hangingPunct="1">
-              <a:defRPr sz="1600">
-                <a:solidFill>
-                  <a:schemeClr val="tx1"/>
-                </a:solidFill>
-                <a:latin typeface="Arial" panose="020B0604020202020204" pitchFamily="34" charset="0"/>
-                <a:ea typeface="微软雅黑" panose="020B0503020204020204" charset="-122"/>
-              </a:defRPr>
-            </a:lvl2pPr>
-            <a:lvl3pPr eaLnBrk="1" fontAlgn="auto" latinLnBrk="0" hangingPunct="1">
-              <a:defRPr sz="1600">
-                <a:solidFill>
-                  <a:schemeClr val="tx1"/>
-                </a:solidFill>
-                <a:latin typeface="Arial" panose="020B0604020202020204" pitchFamily="34" charset="0"/>
-                <a:ea typeface="微软雅黑" panose="020B0503020204020204" charset="-122"/>
-              </a:defRPr>
-            </a:lvl3pPr>
-            <a:lvl4pPr eaLnBrk="1" fontAlgn="auto" latinLnBrk="0" hangingPunct="1">
-              <a:defRPr sz="1600">
-                <a:solidFill>
-                  <a:schemeClr val="tx1"/>
-                </a:solidFill>
-                <a:latin typeface="Arial" panose="020B0604020202020204" pitchFamily="34" charset="0"/>
-                <a:ea typeface="微软雅黑" panose="020B0503020204020204" charset="-122"/>
-              </a:defRPr>
-            </a:lvl4pPr>
-            <a:lvl5pPr eaLnBrk="1" fontAlgn="auto" latinLnBrk="0" hangingPunct="1">
-              <a:defRPr sz="1600">
-                <a:solidFill>
-                  <a:schemeClr val="tx1"/>
-                </a:solidFill>
-                <a:latin typeface="Arial" panose="020B0604020202020204" pitchFamily="34" charset="0"/>
-                <a:ea typeface="微软雅黑" panose="020B0503020204020204" charset="-122"/>
-              </a:defRPr>
-            </a:lvl5pPr>
-          </a:lstStyle>
-          <a:p>
-            <a:pPr lvl="0"/>
-            <a:r>
-              <a:rPr lang="zh-CN" altLang="en-US" dirty="0"/>
-              <a:t>单击此处编辑母版文本样式</a:t>
-            </a:r>
-            <a:endParaRPr lang="zh-CN" altLang="en-US" dirty="0"/>
-          </a:p>
-          <a:p>
-            <a:pPr lvl="1"/>
-            <a:r>
-              <a:rPr lang="zh-CN" altLang="en-US" dirty="0"/>
-              <a:t>第二级</a:t>
-            </a:r>
-            <a:endParaRPr lang="zh-CN" altLang="en-US" dirty="0"/>
-          </a:p>
-          <a:p>
-            <a:pPr lvl="2"/>
-            <a:r>
-              <a:rPr lang="zh-CN" altLang="en-US" dirty="0"/>
-              <a:t>第三级</a:t>
-            </a:r>
-            <a:endParaRPr lang="zh-CN" altLang="en-US" dirty="0"/>
-          </a:p>
-          <a:p>
-            <a:pPr lvl="3"/>
-            <a:r>
-              <a:rPr lang="zh-CN" altLang="en-US" dirty="0"/>
-              <a:t>第四级</a:t>
-            </a:r>
-            <a:endParaRPr lang="zh-CN" altLang="en-US" dirty="0"/>
-          </a:p>
-          <a:p>
-            <a:pPr lvl="4"/>
-            <a:r>
-              <a:rPr lang="zh-CN" altLang="en-US" dirty="0"/>
-              <a:t>第五级</a:t>
-            </a:r>
-            <a:endParaRPr lang="zh-CN" altLang="en-US" dirty="0"/>
-          </a:p>
-        </p:txBody>
-      </p:sp>
-      <p:sp>
-        <p:nvSpPr>
-          <p:cNvPr id="5" name="日期占位符 4"/>
-          <p:cNvSpPr>
-            <a:spLocks noGrp="1"/>
-          </p:cNvSpPr>
-          <p:nvPr>
-            <p:ph type="dt" sz="half" idx="10"/>
-            <p:custDataLst>
-              <p:tags r:id="rId12"/>
-            </p:custDataLst>
-          </p:nvPr>
-        </p:nvSpPr>
-        <p:spPr/>
-        <p:txBody>
-          <a:bodyPr wrap="square">
-            <a:normAutofit/>
-          </a:bodyPr>
-          <a:lstStyle>
-            <a:lvl1pPr>
-              <a:defRPr>
-                <a:latin typeface="Arial" panose="020B0604020202020204" pitchFamily="34" charset="0"/>
-                <a:ea typeface="微软雅黑" panose="020B0503020204020204" charset="-122"/>
-              </a:defRPr>
-            </a:lvl1pPr>
-          </a:lstStyle>
-          <a:p>
-            <a:fld id="{760FBDFE-C587-4B4C-A407-44438C67B59E}" type="datetimeFigureOut">
-              <a:rPr lang="zh-CN" altLang="en-US" smtClean="0"/>
-            </a:fld>
-            <a:endParaRPr lang="zh-CN" altLang="en-US"/>
-          </a:p>
-        </p:txBody>
-      </p:sp>
-      <p:sp>
-        <p:nvSpPr>
-          <p:cNvPr id="6" name="页脚占位符 5"/>
-          <p:cNvSpPr>
-            <a:spLocks noGrp="1"/>
-          </p:cNvSpPr>
-          <p:nvPr>
-            <p:ph type="ftr" sz="quarter" idx="11"/>
-            <p:custDataLst>
-              <p:tags r:id="rId13"/>
-            </p:custDataLst>
-          </p:nvPr>
-        </p:nvSpPr>
-        <p:spPr/>
-        <p:txBody>
-          <a:bodyPr wrap="square">
-            <a:normAutofit/>
-          </a:bodyPr>
-          <a:lstStyle>
-            <a:lvl1pPr>
-              <a:defRPr>
-                <a:latin typeface="Arial" panose="020B0604020202020204" pitchFamily="34" charset="0"/>
-                <a:ea typeface="微软雅黑" panose="020B0503020204020204" charset="-122"/>
-              </a:defRPr>
-            </a:lvl1pPr>
-          </a:lstStyle>
-          <a:p>
-            <a:endParaRPr lang="zh-CN" altLang="en-US"/>
-          </a:p>
-        </p:txBody>
-      </p:sp>
-      <p:sp>
-        <p:nvSpPr>
-          <p:cNvPr id="7" name="灯片编号占位符 6"/>
-          <p:cNvSpPr>
-            <a:spLocks noGrp="1"/>
-          </p:cNvSpPr>
-          <p:nvPr>
-            <p:ph type="sldNum" sz="quarter" idx="12"/>
-            <p:custDataLst>
-              <p:tags r:id="rId14"/>
-            </p:custDataLst>
-          </p:nvPr>
-        </p:nvSpPr>
-        <p:spPr/>
-        <p:txBody>
-          <a:bodyPr wrap="square">
-            <a:normAutofit/>
-          </a:bodyPr>
-          <a:lstStyle>
-            <a:lvl1pPr>
-              <a:defRPr>
-                <a:latin typeface="Arial" panose="020B0604020202020204" pitchFamily="34" charset="0"/>
-                <a:ea typeface="微软雅黑" panose="020B0503020204020204" charset="-122"/>
-              </a:defRPr>
-            </a:lvl1pPr>
-          </a:lstStyle>
-          <a:p>
-            <a:fld id="{49AE70B2-8BF9-45C0-BB95-33D1B9D3A854}" type="slidenum">
-              <a:rPr lang="zh-CN" altLang="en-US" smtClean="0"/>
-            </a:fld>
-            <a:endParaRPr lang="zh-CN" altLang="en-US"/>
-          </a:p>
-        </p:txBody>
-      </p:sp>
-    </p:spTree>
-  </p:cSld>
-  <p:clrMapOvr>
-    <a:masterClrMapping/>
-  </p:clrMapOvr>
-</p:sldLayout>
-</file>
-
-<file path=ppt/slideLayouts/slideLayout5.xml><?xml version="1.0" encoding="utf-8"?>
-<p:sldLayout xmlns:a="http://schemas.openxmlformats.org/drawingml/2006/main" xmlns:r="http://schemas.openxmlformats.org/officeDocument/2006/relationships" xmlns:p="http://schemas.openxmlformats.org/presentationml/2006/main" type="twoTxTwoObj" preserve="1">
-  <p:cSld name="比较">
-    <p:spTree>
-      <p:nvGrpSpPr>
-        <p:cNvPr id="1" name=""/>
-        <p:cNvGrpSpPr/>
-        <p:nvPr/>
-      </p:nvGrpSpPr>
-      <p:grpSpPr>
-        <a:xfrm>
-          <a:off x="0" y="0"/>
-          <a:ext cx="0" cy="0"/>
-          <a:chOff x="0" y="0"/>
-          <a:chExt cx="0" cy="0"/>
-        </a:xfrm>
-      </p:grpSpPr>
-      <p:grpSp>
-        <p:nvGrpSpPr>
-          <p:cNvPr id="12" name="组合 11"/>
-          <p:cNvGrpSpPr/>
-          <p:nvPr userDrawn="1">
-            <p:custDataLst>
-              <p:tags r:id="rId2"/>
-            </p:custDataLst>
-          </p:nvPr>
-        </p:nvGrpSpPr>
-        <p:grpSpPr>
-          <a:xfrm>
-            <a:off x="0" y="0"/>
-            <a:ext cx="12192000" cy="682332"/>
-            <a:chOff x="0" y="0"/>
-            <a:chExt cx="12192000" cy="682332"/>
-          </a:xfrm>
-        </p:grpSpPr>
-        <p:pic>
-          <p:nvPicPr>
-            <p:cNvPr id="11" name="图片 10"/>
-            <p:cNvPicPr/>
-            <p:nvPr userDrawn="1">
-              <p:custDataLst>
-                <p:tags r:id="rId3"/>
-              </p:custDataLst>
-            </p:nvPr>
-          </p:nvPicPr>
-          <p:blipFill>
-            <a:blip r:embed="rId4" r:link="rId5" cstate="email"/>
-            <a:stretch>
-              <a:fillRect/>
-            </a:stretch>
-          </p:blipFill>
-          <p:spPr>
-            <a:xfrm>
-              <a:off x="0" y="0"/>
-              <a:ext cx="720090" cy="611299"/>
-            </a:xfrm>
-            <a:prstGeom prst="rect">
-              <a:avLst/>
-            </a:prstGeom>
-          </p:spPr>
-        </p:pic>
-        <p:pic>
-          <p:nvPicPr>
-            <p:cNvPr id="10" name="图片 9"/>
-            <p:cNvPicPr/>
-            <p:nvPr userDrawn="1">
-              <p:custDataLst>
-                <p:tags r:id="rId6"/>
-              </p:custDataLst>
-            </p:nvPr>
-          </p:nvPicPr>
-          <p:blipFill>
-            <a:blip r:embed="rId7" r:link="rId8" cstate="email"/>
-            <a:stretch>
-              <a:fillRect/>
-            </a:stretch>
-          </p:blipFill>
-          <p:spPr>
-            <a:xfrm>
-              <a:off x="11471910" y="0"/>
-              <a:ext cx="720090" cy="682332"/>
-            </a:xfrm>
-            <a:prstGeom prst="rect">
-              <a:avLst/>
-            </a:prstGeom>
-          </p:spPr>
-        </p:pic>
-      </p:grpSp>
-      <p:sp>
-        <p:nvSpPr>
-          <p:cNvPr id="2" name="标题 1"/>
-          <p:cNvSpPr>
-            <a:spLocks noGrp="1"/>
-          </p:cNvSpPr>
-          <p:nvPr>
-            <p:ph type="title"/>
-            <p:custDataLst>
-              <p:tags r:id="rId9"/>
-            </p:custDataLst>
-          </p:nvPr>
-        </p:nvSpPr>
-        <p:spPr>
-          <a:xfrm>
-            <a:off x="669882" y="443234"/>
-            <a:ext cx="10852237" cy="441964"/>
-          </a:xfrm>
-        </p:spPr>
-        <p:txBody>
-          <a:bodyPr vert="horz" wrap="square" lIns="90170" tIns="46990" rIns="90170" bIns="46990" rtlCol="0" anchor="ctr" anchorCtr="0">
-            <a:normAutofit/>
-          </a:bodyPr>
-          <a:lstStyle>
-            <a:lvl1pPr marL="0" marR="0" lvl="0" algn="l" defTabSz="914400" rtl="0" eaLnBrk="1" fontAlgn="auto" latinLnBrk="0" hangingPunct="1">
-              <a:lnSpc>
-                <a:spcPct val="100000"/>
-              </a:lnSpc>
-              <a:buNone/>
-              <a:defRPr kumimoji="0" lang="zh-CN" altLang="en-US" sz="2400" b="1" i="0" u="none" strike="noStrike" kern="1200" cap="none" spc="200" normalizeH="0" baseline="0" noProof="1" dirty="0">
-                <a:solidFill>
-                  <a:schemeClr val="tx1"/>
-                </a:solidFill>
-                <a:uFillTx/>
-                <a:latin typeface="Arial" panose="020B0604020202020204" pitchFamily="34" charset="0"/>
-                <a:ea typeface="微软雅黑" panose="020B0503020204020204" charset="-122"/>
-                <a:cs typeface="+mj-cs"/>
-                <a:sym typeface="+mn-ea"/>
-              </a:defRPr>
-            </a:lvl1pPr>
-          </a:lstStyle>
-          <a:p>
-            <a:pPr lvl="0"/>
-            <a:r>
-              <a:rPr dirty="0">
-                <a:sym typeface="+mn-ea"/>
-              </a:rPr>
-              <a:t>单击此处编辑母版标题样式</a:t>
-            </a:r>
-            <a:endParaRPr dirty="0">
-              <a:sym typeface="+mn-ea"/>
-            </a:endParaRPr>
-          </a:p>
-        </p:txBody>
-      </p:sp>
-      <p:sp>
-        <p:nvSpPr>
-          <p:cNvPr id="3" name="文本占位符 2"/>
-          <p:cNvSpPr>
-            <a:spLocks noGrp="1"/>
-          </p:cNvSpPr>
-          <p:nvPr>
-            <p:ph type="body" idx="1" hasCustomPrompt="1"/>
-            <p:custDataLst>
-              <p:tags r:id="rId10"/>
-            </p:custDataLst>
-          </p:nvPr>
-        </p:nvSpPr>
-        <p:spPr>
-          <a:xfrm>
-            <a:off x="669930" y="952508"/>
-            <a:ext cx="5283242" cy="381003"/>
-          </a:xfrm>
-        </p:spPr>
-        <p:txBody>
-          <a:bodyPr wrap="square" lIns="90170" tIns="46990" rIns="90170" bIns="46990" anchor="ctr" anchorCtr="0">
-            <a:normAutofit/>
-          </a:bodyPr>
-          <a:lstStyle>
-            <a:lvl1pPr marL="0" indent="0" eaLnBrk="1" fontAlgn="auto" latinLnBrk="0" hangingPunct="1">
-              <a:lnSpc>
-                <a:spcPct val="100000"/>
-              </a:lnSpc>
-              <a:spcAft>
-                <a:spcPts val="0"/>
-              </a:spcAft>
-              <a:buNone/>
-              <a:defRPr sz="2000" b="0" u="none" strike="noStrike" kern="1200" cap="none" spc="200" normalizeH="0" baseline="0">
-                <a:solidFill>
-                  <a:schemeClr val="tx1"/>
-                </a:solidFill>
-                <a:uFillTx/>
-                <a:latin typeface="Arial" panose="020B0604020202020204" pitchFamily="34" charset="0"/>
-                <a:ea typeface="微软雅黑" panose="020B0503020204020204" charset="-122"/>
-              </a:defRPr>
-            </a:lvl1pPr>
-            <a:lvl2pPr marL="457200" indent="0">
-              <a:buNone/>
-              <a:defRPr sz="2000" b="1"/>
-            </a:lvl2pPr>
-            <a:lvl3pPr marL="914400" indent="0">
-              <a:buNone/>
-              <a:defRPr sz="1800" b="1"/>
-            </a:lvl3pPr>
-            <a:lvl4pPr marL="1371600" indent="0">
-              <a:buNone/>
-              <a:defRPr sz="1600" b="1"/>
-            </a:lvl4pPr>
-            <a:lvl5pPr marL="1828800" indent="0">
-              <a:buNone/>
-              <a:defRPr sz="1600" b="1"/>
-            </a:lvl5pPr>
-            <a:lvl6pPr marL="2286000" indent="0">
-              <a:buNone/>
-              <a:defRPr sz="1600" b="1"/>
-            </a:lvl6pPr>
-            <a:lvl7pPr marL="2743200" indent="0">
-              <a:buNone/>
-              <a:defRPr sz="1600" b="1"/>
-            </a:lvl7pPr>
-            <a:lvl8pPr marL="3200400" indent="0">
-              <a:buNone/>
-              <a:defRPr sz="1600" b="1"/>
-            </a:lvl8pPr>
-            <a:lvl9pPr marL="3657600" indent="0">
-              <a:buNone/>
-              <a:defRPr sz="1600" b="1"/>
-            </a:lvl9pPr>
-          </a:lstStyle>
-          <a:p>
-            <a:pPr lvl="0"/>
-            <a:r>
-              <a:rPr lang="zh-CN" altLang="en-US" dirty="0"/>
-              <a:t>单击此处编辑文本</a:t>
-            </a:r>
-            <a:endParaRPr lang="zh-CN" altLang="en-US" dirty="0"/>
-          </a:p>
-        </p:txBody>
-      </p:sp>
-      <p:sp>
-        <p:nvSpPr>
-          <p:cNvPr id="4" name="内容占位符 3"/>
-          <p:cNvSpPr>
-            <a:spLocks noGrp="1"/>
-          </p:cNvSpPr>
-          <p:nvPr>
-            <p:ph sz="half" idx="2"/>
-            <p:custDataLst>
-              <p:tags r:id="rId11"/>
-            </p:custDataLst>
-          </p:nvPr>
-        </p:nvSpPr>
-        <p:spPr>
-          <a:xfrm>
-            <a:off x="669925" y="1406525"/>
-            <a:ext cx="5283200" cy="4934752"/>
-          </a:xfrm>
-        </p:spPr>
-        <p:txBody>
-          <a:bodyPr vert="horz" wrap="square" lIns="90170" tIns="46990" rIns="90170" bIns="46990" rtlCol="0">
-            <a:normAutofit/>
-          </a:bodyPr>
-          <a:lstStyle>
-            <a:lvl1pPr marL="228600" marR="0" lvl="0" indent="-228600" algn="l" defTabSz="914400" rtl="0" eaLnBrk="1" fontAlgn="auto" latinLnBrk="0" hangingPunct="1">
-              <a:lnSpc>
-                <a:spcPct val="130000"/>
-              </a:lnSpc>
-              <a:spcBef>
-                <a:spcPts val="0"/>
-              </a:spcBef>
-              <a:spcAft>
-                <a:spcPts val="1000"/>
-              </a:spcAft>
-              <a:buFont typeface="Arial" panose="020B0604020202020204" pitchFamily="34" charset="0"/>
-              <a:buChar char="•"/>
-              <a:defRPr kumimoji="0" lang="zh-CN" altLang="en-US" sz="1600" b="0" i="0" u="none" strike="noStrike" kern="1200" cap="none" spc="150" normalizeH="0" baseline="0" noProof="1" dirty="0">
-                <a:solidFill>
-                  <a:schemeClr val="tx1"/>
-                </a:solidFill>
-                <a:uFillTx/>
-                <a:latin typeface="Arial" panose="020B0604020202020204" pitchFamily="34" charset="0"/>
-                <a:ea typeface="微软雅黑" panose="020B0503020204020204" charset="-122"/>
-                <a:cs typeface="+mn-cs"/>
-                <a:sym typeface="+mn-ea"/>
-              </a:defRPr>
-            </a:lvl1pPr>
-            <a:lvl2pPr marL="685800" marR="0" lvl="1" indent="-228600" algn="l" defTabSz="914400" rtl="0" eaLnBrk="1" fontAlgn="auto" latinLnBrk="0" hangingPunct="1">
-              <a:lnSpc>
-                <a:spcPct val="130000"/>
-              </a:lnSpc>
-              <a:spcBef>
-                <a:spcPts val="0"/>
-              </a:spcBef>
-              <a:spcAft>
-                <a:spcPts val="1000"/>
-              </a:spcAft>
-              <a:buFont typeface="Arial" panose="020B0604020202020204" pitchFamily="34" charset="0"/>
-              <a:buChar char="•"/>
-              <a:tabLst>
-                <a:tab pos="1609725" algn="l"/>
-              </a:tabLst>
-              <a:defRPr kumimoji="0" lang="zh-CN" altLang="en-US" sz="1600" b="0" i="0" u="none" strike="noStrike" kern="1200" cap="none" spc="150" normalizeH="0" baseline="0" noProof="1" dirty="0">
-                <a:solidFill>
-                  <a:schemeClr val="tx1"/>
-                </a:solidFill>
-                <a:uFillTx/>
-                <a:latin typeface="Arial" panose="020B0604020202020204" pitchFamily="34" charset="0"/>
-                <a:ea typeface="微软雅黑" panose="020B0503020204020204" charset="-122"/>
-                <a:cs typeface="+mn-cs"/>
-                <a:sym typeface="+mn-ea"/>
-              </a:defRPr>
-            </a:lvl2pPr>
-            <a:lvl3pPr marL="1143000" marR="0" lvl="2" indent="-228600" algn="l" defTabSz="914400" rtl="0" eaLnBrk="1" fontAlgn="auto" latinLnBrk="0" hangingPunct="1">
-              <a:lnSpc>
-                <a:spcPct val="130000"/>
-              </a:lnSpc>
-              <a:spcBef>
-                <a:spcPts val="0"/>
-              </a:spcBef>
-              <a:spcAft>
-                <a:spcPts val="1000"/>
-              </a:spcAft>
-              <a:buFont typeface="Arial" panose="020B0604020202020204" pitchFamily="34" charset="0"/>
-              <a:buChar char="•"/>
-              <a:defRPr kumimoji="0" lang="zh-CN" altLang="en-US" sz="1600" b="0" i="0" u="none" strike="noStrike" kern="1200" cap="none" spc="150" normalizeH="0" baseline="0" noProof="1" dirty="0">
-                <a:solidFill>
-                  <a:schemeClr val="tx1"/>
-                </a:solidFill>
-                <a:uFillTx/>
-                <a:latin typeface="Arial" panose="020B0604020202020204" pitchFamily="34" charset="0"/>
-                <a:ea typeface="微软雅黑" panose="020B0503020204020204" charset="-122"/>
-                <a:cs typeface="+mn-cs"/>
-                <a:sym typeface="+mn-ea"/>
-              </a:defRPr>
-            </a:lvl3pPr>
-            <a:lvl4pPr marL="1600200" marR="0" lvl="3" indent="-228600" algn="l" defTabSz="914400" rtl="0" eaLnBrk="1" fontAlgn="auto" latinLnBrk="0" hangingPunct="1">
-              <a:lnSpc>
-                <a:spcPct val="130000"/>
-              </a:lnSpc>
-              <a:spcBef>
-                <a:spcPts val="0"/>
-              </a:spcBef>
-              <a:spcAft>
-                <a:spcPts val="1000"/>
-              </a:spcAft>
-              <a:buFont typeface="Arial" panose="020B0604020202020204" pitchFamily="34" charset="0"/>
-              <a:buChar char="•"/>
-              <a:defRPr kumimoji="0" lang="zh-CN" altLang="en-US" sz="1600" b="0" i="0" u="none" strike="noStrike" kern="1200" cap="none" spc="150" normalizeH="0" baseline="0" noProof="1" dirty="0">
-                <a:solidFill>
-                  <a:schemeClr val="tx1"/>
-                </a:solidFill>
-                <a:uFillTx/>
-                <a:latin typeface="Arial" panose="020B0604020202020204" pitchFamily="34" charset="0"/>
-                <a:ea typeface="微软雅黑" panose="020B0503020204020204" charset="-122"/>
-                <a:cs typeface="+mn-cs"/>
-                <a:sym typeface="+mn-ea"/>
-              </a:defRPr>
-            </a:lvl4pPr>
-            <a:lvl5pPr marL="2057400" marR="0" lvl="4" indent="-228600" algn="l" defTabSz="914400" rtl="0" eaLnBrk="1" fontAlgn="auto" latinLnBrk="0" hangingPunct="1">
-              <a:lnSpc>
-                <a:spcPct val="130000"/>
-              </a:lnSpc>
-              <a:spcBef>
-                <a:spcPts val="0"/>
-              </a:spcBef>
-              <a:spcAft>
-                <a:spcPts val="1000"/>
-              </a:spcAft>
-              <a:buFont typeface="Arial" panose="020B0604020202020204" pitchFamily="34" charset="0"/>
-              <a:buChar char="•"/>
-              <a:defRPr kumimoji="0" lang="zh-CN" altLang="en-US" sz="1600" b="0" i="0" u="none" strike="noStrike" kern="1200" cap="none" spc="150" normalizeH="0" baseline="0" noProof="1" dirty="0">
-                <a:solidFill>
-                  <a:schemeClr val="tx1"/>
-                </a:solidFill>
-                <a:uFillTx/>
-                <a:latin typeface="Arial" panose="020B0604020202020204" pitchFamily="34" charset="0"/>
-                <a:ea typeface="微软雅黑" panose="020B0503020204020204" charset="-122"/>
-                <a:cs typeface="+mn-cs"/>
-                <a:sym typeface="+mn-ea"/>
-              </a:defRPr>
-            </a:lvl5pPr>
-          </a:lstStyle>
-          <a:p>
-            <a:pPr lvl="0"/>
-            <a:r>
-              <a:rPr dirty="0">
-                <a:sym typeface="+mn-ea"/>
-              </a:rPr>
-              <a:t>单击此处编辑母版文本样式</a:t>
-            </a:r>
-            <a:endParaRPr dirty="0">
-              <a:sym typeface="+mn-ea"/>
-            </a:endParaRPr>
-          </a:p>
-          <a:p>
-            <a:pPr lvl="1"/>
-            <a:r>
-              <a:rPr dirty="0">
-                <a:sym typeface="+mn-ea"/>
-              </a:rPr>
-              <a:t>第二级</a:t>
-            </a:r>
-            <a:endParaRPr dirty="0">
-              <a:sym typeface="+mn-ea"/>
-            </a:endParaRPr>
-          </a:p>
-          <a:p>
-            <a:pPr lvl="2"/>
-            <a:r>
-              <a:rPr dirty="0">
-                <a:sym typeface="+mn-ea"/>
-              </a:rPr>
-              <a:t>第三级</a:t>
-            </a:r>
-            <a:endParaRPr dirty="0">
-              <a:sym typeface="+mn-ea"/>
-            </a:endParaRPr>
-          </a:p>
-          <a:p>
-            <a:pPr lvl="3"/>
-            <a:r>
-              <a:rPr dirty="0">
-                <a:sym typeface="+mn-ea"/>
-              </a:rPr>
-              <a:t>第四级</a:t>
-            </a:r>
-            <a:endParaRPr dirty="0">
-              <a:sym typeface="+mn-ea"/>
-            </a:endParaRPr>
-          </a:p>
-          <a:p>
-            <a:pPr lvl="4"/>
-            <a:r>
-              <a:rPr dirty="0">
-                <a:sym typeface="+mn-ea"/>
-              </a:rPr>
-              <a:t>第五级</a:t>
-            </a:r>
-            <a:endParaRPr dirty="0">
-              <a:sym typeface="+mn-ea"/>
-            </a:endParaRPr>
-          </a:p>
-        </p:txBody>
-      </p:sp>
-      <p:sp>
-        <p:nvSpPr>
-          <p:cNvPr id="5" name="文本占位符 4"/>
-          <p:cNvSpPr>
-            <a:spLocks noGrp="1"/>
-          </p:cNvSpPr>
-          <p:nvPr>
-            <p:ph type="body" sz="quarter" idx="3" hasCustomPrompt="1"/>
-            <p:custDataLst>
-              <p:tags r:id="rId12"/>
-            </p:custDataLst>
-          </p:nvPr>
-        </p:nvSpPr>
-        <p:spPr>
-          <a:xfrm>
-            <a:off x="6235750" y="952508"/>
-            <a:ext cx="5283242" cy="381003"/>
-          </a:xfrm>
-        </p:spPr>
-        <p:txBody>
-          <a:bodyPr vert="horz" wrap="square" lIns="90170" tIns="46990" rIns="90170" bIns="46990" rtlCol="0" anchor="ctr" anchorCtr="0">
-            <a:normAutofit/>
-          </a:bodyPr>
-          <a:lstStyle>
-            <a:lvl1pPr marL="0" marR="0" lvl="0" indent="0" algn="l" defTabSz="914400" rtl="0" eaLnBrk="1" fontAlgn="auto" latinLnBrk="0" hangingPunct="1">
-              <a:lnSpc>
-                <a:spcPct val="100000"/>
-              </a:lnSpc>
-              <a:spcBef>
-                <a:spcPts val="0"/>
-              </a:spcBef>
-              <a:spcAft>
-                <a:spcPts val="0"/>
-              </a:spcAft>
-              <a:buFont typeface="Arial" panose="020B0604020202020204" pitchFamily="34" charset="0"/>
-              <a:buNone/>
-              <a:defRPr kumimoji="0" lang="zh-CN" altLang="en-US" sz="2000" b="0" i="0" u="none" strike="noStrike" kern="1200" cap="none" spc="200" normalizeH="0" baseline="0" noProof="1" dirty="0">
-                <a:solidFill>
-                  <a:schemeClr val="tx1"/>
-                </a:solidFill>
-                <a:uFillTx/>
-                <a:latin typeface="Arial" panose="020B0604020202020204" pitchFamily="34" charset="0"/>
-                <a:ea typeface="微软雅黑" panose="020B0503020204020204" charset="-122"/>
-                <a:cs typeface="+mn-cs"/>
-                <a:sym typeface="+mn-ea"/>
-              </a:defRPr>
-            </a:lvl1pPr>
-            <a:lvl2pPr marL="457200" indent="0">
-              <a:buNone/>
-              <a:defRPr sz="2000" b="1"/>
-            </a:lvl2pPr>
-            <a:lvl3pPr marL="914400" indent="0">
-              <a:buNone/>
-              <a:defRPr sz="1800" b="1"/>
-            </a:lvl3pPr>
-            <a:lvl4pPr marL="1371600" indent="0">
-              <a:buNone/>
-              <a:defRPr sz="1600" b="1"/>
-            </a:lvl4pPr>
-            <a:lvl5pPr marL="1828800" indent="0">
-              <a:buNone/>
-              <a:defRPr sz="1600" b="1"/>
-            </a:lvl5pPr>
-            <a:lvl6pPr marL="2286000" indent="0">
-              <a:buNone/>
-              <a:defRPr sz="1600" b="1"/>
-            </a:lvl6pPr>
-            <a:lvl7pPr marL="2743200" indent="0">
-              <a:buNone/>
-              <a:defRPr sz="1600" b="1"/>
-            </a:lvl7pPr>
-            <a:lvl8pPr marL="3200400" indent="0">
-              <a:buNone/>
-              <a:defRPr sz="1600" b="1"/>
-            </a:lvl8pPr>
-            <a:lvl9pPr marL="3657600" indent="0">
-              <a:buNone/>
-              <a:defRPr sz="1600" b="1"/>
-            </a:lvl9pPr>
-          </a:lstStyle>
-          <a:p>
-            <a:pPr lvl="0"/>
-            <a:r>
-              <a:rPr>
-                <a:sym typeface="+mn-ea"/>
-              </a:rPr>
-              <a:t>单击此处编辑文本</a:t>
-            </a:r>
-            <a:endParaRPr>
-              <a:sym typeface="+mn-ea"/>
-            </a:endParaRPr>
-          </a:p>
-        </p:txBody>
-      </p:sp>
-      <p:sp>
-        <p:nvSpPr>
-          <p:cNvPr id="6" name="内容占位符 5"/>
-          <p:cNvSpPr>
-            <a:spLocks noGrp="1"/>
-          </p:cNvSpPr>
-          <p:nvPr>
-            <p:ph sz="quarter" idx="4"/>
-            <p:custDataLst>
-              <p:tags r:id="rId13"/>
-            </p:custDataLst>
-          </p:nvPr>
-        </p:nvSpPr>
-        <p:spPr>
-          <a:xfrm>
-            <a:off x="6235750" y="1406525"/>
-            <a:ext cx="5283242" cy="4934752"/>
-          </a:xfrm>
-        </p:spPr>
-        <p:txBody>
-          <a:bodyPr vert="horz" wrap="square" lIns="90170" tIns="46990" rIns="90170" bIns="46990" rtlCol="0">
-            <a:normAutofit/>
-          </a:bodyPr>
-          <a:lstStyle>
-            <a:lvl1pPr marL="228600" marR="0" lvl="0" indent="-228600" algn="l" defTabSz="914400" rtl="0" eaLnBrk="1" fontAlgn="auto" latinLnBrk="0" hangingPunct="1">
-              <a:lnSpc>
-                <a:spcPct val="130000"/>
-              </a:lnSpc>
-              <a:spcBef>
-                <a:spcPts val="0"/>
-              </a:spcBef>
-              <a:spcAft>
-                <a:spcPts val="1000"/>
-              </a:spcAft>
-              <a:buFont typeface="Arial" panose="020B0604020202020204" pitchFamily="34" charset="0"/>
-              <a:buChar char="•"/>
-              <a:defRPr kumimoji="0" lang="zh-CN" altLang="en-US" sz="1600" b="0" i="0" u="none" strike="noStrike" kern="1200" cap="none" spc="150" normalizeH="0" baseline="0" noProof="1" dirty="0">
-                <a:solidFill>
-                  <a:schemeClr val="tx1"/>
-                </a:solidFill>
-                <a:uFillTx/>
-                <a:latin typeface="Arial" panose="020B0604020202020204" pitchFamily="34" charset="0"/>
-                <a:ea typeface="微软雅黑" panose="020B0503020204020204" charset="-122"/>
-                <a:cs typeface="+mn-cs"/>
-                <a:sym typeface="+mn-ea"/>
-              </a:defRPr>
-            </a:lvl1pPr>
-            <a:lvl2pPr marL="685800" marR="0" lvl="1" indent="-228600" algn="l" defTabSz="914400" rtl="0" eaLnBrk="1" fontAlgn="auto" latinLnBrk="0" hangingPunct="1">
-              <a:lnSpc>
-                <a:spcPct val="130000"/>
-              </a:lnSpc>
-              <a:spcBef>
-                <a:spcPts val="0"/>
-              </a:spcBef>
-              <a:spcAft>
-                <a:spcPts val="1000"/>
-              </a:spcAft>
-              <a:buFont typeface="Arial" panose="020B0604020202020204" pitchFamily="34" charset="0"/>
-              <a:buChar char="•"/>
-              <a:tabLst>
-                <a:tab pos="1609725" algn="l"/>
-              </a:tabLst>
-              <a:defRPr kumimoji="0" lang="zh-CN" altLang="en-US" sz="1600" b="0" i="0" u="none" strike="noStrike" kern="1200" cap="none" spc="150" normalizeH="0" baseline="0" noProof="1" dirty="0">
-                <a:solidFill>
-                  <a:schemeClr val="tx1"/>
-                </a:solidFill>
-                <a:uFillTx/>
-                <a:latin typeface="Arial" panose="020B0604020202020204" pitchFamily="34" charset="0"/>
-                <a:ea typeface="微软雅黑" panose="020B0503020204020204" charset="-122"/>
-                <a:cs typeface="+mn-cs"/>
-                <a:sym typeface="+mn-ea"/>
-              </a:defRPr>
-            </a:lvl2pPr>
-            <a:lvl3pPr marL="1143000" marR="0" lvl="2" indent="-228600" algn="l" defTabSz="914400" rtl="0" eaLnBrk="1" fontAlgn="auto" latinLnBrk="0" hangingPunct="1">
-              <a:lnSpc>
-                <a:spcPct val="130000"/>
-              </a:lnSpc>
-              <a:spcBef>
-                <a:spcPts val="0"/>
-              </a:spcBef>
-              <a:spcAft>
-                <a:spcPts val="1000"/>
-              </a:spcAft>
-              <a:buFont typeface="Arial" panose="020B0604020202020204" pitchFamily="34" charset="0"/>
-              <a:buChar char="•"/>
-              <a:defRPr kumimoji="0" lang="zh-CN" altLang="en-US" sz="1600" b="0" i="0" u="none" strike="noStrike" kern="1200" cap="none" spc="150" normalizeH="0" baseline="0" noProof="1" dirty="0">
-                <a:solidFill>
-                  <a:schemeClr val="tx1"/>
-                </a:solidFill>
-                <a:uFillTx/>
-                <a:latin typeface="Arial" panose="020B0604020202020204" pitchFamily="34" charset="0"/>
-                <a:ea typeface="微软雅黑" panose="020B0503020204020204" charset="-122"/>
-                <a:cs typeface="+mn-cs"/>
-                <a:sym typeface="+mn-ea"/>
-              </a:defRPr>
-            </a:lvl3pPr>
-            <a:lvl4pPr marL="1600200" marR="0" lvl="3" indent="-228600" algn="l" defTabSz="914400" rtl="0" eaLnBrk="1" fontAlgn="auto" latinLnBrk="0" hangingPunct="1">
-              <a:lnSpc>
-                <a:spcPct val="130000"/>
-              </a:lnSpc>
-              <a:spcBef>
-                <a:spcPts val="0"/>
-              </a:spcBef>
-              <a:spcAft>
-                <a:spcPts val="1000"/>
-              </a:spcAft>
-              <a:buFont typeface="Arial" panose="020B0604020202020204" pitchFamily="34" charset="0"/>
-              <a:buChar char="•"/>
-              <a:defRPr kumimoji="0" lang="zh-CN" altLang="en-US" sz="1600" b="0" i="0" u="none" strike="noStrike" kern="1200" cap="none" spc="150" normalizeH="0" baseline="0" noProof="1" dirty="0">
-                <a:solidFill>
-                  <a:schemeClr val="tx1"/>
-                </a:solidFill>
-                <a:uFillTx/>
-                <a:latin typeface="Arial" panose="020B0604020202020204" pitchFamily="34" charset="0"/>
-                <a:ea typeface="微软雅黑" panose="020B0503020204020204" charset="-122"/>
-                <a:cs typeface="+mn-cs"/>
-                <a:sym typeface="+mn-ea"/>
-              </a:defRPr>
-            </a:lvl4pPr>
-            <a:lvl5pPr marL="2057400" marR="0" lvl="4" indent="-228600" algn="l" defTabSz="914400" rtl="0" eaLnBrk="1" fontAlgn="auto" latinLnBrk="0" hangingPunct="1">
-              <a:lnSpc>
-                <a:spcPct val="130000"/>
-              </a:lnSpc>
-              <a:spcBef>
-                <a:spcPts val="0"/>
-              </a:spcBef>
-              <a:spcAft>
-                <a:spcPts val="1000"/>
-              </a:spcAft>
-              <a:buFont typeface="Arial" panose="020B0604020202020204" pitchFamily="34" charset="0"/>
-              <a:buChar char="•"/>
-              <a:defRPr kumimoji="0" lang="zh-CN" altLang="en-US" sz="1600" b="0" i="0" u="none" strike="noStrike" kern="1200" cap="none" spc="150" normalizeH="0" baseline="0" noProof="1" dirty="0">
-                <a:solidFill>
-                  <a:schemeClr val="tx1"/>
-                </a:solidFill>
-                <a:uFillTx/>
-                <a:latin typeface="Arial" panose="020B0604020202020204" pitchFamily="34" charset="0"/>
-                <a:ea typeface="微软雅黑" panose="020B0503020204020204" charset="-122"/>
-                <a:cs typeface="+mn-cs"/>
-                <a:sym typeface="+mn-ea"/>
-              </a:defRPr>
-            </a:lvl5pPr>
-          </a:lstStyle>
-          <a:p>
-            <a:pPr lvl="0"/>
-            <a:r>
-              <a:rPr dirty="0">
-                <a:sym typeface="+mn-ea"/>
-              </a:rPr>
-              <a:t>单击此处编辑母版文本样式</a:t>
-            </a:r>
-            <a:endParaRPr dirty="0">
-              <a:sym typeface="+mn-ea"/>
-            </a:endParaRPr>
-          </a:p>
-          <a:p>
-            <a:pPr lvl="1"/>
-            <a:r>
-              <a:rPr dirty="0">
-                <a:sym typeface="+mn-ea"/>
-              </a:rPr>
-              <a:t>第二级</a:t>
-            </a:r>
-            <a:endParaRPr dirty="0">
-              <a:sym typeface="+mn-ea"/>
-            </a:endParaRPr>
-          </a:p>
-          <a:p>
-            <a:pPr lvl="2"/>
-            <a:r>
-              <a:rPr dirty="0">
-                <a:sym typeface="+mn-ea"/>
-              </a:rPr>
-              <a:t>第三级</a:t>
-            </a:r>
-            <a:endParaRPr dirty="0">
-              <a:sym typeface="+mn-ea"/>
-            </a:endParaRPr>
-          </a:p>
-          <a:p>
-            <a:pPr lvl="3"/>
-            <a:r>
-              <a:rPr dirty="0">
-                <a:sym typeface="+mn-ea"/>
-              </a:rPr>
-              <a:t>第四级</a:t>
-            </a:r>
-            <a:endParaRPr dirty="0">
-              <a:sym typeface="+mn-ea"/>
-            </a:endParaRPr>
-          </a:p>
-          <a:p>
-            <a:pPr lvl="4"/>
-            <a:r>
-              <a:rPr dirty="0">
-                <a:sym typeface="+mn-ea"/>
-              </a:rPr>
-              <a:t>第五级</a:t>
-            </a:r>
-            <a:endParaRPr dirty="0">
-              <a:sym typeface="+mn-ea"/>
-            </a:endParaRPr>
-          </a:p>
-        </p:txBody>
-      </p:sp>
-      <p:sp>
-        <p:nvSpPr>
-          <p:cNvPr id="7" name="日期占位符 6"/>
-          <p:cNvSpPr>
-            <a:spLocks noGrp="1"/>
-          </p:cNvSpPr>
-          <p:nvPr>
-            <p:ph type="dt" sz="half" idx="10"/>
-            <p:custDataLst>
-              <p:tags r:id="rId14"/>
-            </p:custDataLst>
-          </p:nvPr>
-        </p:nvSpPr>
-        <p:spPr/>
-        <p:txBody>
-          <a:bodyPr wrap="square">
-            <a:normAutofit/>
-          </a:bodyPr>
-          <a:lstStyle>
-            <a:lvl1pPr>
-              <a:defRPr>
-                <a:latin typeface="Arial" panose="020B0604020202020204" pitchFamily="34" charset="0"/>
-                <a:ea typeface="微软雅黑" panose="020B0503020204020204" charset="-122"/>
-              </a:defRPr>
-            </a:lvl1pPr>
-          </a:lstStyle>
-          <a:p>
-            <a:fld id="{760FBDFE-C587-4B4C-A407-44438C67B59E}" type="datetimeFigureOut">
-              <a:rPr lang="zh-CN" altLang="en-US" smtClean="0"/>
-            </a:fld>
-            <a:endParaRPr lang="zh-CN" altLang="en-US"/>
-          </a:p>
-        </p:txBody>
-      </p:sp>
-      <p:sp>
-        <p:nvSpPr>
-          <p:cNvPr id="8" name="页脚占位符 7"/>
-          <p:cNvSpPr>
-            <a:spLocks noGrp="1"/>
-          </p:cNvSpPr>
-          <p:nvPr>
-            <p:ph type="ftr" sz="quarter" idx="11"/>
-            <p:custDataLst>
-              <p:tags r:id="rId15"/>
-            </p:custDataLst>
-          </p:nvPr>
-        </p:nvSpPr>
-        <p:spPr/>
-        <p:txBody>
-          <a:bodyPr wrap="square">
-            <a:normAutofit/>
-          </a:bodyPr>
-          <a:lstStyle>
-            <a:lvl1pPr>
-              <a:defRPr>
-                <a:latin typeface="Arial" panose="020B0604020202020204" pitchFamily="34" charset="0"/>
-                <a:ea typeface="微软雅黑" panose="020B0503020204020204" charset="-122"/>
-              </a:defRPr>
-            </a:lvl1pPr>
-          </a:lstStyle>
-          <a:p>
-            <a:endParaRPr lang="zh-CN" altLang="en-US"/>
-          </a:p>
-        </p:txBody>
-      </p:sp>
-      <p:sp>
-        <p:nvSpPr>
-          <p:cNvPr id="9" name="灯片编号占位符 8"/>
-          <p:cNvSpPr>
-            <a:spLocks noGrp="1"/>
-          </p:cNvSpPr>
-          <p:nvPr>
-            <p:ph type="sldNum" sz="quarter" idx="12"/>
-            <p:custDataLst>
-              <p:tags r:id="rId16"/>
-            </p:custDataLst>
-          </p:nvPr>
-        </p:nvSpPr>
-        <p:spPr/>
-        <p:txBody>
-          <a:bodyPr wrap="square">
-            <a:normAutofit/>
-          </a:bodyPr>
-          <a:lstStyle>
-            <a:lvl1pPr>
-              <a:defRPr>
-                <a:latin typeface="Arial" panose="020B0604020202020204" pitchFamily="34" charset="0"/>
-                <a:ea typeface="微软雅黑" panose="020B0503020204020204" charset="-122"/>
-              </a:defRPr>
-            </a:lvl1pPr>
-          </a:lstStyle>
-          <a:p>
-            <a:fld id="{49AE70B2-8BF9-45C0-BB95-33D1B9D3A854}" type="slidenum">
-              <a:rPr lang="zh-CN" altLang="en-US" smtClean="0"/>
-            </a:fld>
-            <a:endParaRPr lang="zh-CN" altLang="en-US"/>
-          </a:p>
-        </p:txBody>
-      </p:sp>
-    </p:spTree>
-  </p:cSld>
-  <p:clrMapOvr>
-    <a:masterClrMapping/>
-  </p:clrMapOvr>
-</p:sldLayout>
-</file>
-
-<file path=ppt/slideLayouts/slideLayout6.xml><?xml version="1.0" encoding="utf-8"?>
-<p:sldLayout xmlns:a="http://schemas.openxmlformats.org/drawingml/2006/main" xmlns:r="http://schemas.openxmlformats.org/officeDocument/2006/relationships" xmlns:p="http://schemas.openxmlformats.org/presentationml/2006/main" type="titleOnly" preserve="1">
-  <p:cSld name="仅标题">
-    <p:spTree>
-      <p:nvGrpSpPr>
-        <p:cNvPr id="1" name=""/>
-        <p:cNvGrpSpPr/>
-        <p:nvPr/>
-      </p:nvGrpSpPr>
-      <p:grpSpPr>
-        <a:xfrm>
-          <a:off x="0" y="0"/>
-          <a:ext cx="0" cy="0"/>
-          <a:chOff x="0" y="0"/>
-          <a:chExt cx="0" cy="0"/>
-        </a:xfrm>
-      </p:grpSpPr>
-      <p:pic>
-        <p:nvPicPr>
-          <p:cNvPr id="8" name="图片 7"/>
-          <p:cNvPicPr/>
-          <p:nvPr userDrawn="1">
-            <p:custDataLst>
-              <p:tags r:id="rId2"/>
-            </p:custDataLst>
-          </p:nvPr>
-        </p:nvPicPr>
-        <p:blipFill>
-          <a:blip r:embed="rId3" r:link="rId4" cstate="email"/>
-          <a:stretch>
-            <a:fillRect/>
-          </a:stretch>
-        </p:blipFill>
-        <p:spPr>
-          <a:xfrm>
-            <a:off x="304800" y="2194560"/>
-            <a:ext cx="4389120" cy="2468880"/>
-          </a:xfrm>
-          <a:prstGeom prst="rect">
-            <a:avLst/>
-          </a:prstGeom>
-        </p:spPr>
-      </p:pic>
-      <p:sp>
-        <p:nvSpPr>
-          <p:cNvPr id="7" name="任意多边形 6"/>
-          <p:cNvSpPr/>
-          <p:nvPr userDrawn="1">
-            <p:custDataLst>
-              <p:tags r:id="rId5"/>
-            </p:custDataLst>
-          </p:nvPr>
-        </p:nvSpPr>
-        <p:spPr>
-          <a:xfrm>
-            <a:off x="4878000" y="0"/>
-            <a:ext cx="7314000" cy="6858000"/>
-          </a:xfrm>
-          <a:custGeom>
-            <a:avLst/>
-            <a:gdLst>
-              <a:gd name="connsiteX0" fmla="*/ 1714500 w 7314000"/>
-              <a:gd name="connsiteY0" fmla="*/ 0 h 6858000"/>
-              <a:gd name="connsiteX1" fmla="*/ 7314000 w 7314000"/>
-              <a:gd name="connsiteY1" fmla="*/ 0 h 6858000"/>
-              <a:gd name="connsiteX2" fmla="*/ 7314000 w 7314000"/>
-              <a:gd name="connsiteY2" fmla="*/ 6858000 h 6858000"/>
-              <a:gd name="connsiteX3" fmla="*/ 0 w 7314000"/>
-              <a:gd name="connsiteY3" fmla="*/ 6858000 h 6858000"/>
-              <a:gd name="connsiteX4" fmla="*/ 1714500 w 7314000"/>
-              <a:gd name="connsiteY4" fmla="*/ 0 h 6858000"/>
-            </a:gdLst>
-            <a:ahLst/>
-            <a:cxnLst>
-              <a:cxn ang="0">
-                <a:pos x="connsiteX0" y="connsiteY0"/>
-              </a:cxn>
-              <a:cxn ang="0">
-                <a:pos x="connsiteX1" y="connsiteY1"/>
-              </a:cxn>
-              <a:cxn ang="0">
-                <a:pos x="connsiteX2" y="connsiteY2"/>
-              </a:cxn>
-              <a:cxn ang="0">
-                <a:pos x="connsiteX3" y="connsiteY3"/>
-              </a:cxn>
-              <a:cxn ang="0">
-                <a:pos x="connsiteX4" y="connsiteY4"/>
-              </a:cxn>
-            </a:cxnLst>
-            <a:rect l="l" t="t" r="r" b="b"/>
-            <a:pathLst>
-              <a:path w="7314000" h="6858000">
-                <a:moveTo>
-                  <a:pt x="1714500" y="0"/>
-                </a:moveTo>
-                <a:lnTo>
-                  <a:pt x="7314000" y="0"/>
-                </a:lnTo>
-                <a:lnTo>
-                  <a:pt x="7314000" y="6858000"/>
-                </a:lnTo>
-                <a:lnTo>
-                  <a:pt x="0" y="6858000"/>
-                </a:lnTo>
-                <a:lnTo>
-                  <a:pt x="1714500" y="0"/>
-                </a:lnTo>
-                <a:close/>
-              </a:path>
-            </a:pathLst>
-          </a:custGeom>
-          <a:solidFill>
-            <a:schemeClr val="tx2">
-              <a:lumMod val="10000"/>
-              <a:lumOff val="90000"/>
-            </a:schemeClr>
-          </a:solidFill>
-          <a:ln w="12700" cap="flat" cmpd="sng" algn="ctr">
-            <a:noFill/>
-            <a:prstDash val="solid"/>
-            <a:miter lim="800000"/>
-            <a:headEnd type="none" w="med" len="med"/>
-            <a:tailEnd type="none" w="med" len="med"/>
-          </a:ln>
-          <a:effectLst/>
-        </p:spPr>
-        <p:style>
-          <a:lnRef idx="2">
-            <a:schemeClr val="accent1">
-              <a:shade val="50000"/>
-            </a:schemeClr>
-          </a:lnRef>
-          <a:fillRef idx="1">
-            <a:schemeClr val="accent1"/>
-          </a:fillRef>
-          <a:effectRef idx="0">
-            <a:schemeClr val="accent1"/>
-          </a:effectRef>
-          <a:fontRef idx="minor">
-            <a:schemeClr val="lt1"/>
-          </a:fontRef>
-        </p:style>
-        <p:txBody>
-          <a:bodyPr wrap="square" rtlCol="0" anchor="ctr">
-            <a:normAutofit/>
-          </a:bodyPr>
-          <a:lstStyle>
-            <a:defPPr>
-              <a:defRPr lang="zh-CN">
-                <a:solidFill>
-                  <a:schemeClr val="lt1"/>
-                </a:solidFill>
-              </a:defRPr>
-            </a:defPPr>
-            <a:lvl1pPr marL="0" algn="l" defTabSz="914400" rtl="0" eaLnBrk="1" latinLnBrk="0" hangingPunct="1">
-              <a:defRPr sz="1800" kern="1200">
-                <a:solidFill>
-                  <a:schemeClr val="lt1"/>
-                </a:solidFill>
-                <a:latin typeface="+mn-lt"/>
-                <a:ea typeface="+mn-ea"/>
-                <a:cs typeface="+mn-cs"/>
-              </a:defRPr>
-            </a:lvl1pPr>
-            <a:lvl2pPr marL="457200" algn="l" defTabSz="914400" rtl="0" eaLnBrk="1" latinLnBrk="0" hangingPunct="1">
-              <a:defRPr sz="1800" kern="1200">
-                <a:solidFill>
-                  <a:schemeClr val="lt1"/>
-                </a:solidFill>
-                <a:latin typeface="+mn-lt"/>
-                <a:ea typeface="+mn-ea"/>
-                <a:cs typeface="+mn-cs"/>
-              </a:defRPr>
-            </a:lvl2pPr>
-            <a:lvl3pPr marL="914400" algn="l" defTabSz="914400" rtl="0" eaLnBrk="1" latinLnBrk="0" hangingPunct="1">
-              <a:defRPr sz="1800" kern="1200">
-                <a:solidFill>
-                  <a:schemeClr val="lt1"/>
-                </a:solidFill>
-                <a:latin typeface="+mn-lt"/>
-                <a:ea typeface="+mn-ea"/>
-                <a:cs typeface="+mn-cs"/>
-              </a:defRPr>
-            </a:lvl3pPr>
-            <a:lvl4pPr marL="1371600" algn="l" defTabSz="914400" rtl="0" eaLnBrk="1" latinLnBrk="0" hangingPunct="1">
-              <a:defRPr sz="1800" kern="1200">
-                <a:solidFill>
-                  <a:schemeClr val="lt1"/>
-                </a:solidFill>
-                <a:latin typeface="+mn-lt"/>
-                <a:ea typeface="+mn-ea"/>
-                <a:cs typeface="+mn-cs"/>
-              </a:defRPr>
-            </a:lvl4pPr>
-            <a:lvl5pPr marL="1828800" algn="l" defTabSz="914400" rtl="0" eaLnBrk="1" latinLnBrk="0" hangingPunct="1">
-              <a:defRPr sz="1800" kern="1200">
-                <a:solidFill>
-                  <a:schemeClr val="lt1"/>
-                </a:solidFill>
-                <a:latin typeface="+mn-lt"/>
-                <a:ea typeface="+mn-ea"/>
-                <a:cs typeface="+mn-cs"/>
-              </a:defRPr>
-            </a:lvl5pPr>
-            <a:lvl6pPr marL="2286000" algn="l" defTabSz="914400" rtl="0" eaLnBrk="1" latinLnBrk="0" hangingPunct="1">
-              <a:defRPr sz="1800" kern="1200">
-                <a:solidFill>
-                  <a:schemeClr val="lt1"/>
-                </a:solidFill>
-                <a:latin typeface="+mn-lt"/>
-                <a:ea typeface="+mn-ea"/>
-                <a:cs typeface="+mn-cs"/>
-              </a:defRPr>
-            </a:lvl6pPr>
-            <a:lvl7pPr marL="2743200" algn="l" defTabSz="914400" rtl="0" eaLnBrk="1" latinLnBrk="0" hangingPunct="1">
-              <a:defRPr sz="1800" kern="1200">
-                <a:solidFill>
-                  <a:schemeClr val="lt1"/>
-                </a:solidFill>
-                <a:latin typeface="+mn-lt"/>
-                <a:ea typeface="+mn-ea"/>
-                <a:cs typeface="+mn-cs"/>
-              </a:defRPr>
-            </a:lvl7pPr>
-            <a:lvl8pPr marL="3200400" algn="l" defTabSz="914400" rtl="0" eaLnBrk="1" latinLnBrk="0" hangingPunct="1">
-              <a:defRPr sz="1800" kern="1200">
-                <a:solidFill>
-                  <a:schemeClr val="lt1"/>
-                </a:solidFill>
-                <a:latin typeface="+mn-lt"/>
-                <a:ea typeface="+mn-ea"/>
-                <a:cs typeface="+mn-cs"/>
-              </a:defRPr>
-            </a:lvl8pPr>
-            <a:lvl9pPr marL="3657600" algn="l" defTabSz="914400" rtl="0" eaLnBrk="1" latinLnBrk="0" hangingPunct="1">
-              <a:defRPr sz="1800" kern="1200">
-                <a:solidFill>
-                  <a:schemeClr val="lt1"/>
-                </a:solidFill>
-                <a:latin typeface="+mn-lt"/>
-                <a:ea typeface="+mn-ea"/>
-                <a:cs typeface="+mn-cs"/>
-              </a:defRPr>
-            </a:lvl9pPr>
-          </a:lstStyle>
-          <a:p>
-            <a:pPr algn="ctr"/>
-            <a:endParaRPr lang="zh-CN" altLang="en-US"/>
-          </a:p>
-        </p:txBody>
-      </p:sp>
-      <p:pic>
-        <p:nvPicPr>
-          <p:cNvPr id="6" name="图片 5"/>
-          <p:cNvPicPr/>
-          <p:nvPr userDrawn="1">
-            <p:custDataLst>
-              <p:tags r:id="rId6"/>
-            </p:custDataLst>
-          </p:nvPr>
-        </p:nvPicPr>
-        <p:blipFill>
-          <a:blip r:embed="rId7" r:link="rId8" cstate="email"/>
-          <a:stretch>
-            <a:fillRect/>
-          </a:stretch>
-        </p:blipFill>
-        <p:spPr>
-          <a:xfrm>
-            <a:off x="11471910" y="6246700"/>
-            <a:ext cx="720090" cy="611299"/>
-          </a:xfrm>
-          <a:prstGeom prst="rect">
-            <a:avLst/>
-          </a:prstGeom>
-        </p:spPr>
-      </p:pic>
-      <p:sp>
-        <p:nvSpPr>
-          <p:cNvPr id="2" name="标题 1"/>
-          <p:cNvSpPr>
-            <a:spLocks noGrp="1"/>
-          </p:cNvSpPr>
-          <p:nvPr>
-            <p:ph type="title"/>
-            <p:custDataLst>
-              <p:tags r:id="rId9"/>
-            </p:custDataLst>
-          </p:nvPr>
-        </p:nvSpPr>
-        <p:spPr/>
-        <p:txBody>
-          <a:bodyPr vert="horz" wrap="square" lIns="90170" tIns="46990" rIns="90170" bIns="46990" rtlCol="0" anchor="ctr" anchorCtr="0">
-            <a:normAutofit/>
-          </a:bodyPr>
-          <a:lstStyle>
-            <a:lvl1pPr marL="0" marR="0" lvl="0" algn="l" defTabSz="914400" rtl="0" eaLnBrk="1" fontAlgn="auto" latinLnBrk="0" hangingPunct="1">
-              <a:lnSpc>
-                <a:spcPct val="100000"/>
-              </a:lnSpc>
-              <a:buNone/>
-              <a:defRPr kumimoji="0" lang="zh-CN" altLang="en-US" sz="2400" b="1" i="0" u="none" strike="noStrike" kern="1200" cap="none" spc="200" normalizeH="0" baseline="0" noProof="1" dirty="0">
-                <a:solidFill>
-                  <a:schemeClr val="tx1"/>
-                </a:solidFill>
-                <a:uFillTx/>
-                <a:latin typeface="Arial" panose="020B0604020202020204" pitchFamily="34" charset="0"/>
-                <a:ea typeface="微软雅黑" panose="020B0503020204020204" charset="-122"/>
-                <a:cs typeface="+mj-cs"/>
-                <a:sym typeface="+mn-ea"/>
-              </a:defRPr>
-            </a:lvl1pPr>
-          </a:lstStyle>
-          <a:p>
-            <a:pPr lvl="0"/>
-            <a:r>
-              <a:rPr>
-                <a:sym typeface="+mn-ea"/>
-              </a:rPr>
-              <a:t>单击此处编辑母版标题样式</a:t>
-            </a:r>
-            <a:endParaRPr>
-              <a:sym typeface="+mn-ea"/>
-            </a:endParaRPr>
-          </a:p>
-        </p:txBody>
-      </p:sp>
-      <p:sp>
-        <p:nvSpPr>
-          <p:cNvPr id="3" name="日期占位符 2"/>
-          <p:cNvSpPr>
-            <a:spLocks noGrp="1"/>
-          </p:cNvSpPr>
-          <p:nvPr>
-            <p:ph type="dt" sz="half" idx="10"/>
-            <p:custDataLst>
-              <p:tags r:id="rId10"/>
-            </p:custDataLst>
-          </p:nvPr>
-        </p:nvSpPr>
-        <p:spPr/>
-        <p:txBody>
-          <a:bodyPr wrap="square">
-            <a:normAutofit/>
-          </a:bodyPr>
-          <a:lstStyle>
-            <a:lvl1pPr>
-              <a:defRPr>
-                <a:latin typeface="Arial" panose="020B0604020202020204" pitchFamily="34" charset="0"/>
-                <a:ea typeface="微软雅黑" panose="020B0503020204020204" charset="-122"/>
-              </a:defRPr>
-            </a:lvl1pPr>
-          </a:lstStyle>
-          <a:p>
-            <a:fld id="{760FBDFE-C587-4B4C-A407-44438C67B59E}" type="datetimeFigureOut">
-              <a:rPr lang="zh-CN" altLang="en-US" smtClean="0"/>
-            </a:fld>
-            <a:endParaRPr lang="zh-CN" altLang="en-US"/>
-          </a:p>
-        </p:txBody>
-      </p:sp>
-      <p:sp>
-        <p:nvSpPr>
-          <p:cNvPr id="4" name="页脚占位符 3"/>
-          <p:cNvSpPr>
-            <a:spLocks noGrp="1"/>
-          </p:cNvSpPr>
-          <p:nvPr>
-            <p:ph type="ftr" sz="quarter" idx="11"/>
-            <p:custDataLst>
-              <p:tags r:id="rId11"/>
-            </p:custDataLst>
-          </p:nvPr>
-        </p:nvSpPr>
-        <p:spPr/>
-        <p:txBody>
-          <a:bodyPr wrap="square">
-            <a:normAutofit/>
-          </a:bodyPr>
-          <a:lstStyle>
-            <a:lvl1pPr>
-              <a:defRPr>
-                <a:latin typeface="Arial" panose="020B0604020202020204" pitchFamily="34" charset="0"/>
-                <a:ea typeface="微软雅黑" panose="020B0503020204020204" charset="-122"/>
-              </a:defRPr>
-            </a:lvl1pPr>
-          </a:lstStyle>
-          <a:p>
-            <a:endParaRPr lang="zh-CN" altLang="en-US"/>
-          </a:p>
-        </p:txBody>
-      </p:sp>
-      <p:sp>
-        <p:nvSpPr>
-          <p:cNvPr id="5" name="灯片编号占位符 4"/>
-          <p:cNvSpPr>
-            <a:spLocks noGrp="1"/>
-          </p:cNvSpPr>
-          <p:nvPr>
-            <p:ph type="sldNum" sz="quarter" idx="12"/>
-            <p:custDataLst>
-              <p:tags r:id="rId12"/>
-            </p:custDataLst>
-          </p:nvPr>
-        </p:nvSpPr>
-        <p:spPr/>
-        <p:txBody>
-          <a:bodyPr wrap="square">
-            <a:normAutofit/>
-          </a:bodyPr>
-          <a:lstStyle>
-            <a:lvl1pPr>
-              <a:defRPr>
-                <a:latin typeface="Arial" panose="020B0604020202020204" pitchFamily="34" charset="0"/>
-                <a:ea typeface="微软雅黑" panose="020B0503020204020204" charset="-122"/>
-              </a:defRPr>
-            </a:lvl1pPr>
-          </a:lstStyle>
-          <a:p>
-            <a:fld id="{49AE70B2-8BF9-45C0-BB95-33D1B9D3A854}" type="slidenum">
-              <a:rPr lang="zh-CN" altLang="en-US" smtClean="0"/>
-            </a:fld>
-            <a:endParaRPr lang="zh-CN" altLang="en-US"/>
-          </a:p>
-        </p:txBody>
-      </p:sp>
-    </p:spTree>
-  </p:cSld>
-  <p:clrMapOvr>
-    <a:masterClrMapping/>
-  </p:clrMapOvr>
-</p:sldLayout>
-</file>
-
-<file path=ppt/slideLayouts/slideLayout7.xml><?xml version="1.0" encoding="utf-8"?>
-<p:sldLayout xmlns:a="http://schemas.openxmlformats.org/drawingml/2006/main" xmlns:r="http://schemas.openxmlformats.org/officeDocument/2006/relationships" xmlns:p="http://schemas.openxmlformats.org/presentationml/2006/main" type="blank" preserve="1">
-  <p:cSld name="空白">
-    <p:spTree>
-      <p:nvGrpSpPr>
-        <p:cNvPr id="1" name=""/>
-        <p:cNvGrpSpPr/>
-        <p:nvPr/>
-      </p:nvGrpSpPr>
-      <p:grpSpPr>
-        <a:xfrm>
-          <a:off x="0" y="0"/>
-          <a:ext cx="0" cy="0"/>
-          <a:chOff x="0" y="0"/>
-          <a:chExt cx="0" cy="0"/>
-        </a:xfrm>
-      </p:grpSpPr>
-      <p:sp>
-        <p:nvSpPr>
-          <p:cNvPr id="2" name="日期占位符 1"/>
-          <p:cNvSpPr>
-            <a:spLocks noGrp="1"/>
-          </p:cNvSpPr>
-          <p:nvPr>
-            <p:ph type="dt" sz="half" idx="10"/>
-            <p:custDataLst>
-              <p:tags r:id="rId2"/>
-            </p:custDataLst>
-          </p:nvPr>
-        </p:nvSpPr>
-        <p:spPr/>
-        <p:txBody>
-          <a:bodyPr wrap="square">
-            <a:normAutofit/>
-          </a:bodyPr>
-          <a:lstStyle>
-            <a:lvl1pPr>
-              <a:defRPr>
-                <a:latin typeface="Arial" panose="020B0604020202020204" pitchFamily="34" charset="0"/>
-                <a:ea typeface="微软雅黑" panose="020B0503020204020204" charset="-122"/>
-              </a:defRPr>
-            </a:lvl1pPr>
-          </a:lstStyle>
-          <a:p>
-            <a:fld id="{760FBDFE-C587-4B4C-A407-44438C67B59E}" type="datetimeFigureOut">
-              <a:rPr lang="zh-CN" altLang="en-US" smtClean="0"/>
-            </a:fld>
-            <a:endParaRPr lang="zh-CN" altLang="en-US"/>
-          </a:p>
-        </p:txBody>
-      </p:sp>
-      <p:sp>
-        <p:nvSpPr>
-          <p:cNvPr id="3" name="页脚占位符 2"/>
-          <p:cNvSpPr>
-            <a:spLocks noGrp="1"/>
-          </p:cNvSpPr>
-          <p:nvPr>
-            <p:ph type="ftr" sz="quarter" idx="11"/>
-            <p:custDataLst>
-              <p:tags r:id="rId3"/>
-            </p:custDataLst>
-          </p:nvPr>
-        </p:nvSpPr>
-        <p:spPr/>
-        <p:txBody>
-          <a:bodyPr wrap="square">
-            <a:normAutofit/>
-          </a:bodyPr>
-          <a:lstStyle>
-            <a:lvl1pPr>
-              <a:defRPr>
-                <a:latin typeface="Arial" panose="020B0604020202020204" pitchFamily="34" charset="0"/>
-                <a:ea typeface="微软雅黑" panose="020B0503020204020204" charset="-122"/>
-              </a:defRPr>
-            </a:lvl1pPr>
-          </a:lstStyle>
-          <a:p>
-            <a:endParaRPr lang="zh-CN" altLang="en-US"/>
-          </a:p>
-        </p:txBody>
-      </p:sp>
-      <p:sp>
-        <p:nvSpPr>
-          <p:cNvPr id="4" name="灯片编号占位符 3"/>
-          <p:cNvSpPr>
-            <a:spLocks noGrp="1"/>
-          </p:cNvSpPr>
-          <p:nvPr>
-            <p:ph type="sldNum" sz="quarter" idx="12"/>
-            <p:custDataLst>
-              <p:tags r:id="rId4"/>
-            </p:custDataLst>
-          </p:nvPr>
-        </p:nvSpPr>
-        <p:spPr/>
-        <p:txBody>
-          <a:bodyPr wrap="square">
-            <a:normAutofit/>
-          </a:bodyPr>
-          <a:lstStyle>
-            <a:lvl1pPr>
-              <a:defRPr>
-                <a:latin typeface="Arial" panose="020B0604020202020204" pitchFamily="34" charset="0"/>
-                <a:ea typeface="微软雅黑" panose="020B0503020204020204" charset="-122"/>
-              </a:defRPr>
-            </a:lvl1pPr>
-          </a:lstStyle>
-          <a:p>
-            <a:fld id="{49AE70B2-8BF9-45C0-BB95-33D1B9D3A854}" type="slidenum">
-              <a:rPr lang="zh-CN" altLang="en-US" smtClean="0"/>
-            </a:fld>
-            <a:endParaRPr lang="zh-CN" altLang="en-US"/>
-          </a:p>
-        </p:txBody>
-      </p:sp>
-    </p:spTree>
-  </p:cSld>
-  <p:clrMapOvr>
-    <a:masterClrMapping/>
-  </p:clrMapOvr>
-</p:sldLayout>
-</file>
-
-<file path=ppt/slideLayouts/slideLayout8.xml><?xml version="1.0" encoding="utf-8"?>
-<p:sldLayout xmlns:a="http://schemas.openxmlformats.org/drawingml/2006/main" xmlns:r="http://schemas.openxmlformats.org/officeDocument/2006/relationships" xmlns:p="http://schemas.openxmlformats.org/presentationml/2006/main" preserve="1" userDrawn="1">
-  <p:cSld name="图片与标题">
-    <p:spTree>
-      <p:nvGrpSpPr>
-        <p:cNvPr id="1" name=""/>
-        <p:cNvGrpSpPr/>
-        <p:nvPr/>
-      </p:nvGrpSpPr>
-      <p:grpSpPr>
-        <a:xfrm>
-          <a:off x="0" y="0"/>
-          <a:ext cx="0" cy="0"/>
-          <a:chOff x="0" y="0"/>
-          <a:chExt cx="0" cy="0"/>
-        </a:xfrm>
-      </p:grpSpPr>
-      <p:grpSp>
-        <p:nvGrpSpPr>
-          <p:cNvPr id="10" name="组合 9"/>
-          <p:cNvGrpSpPr/>
-          <p:nvPr userDrawn="1">
-            <p:custDataLst>
-              <p:tags r:id="rId2"/>
-            </p:custDataLst>
-          </p:nvPr>
-        </p:nvGrpSpPr>
-        <p:grpSpPr>
-          <a:xfrm>
-            <a:off x="0" y="0"/>
-            <a:ext cx="12192000" cy="682332"/>
-            <a:chOff x="0" y="0"/>
-            <a:chExt cx="12192000" cy="682332"/>
-          </a:xfrm>
-        </p:grpSpPr>
-        <p:pic>
-          <p:nvPicPr>
-            <p:cNvPr id="9" name="图片 8"/>
-            <p:cNvPicPr/>
-            <p:nvPr userDrawn="1">
-              <p:custDataLst>
-                <p:tags r:id="rId3"/>
-              </p:custDataLst>
-            </p:nvPr>
-          </p:nvPicPr>
-          <p:blipFill>
-            <a:blip r:embed="rId4" r:link="rId5" cstate="email"/>
-            <a:stretch>
-              <a:fillRect/>
-            </a:stretch>
-          </p:blipFill>
-          <p:spPr>
-            <a:xfrm>
-              <a:off x="0" y="0"/>
-              <a:ext cx="720090" cy="611299"/>
-            </a:xfrm>
-            <a:prstGeom prst="rect">
-              <a:avLst/>
-            </a:prstGeom>
-          </p:spPr>
-        </p:pic>
-        <p:pic>
-          <p:nvPicPr>
-            <p:cNvPr id="8" name="图片 7"/>
-            <p:cNvPicPr/>
-            <p:nvPr userDrawn="1">
-              <p:custDataLst>
-                <p:tags r:id="rId6"/>
-              </p:custDataLst>
-            </p:nvPr>
-          </p:nvPicPr>
-          <p:blipFill>
-            <a:blip r:embed="rId7" r:link="rId8" cstate="email"/>
-            <a:stretch>
-              <a:fillRect/>
-            </a:stretch>
-          </p:blipFill>
-          <p:spPr>
-            <a:xfrm>
-              <a:off x="11471910" y="0"/>
-              <a:ext cx="720090" cy="682332"/>
-            </a:xfrm>
-            <a:prstGeom prst="rect">
-              <a:avLst/>
-            </a:prstGeom>
-          </p:spPr>
-        </p:pic>
-      </p:grpSp>
-      <p:sp>
-        <p:nvSpPr>
-          <p:cNvPr id="2" name="标题 1"/>
-          <p:cNvSpPr>
-            <a:spLocks noGrp="1"/>
-          </p:cNvSpPr>
-          <p:nvPr>
-            <p:ph type="title"/>
-            <p:custDataLst>
-              <p:tags r:id="rId9"/>
-            </p:custDataLst>
-          </p:nvPr>
-        </p:nvSpPr>
-        <p:spPr>
-          <a:xfrm>
-            <a:off x="669930" y="443234"/>
-            <a:ext cx="10852237" cy="441964"/>
-          </a:xfrm>
-        </p:spPr>
-        <p:txBody>
-          <a:bodyPr vert="horz" wrap="square" lIns="90170" tIns="46990" rIns="90170" bIns="46990" rtlCol="0" anchor="ctr" anchorCtr="0">
-            <a:normAutofit/>
-          </a:bodyPr>
-          <a:lstStyle>
-            <a:lvl1pPr marL="0" marR="0" lvl="0" algn="l" defTabSz="914400" rtl="0" eaLnBrk="1" fontAlgn="auto" latinLnBrk="0" hangingPunct="1">
-              <a:lnSpc>
-                <a:spcPct val="100000"/>
-              </a:lnSpc>
-              <a:buNone/>
-              <a:defRPr kumimoji="0" lang="zh-CN" altLang="en-US" sz="2400" b="1" i="0" u="none" strike="noStrike" kern="1200" cap="none" spc="200" normalizeH="0" baseline="0" noProof="1" dirty="0">
-                <a:solidFill>
-                  <a:schemeClr val="tx1"/>
-                </a:solidFill>
-                <a:uFillTx/>
-                <a:latin typeface="Arial" panose="020B0604020202020204" pitchFamily="34" charset="0"/>
-                <a:ea typeface="微软雅黑" panose="020B0503020204020204" charset="-122"/>
-                <a:cs typeface="+mj-cs"/>
-                <a:sym typeface="+mn-ea"/>
-              </a:defRPr>
-            </a:lvl1pPr>
-          </a:lstStyle>
-          <a:p>
-            <a:pPr lvl="0"/>
-            <a:r>
-              <a:rPr dirty="0">
-                <a:sym typeface="+mn-ea"/>
-              </a:rPr>
-              <a:t>单击此处编辑母版标题样式</a:t>
-            </a:r>
-            <a:endParaRPr dirty="0">
-              <a:sym typeface="+mn-ea"/>
-            </a:endParaRPr>
-          </a:p>
-        </p:txBody>
-      </p:sp>
-      <p:sp>
-        <p:nvSpPr>
-          <p:cNvPr id="3" name="图片占位符 2"/>
-          <p:cNvSpPr>
-            <a:spLocks noGrp="1"/>
-          </p:cNvSpPr>
-          <p:nvPr>
-            <p:ph type="pic" idx="1"/>
-            <p:custDataLst>
-              <p:tags r:id="rId10"/>
-            </p:custDataLst>
-          </p:nvPr>
-        </p:nvSpPr>
-        <p:spPr>
-          <a:xfrm>
-            <a:off x="669930" y="952508"/>
-            <a:ext cx="5283242" cy="5388907"/>
-          </a:xfrm>
-        </p:spPr>
-        <p:txBody>
-          <a:bodyPr vert="horz" lIns="90170" tIns="46990" rIns="90170" bIns="46990" rtlCol="0">
-            <a:normAutofit/>
-          </a:bodyPr>
-          <a:lstStyle>
-            <a:lvl1pPr marL="0" marR="0" lvl="0" indent="0" algn="l" defTabSz="914400" rtl="0" eaLnBrk="1" fontAlgn="auto" latinLnBrk="0" hangingPunct="1">
-              <a:lnSpc>
-                <a:spcPct val="130000"/>
-              </a:lnSpc>
-              <a:spcBef>
-                <a:spcPts val="0"/>
-              </a:spcBef>
-              <a:spcAft>
-                <a:spcPts val="1000"/>
-              </a:spcAft>
-              <a:buFont typeface="Arial" panose="020B0604020202020204" pitchFamily="34" charset="0"/>
-              <a:buNone/>
-              <a:defRPr kumimoji="0" lang="zh-CN" altLang="en-US" sz="1600" b="0" i="0" u="none" strike="noStrike" kern="1200" cap="none" spc="150" normalizeH="0" baseline="0" noProof="1" dirty="0">
-                <a:solidFill>
-                  <a:schemeClr val="tx1"/>
-                </a:solidFill>
-                <a:uFillTx/>
-                <a:latin typeface="Arial" panose="020B0604020202020204" pitchFamily="34" charset="0"/>
-                <a:ea typeface="微软雅黑" panose="020B0503020204020204" charset="-122"/>
-                <a:cs typeface="+mn-cs"/>
-                <a:sym typeface="+mn-ea"/>
-              </a:defRPr>
-            </a:lvl1pPr>
-            <a:lvl2pPr marL="685800" marR="0" lvl="1" indent="-228600" algn="l" defTabSz="914400" rtl="0" eaLnBrk="1" fontAlgn="auto" latinLnBrk="0" hangingPunct="1">
-              <a:lnSpc>
-                <a:spcPct val="130000"/>
-              </a:lnSpc>
-              <a:spcBef>
-                <a:spcPts val="0"/>
-              </a:spcBef>
-              <a:spcAft>
-                <a:spcPts val="1000"/>
-              </a:spcAft>
-              <a:buFont typeface="Arial" panose="020B0604020202020204" pitchFamily="34" charset="0"/>
-              <a:buChar char="•"/>
-              <a:tabLst>
-                <a:tab pos="1609725" algn="l"/>
-              </a:tabLst>
-              <a:defRPr kumimoji="0" lang="zh-CN" altLang="en-US" sz="1600" b="0" i="0" u="none" strike="noStrike" kern="1200" cap="none" spc="150" normalizeH="0" baseline="0" noProof="1" dirty="0">
-                <a:solidFill>
-                  <a:schemeClr val="tx1"/>
-                </a:solidFill>
-                <a:uFillTx/>
                 <a:latin typeface="+mn-lt"/>
                 <a:ea typeface="+mn-ea"/>
                 <a:cs typeface="+mn-cs"/>
@@ -6933,77 +6951,6 @@
           <a:chExt cx="0" cy="0"/>
         </a:xfrm>
       </p:grpSpPr>
-      <p:grpSp>
-        <p:nvGrpSpPr>
-          <p:cNvPr id="9" name="组合 8"/>
-          <p:cNvGrpSpPr/>
-          <p:nvPr userDrawn="1">
-            <p:custDataLst>
-              <p:tags r:id="rId2"/>
-            </p:custDataLst>
-          </p:nvPr>
-        </p:nvGrpSpPr>
-        <p:grpSpPr>
-          <a:xfrm>
-            <a:off x="0" y="0"/>
-            <a:ext cx="12192000" cy="682332"/>
-            <a:chOff x="0" y="0"/>
-            <a:chExt cx="12192000" cy="682332"/>
-          </a:xfrm>
-        </p:grpSpPr>
-        <p:pic>
-          <p:nvPicPr>
-            <p:cNvPr id="8" name="图片 7"/>
-            <p:cNvPicPr/>
-            <p:nvPr userDrawn="1">
-              <p:custDataLst>
-                <p:tags r:id="rId3"/>
-              </p:custDataLst>
-            </p:nvPr>
-          </p:nvPicPr>
-          <p:blipFill>
-            <a:blip r:embed="rId4" r:link="rId5" cstate="email"/>
-            <a:stretch>
-              <a:fillRect/>
-            </a:stretch>
-          </p:blipFill>
-          <p:spPr>
-            <a:xfrm>
-              <a:off x="0" y="0"/>
-              <a:ext cx="720090" cy="611299"/>
-            </a:xfrm>
-            <a:prstGeom prst="rect">
-              <a:avLst/>
-            </a:prstGeom>
-          </p:spPr>
-        </p:pic>
-        <p:pic>
-          <p:nvPicPr>
-            <p:cNvPr id="7" name="图片 6"/>
-            <p:cNvPicPr/>
-            <p:nvPr userDrawn="1">
-              <p:custDataLst>
-                <p:tags r:id="rId6"/>
-              </p:custDataLst>
-            </p:nvPr>
-          </p:nvPicPr>
-          <p:blipFill>
-            <a:blip r:embed="rId7" r:link="rId8" cstate="email"/>
-            <a:stretch>
-              <a:fillRect/>
-            </a:stretch>
-          </p:blipFill>
-          <p:spPr>
-            <a:xfrm>
-              <a:off x="11471910" y="0"/>
-              <a:ext cx="720090" cy="682332"/>
-            </a:xfrm>
-            <a:prstGeom prst="rect">
-              <a:avLst/>
-            </a:prstGeom>
-          </p:spPr>
-        </p:pic>
-      </p:grpSp>
       <p:sp>
         <p:nvSpPr>
           <p:cNvPr id="2" name="竖排标题 1"/>
@@ -7013,7 +6960,7 @@
           <p:nvPr>
             <p:ph type="title" orient="vert"/>
             <p:custDataLst>
-              <p:tags r:id="rId9"/>
+              <p:tags r:id="rId2"/>
             </p:custDataLst>
           </p:nvPr>
         </p:nvSpPr>
@@ -7022,6 +6969,9 @@
             <a:off x="10571135" y="952508"/>
             <a:ext cx="950984" cy="5388907"/>
           </a:xfrm>
+          <a:prstGeom prst="rect">
+            <a:avLst/>
+          </a:prstGeom>
         </p:spPr>
         <p:txBody>
           <a:bodyPr vert="eaVert" wrap="square" lIns="90170" tIns="46990" rIns="90170" bIns="46990" rtlCol="0" anchor="ctr" anchorCtr="0">
@@ -7071,7 +7021,7 @@
           <p:nvPr>
             <p:ph type="body" orient="vert" idx="1"/>
             <p:custDataLst>
-              <p:tags r:id="rId10"/>
+              <p:tags r:id="rId3"/>
             </p:custDataLst>
           </p:nvPr>
         </p:nvSpPr>
@@ -7183,7 +7133,7 @@
           <p:nvPr>
             <p:ph type="dt" sz="half" idx="10"/>
             <p:custDataLst>
-              <p:tags r:id="rId11"/>
+              <p:tags r:id="rId4"/>
             </p:custDataLst>
           </p:nvPr>
         </p:nvSpPr>
@@ -7217,7 +7167,7 @@
           <p:nvPr>
             <p:ph type="ftr" sz="quarter" idx="11"/>
             <p:custDataLst>
-              <p:tags r:id="rId12"/>
+              <p:tags r:id="rId5"/>
             </p:custDataLst>
           </p:nvPr>
         </p:nvSpPr>
@@ -7248,7 +7198,7 @@
           <p:nvPr>
             <p:ph type="sldNum" sz="quarter" idx="12"/>
             <p:custDataLst>
-              <p:tags r:id="rId13"/>
+              <p:tags r:id="rId6"/>
             </p:custDataLst>
           </p:nvPr>
         </p:nvSpPr>
@@ -7303,42 +7253,58 @@
           <a:chExt cx="0" cy="0"/>
         </a:xfrm>
       </p:grpSpPr>
-      <p:sp>
-        <p:nvSpPr>
-          <p:cNvPr id="2" name="标题占位符 1"/>
-          <p:cNvSpPr>
-            <a:spLocks noGrp="1"/>
-          </p:cNvSpPr>
-          <p:nvPr>
-            <p:ph type="title"/>
-            <p:custDataLst>
-              <p:tags r:id="rId19"/>
-            </p:custDataLst>
-          </p:nvPr>
-        </p:nvSpPr>
+      <p:pic>
+        <p:nvPicPr>
+          <p:cNvPr id="15" name="图片 14" descr="DM_20240308123443_002"/>
+          <p:cNvPicPr>
+            <a:picLocks noChangeAspect="1"/>
+          </p:cNvPicPr>
+          <p:nvPr userDrawn="1"/>
+        </p:nvPicPr>
+        <p:blipFill>
+          <a:blip r:embed="rId19">
+            <a:alphaModFix amt="70000"/>
+          </a:blip>
+          <a:stretch>
+            <a:fillRect/>
+          </a:stretch>
+        </p:blipFill>
         <p:spPr>
-          <a:xfrm>
-            <a:off x="669882" y="443230"/>
-            <a:ext cx="10852237" cy="441964"/>
+          <a:xfrm flipH="1">
+            <a:off x="1199515" y="5500370"/>
+            <a:ext cx="1967230" cy="2155825"/>
           </a:xfrm>
           <a:prstGeom prst="rect">
             <a:avLst/>
           </a:prstGeom>
         </p:spPr>
-        <p:txBody>
-          <a:bodyPr vert="horz" wrap="square" lIns="90170" tIns="46990" rIns="90170" bIns="46990" rtlCol="0" anchor="ctr" anchorCtr="0">
-            <a:normAutofit/>
-          </a:bodyPr>
-          <a:lstStyle/>
-          <a:p>
-            <a:r>
-              <a:rPr lang="zh-CN" altLang="en-US" dirty="0"/>
-              <a:t>单击此处编辑母版标题样式</a:t>
-            </a:r>
-            <a:endParaRPr lang="zh-CN" altLang="en-US" dirty="0"/>
-          </a:p>
-        </p:txBody>
-      </p:sp>
+      </p:pic>
+      <p:pic>
+        <p:nvPicPr>
+          <p:cNvPr id="11" name="图片 10" descr="DM_20240308121244_003"/>
+          <p:cNvPicPr>
+            <a:picLocks noChangeAspect="1"/>
+          </p:cNvPicPr>
+          <p:nvPr userDrawn="1"/>
+        </p:nvPicPr>
+        <p:blipFill>
+          <a:blip r:embed="rId20">
+            <a:alphaModFix amt="76000"/>
+          </a:blip>
+          <a:stretch>
+            <a:fillRect/>
+          </a:stretch>
+        </p:blipFill>
+        <p:spPr>
+          <a:xfrm>
+            <a:off x="11451590" y="5633085"/>
+            <a:ext cx="980440" cy="1358900"/>
+          </a:xfrm>
+          <a:prstGeom prst="rect">
+            <a:avLst/>
+          </a:prstGeom>
+        </p:spPr>
+      </p:pic>
       <p:sp>
         <p:nvSpPr>
           <p:cNvPr id="3" name="文本占位符 2"/>
@@ -7348,7 +7314,7 @@
           <p:nvPr>
             <p:ph type="body" idx="1"/>
             <p:custDataLst>
-              <p:tags r:id="rId20"/>
+              <p:tags r:id="rId21"/>
             </p:custDataLst>
           </p:nvPr>
         </p:nvSpPr>
@@ -7417,7 +7383,7 @@
           <p:nvPr>
             <p:ph type="dt" sz="half" idx="2"/>
             <p:custDataLst>
-              <p:tags r:id="rId21"/>
+              <p:tags r:id="rId22"/>
             </p:custDataLst>
           </p:nvPr>
         </p:nvSpPr>
@@ -7464,7 +7430,7 @@
           <p:nvPr>
             <p:ph type="ftr" sz="quarter" idx="3"/>
             <p:custDataLst>
-              <p:tags r:id="rId22"/>
+              <p:tags r:id="rId23"/>
             </p:custDataLst>
           </p:nvPr>
         </p:nvSpPr>
@@ -7508,7 +7474,7 @@
           <p:nvPr>
             <p:ph type="sldNum" sz="quarter" idx="4"/>
             <p:custDataLst>
-              <p:tags r:id="rId23"/>
+              <p:tags r:id="rId24"/>
             </p:custDataLst>
           </p:nvPr>
         </p:nvSpPr>
@@ -7552,7 +7518,7 @@
           <p:cNvSpPr/>
           <p:nvPr userDrawn="1">
             <p:custDataLst>
-              <p:tags r:id="rId24"/>
+              <p:tags r:id="rId25"/>
             </p:custDataLst>
           </p:nvPr>
         </p:nvSpPr>
@@ -7590,6 +7556,262 @@
           </a:p>
         </p:txBody>
       </p:sp>
+      <p:pic>
+        <p:nvPicPr>
+          <p:cNvPr id="9" name="图片 8" descr="DM_20240308122757_002"/>
+          <p:cNvPicPr>
+            <a:picLocks noChangeAspect="1"/>
+          </p:cNvPicPr>
+          <p:nvPr userDrawn="1"/>
+        </p:nvPicPr>
+        <p:blipFill>
+          <a:blip r:embed="rId26">
+            <a:alphaModFix amt="66000"/>
+          </a:blip>
+          <a:stretch>
+            <a:fillRect/>
+          </a:stretch>
+        </p:blipFill>
+        <p:spPr>
+          <a:xfrm>
+            <a:off x="0" y="5204460"/>
+            <a:ext cx="2477770" cy="1653540"/>
+          </a:xfrm>
+          <a:prstGeom prst="rect">
+            <a:avLst/>
+          </a:prstGeom>
+        </p:spPr>
+      </p:pic>
+      <p:pic>
+        <p:nvPicPr>
+          <p:cNvPr id="10" name="图片 9" descr="DM_20240308122757_004"/>
+          <p:cNvPicPr>
+            <a:picLocks noChangeAspect="1"/>
+          </p:cNvPicPr>
+          <p:nvPr userDrawn="1"/>
+        </p:nvPicPr>
+        <p:blipFill>
+          <a:blip r:embed="rId27">
+            <a:alphaModFix amt="80000"/>
+          </a:blip>
+          <a:stretch>
+            <a:fillRect/>
+          </a:stretch>
+        </p:blipFill>
+        <p:spPr>
+          <a:xfrm flipH="1">
+            <a:off x="10876280" y="5633085"/>
+            <a:ext cx="1019175" cy="1548765"/>
+          </a:xfrm>
+          <a:prstGeom prst="rect">
+            <a:avLst/>
+          </a:prstGeom>
+        </p:spPr>
+      </p:pic>
+      <p:pic>
+        <p:nvPicPr>
+          <p:cNvPr id="13" name="图片 12" descr="DM_20240308123151_001"/>
+          <p:cNvPicPr>
+            <a:picLocks noChangeAspect="1"/>
+          </p:cNvPicPr>
+          <p:nvPr userDrawn="1"/>
+        </p:nvPicPr>
+        <p:blipFill>
+          <a:blip r:embed="rId28">
+            <a:alphaModFix amt="44000"/>
+          </a:blip>
+          <a:stretch>
+            <a:fillRect/>
+          </a:stretch>
+        </p:blipFill>
+        <p:spPr>
+          <a:xfrm>
+            <a:off x="8898890" y="5923280"/>
+            <a:ext cx="2552700" cy="934720"/>
+          </a:xfrm>
+          <a:prstGeom prst="rect">
+            <a:avLst/>
+          </a:prstGeom>
+        </p:spPr>
+      </p:pic>
+      <p:pic>
+        <p:nvPicPr>
+          <p:cNvPr id="14" name="图片 13" descr="DM_20240308123151_004"/>
+          <p:cNvPicPr>
+            <a:picLocks noChangeAspect="1"/>
+          </p:cNvPicPr>
+          <p:nvPr userDrawn="1"/>
+        </p:nvPicPr>
+        <p:blipFill>
+          <a:blip r:embed="rId29">
+            <a:alphaModFix amt="77000"/>
+          </a:blip>
+          <a:stretch>
+            <a:fillRect/>
+          </a:stretch>
+        </p:blipFill>
+        <p:spPr>
+          <a:xfrm rot="20700000">
+            <a:off x="743585" y="5129530"/>
+            <a:ext cx="325120" cy="469900"/>
+          </a:xfrm>
+          <a:prstGeom prst="rect">
+            <a:avLst/>
+          </a:prstGeom>
+        </p:spPr>
+      </p:pic>
+      <p:sp>
+        <p:nvSpPr>
+          <p:cNvPr id="23" name="矩形 22"/>
+          <p:cNvSpPr/>
+          <p:nvPr userDrawn="1"/>
+        </p:nvSpPr>
+        <p:spPr>
+          <a:xfrm>
+            <a:off x="3073400" y="-1270"/>
+            <a:ext cx="9121140" cy="450850"/>
+          </a:xfrm>
+          <a:prstGeom prst="rect">
+            <a:avLst/>
+          </a:prstGeom>
+          <a:gradFill>
+            <a:gsLst>
+              <a:gs pos="1000">
+                <a:schemeClr val="bg1"/>
+              </a:gs>
+              <a:gs pos="47000">
+                <a:srgbClr val="FFC000">
+                  <a:alpha val="61000"/>
+                </a:srgbClr>
+              </a:gs>
+              <a:gs pos="100000">
+                <a:srgbClr val="FFC000">
+                  <a:alpha val="68000"/>
+                </a:srgbClr>
+              </a:gs>
+            </a:gsLst>
+            <a:lin ang="0" scaled="0"/>
+          </a:gradFill>
+          <a:ln>
+            <a:noFill/>
+          </a:ln>
+        </p:spPr>
+        <p:style>
+          <a:lnRef idx="2">
+            <a:schemeClr val="accent1">
+              <a:lumMod val="75000"/>
+            </a:schemeClr>
+          </a:lnRef>
+          <a:fillRef idx="1">
+            <a:schemeClr val="accent1"/>
+          </a:fillRef>
+          <a:effectRef idx="0">
+            <a:srgbClr val="FFFFFF"/>
+          </a:effectRef>
+          <a:fontRef idx="minor">
+            <a:schemeClr val="lt1"/>
+          </a:fontRef>
+        </p:style>
+        <p:txBody>
+          <a:bodyPr rtlCol="0" anchor="ctr"/>
+          <a:p>
+            <a:pPr marL="457200" lvl="1" indent="457200" algn="ctr"/>
+            <a:r>
+              <a:rPr lang="en-US" altLang="zh-CN">
+                <a:solidFill>
+                  <a:schemeClr val="bg1"/>
+                </a:solidFill>
+                <a:uFillTx/>
+                <a:latin typeface="方正字迹-龙吟体 简" panose="02000500000000000000" charset="-122"/>
+                <a:ea typeface="方正字迹-龙吟体 简" panose="02000500000000000000" charset="-122"/>
+                <a:cs typeface="方正字迹-龙吟体 简" panose="02000500000000000000" charset="-122"/>
+              </a:rPr>
+              <a:t>                           </a:t>
+            </a:r>
+            <a:r>
+              <a:rPr lang="zh-CN" altLang="en-US">
+                <a:solidFill>
+                  <a:schemeClr val="bg1"/>
+                </a:solidFill>
+                <a:uFillTx/>
+                <a:latin typeface="方正字迹-龙吟体 简" panose="02000500000000000000" charset="-122"/>
+                <a:ea typeface="方正字迹-龙吟体 简" panose="02000500000000000000" charset="-122"/>
+                <a:cs typeface="方正字迹-龙吟体 简" panose="02000500000000000000" charset="-122"/>
+              </a:rPr>
+              <a:t>“听音识谱”</a:t>
+            </a:r>
+            <a:r>
+              <a:rPr lang="en-US" altLang="zh-CN">
+                <a:solidFill>
+                  <a:schemeClr val="bg1"/>
+                </a:solidFill>
+                <a:uFillTx/>
+                <a:latin typeface="方正字迹-龙吟体 简" panose="02000500000000000000" charset="-122"/>
+                <a:ea typeface="方正字迹-龙吟体 简" panose="02000500000000000000" charset="-122"/>
+                <a:cs typeface="方正字迹-龙吟体 简" panose="02000500000000000000" charset="-122"/>
+              </a:rPr>
+              <a:t>——</a:t>
+            </a:r>
+            <a:r>
+              <a:rPr lang="zh-CN" altLang="en-US">
+                <a:solidFill>
+                  <a:schemeClr val="bg1"/>
+                </a:solidFill>
+                <a:uFillTx/>
+                <a:latin typeface="方正字迹-龙吟体 简" panose="02000500000000000000" charset="-122"/>
+                <a:ea typeface="方正字迹-龙吟体 简" panose="02000500000000000000" charset="-122"/>
+                <a:cs typeface="方正字迹-龙吟体 简" panose="02000500000000000000" charset="-122"/>
+              </a:rPr>
+              <a:t>基于智能音乐处理的乐谱自动生成软件</a:t>
+            </a:r>
+            <a:r>
+              <a:rPr lang="en-US" altLang="zh-CN">
+                <a:solidFill>
+                  <a:schemeClr val="bg1"/>
+                </a:solidFill>
+                <a:uFillTx/>
+                <a:latin typeface="方正字迹-龙吟体 简" panose="02000500000000000000" charset="-122"/>
+                <a:ea typeface="方正字迹-龙吟体 简" panose="02000500000000000000" charset="-122"/>
+                <a:cs typeface="方正字迹-龙吟体 简" panose="02000500000000000000" charset="-122"/>
+              </a:rPr>
+              <a:t>  </a:t>
+            </a:r>
+            <a:endParaRPr lang="en-US" altLang="zh-CN">
+              <a:solidFill>
+                <a:schemeClr val="bg1"/>
+              </a:solidFill>
+              <a:uFillTx/>
+              <a:latin typeface="方正字迹-龙吟体 简" panose="02000500000000000000" charset="-122"/>
+              <a:ea typeface="方正字迹-龙吟体 简" panose="02000500000000000000" charset="-122"/>
+              <a:cs typeface="方正字迹-龙吟体 简" panose="02000500000000000000" charset="-122"/>
+            </a:endParaRPr>
+          </a:p>
+        </p:txBody>
+      </p:sp>
+      <p:pic>
+        <p:nvPicPr>
+          <p:cNvPr id="24" name="图片 23" descr="DM_20240308123946_003"/>
+          <p:cNvPicPr>
+            <a:picLocks noChangeAspect="1"/>
+          </p:cNvPicPr>
+          <p:nvPr userDrawn="1"/>
+        </p:nvPicPr>
+        <p:blipFill>
+          <a:blip r:embed="rId30"/>
+          <a:stretch>
+            <a:fillRect/>
+          </a:stretch>
+        </p:blipFill>
+        <p:spPr>
+          <a:xfrm>
+            <a:off x="1548765" y="-197485"/>
+            <a:ext cx="4267835" cy="890905"/>
+          </a:xfrm>
+          <a:prstGeom prst="rect">
+            <a:avLst/>
+          </a:prstGeom>
+        </p:spPr>
+      </p:pic>
     </p:spTree>
   </p:cSld>
   <p:clrMap bg1="lt1" tx1="dk1" bg2="lt2" tx2="dk2" accent1="accent1" accent2="accent2" accent3="accent3" accent4="accent4" accent5="accent5" accent6="accent6" hlink="hlink" folHlink="folHlink"/>
@@ -7623,10 +7845,14 @@
           <a:spcPct val="0"/>
         </a:spcBef>
         <a:buNone/>
-        <a:defRPr sz="2400" b="1" u="none" strike="noStrike" kern="1200" cap="none" spc="200" normalizeH="0">
+        <a:defRPr sz="1800" b="1" u="none" strike="noStrike" kern="1200" cap="none" spc="200" normalizeH="0">
+          <a:ln/>
           <a:solidFill>
-            <a:schemeClr val="tx1"/>
+            <a:srgbClr val="FFC000"/>
           </a:solidFill>
+          <a:effectLst>
+            <a:reflection blurRad="6350" stA="53000" endA="300" endPos="35500" dir="5400000" sy="-90000" algn="bl" rotWithShape="0"/>
+          </a:effectLst>
           <a:uFillTx/>
           <a:latin typeface="Arial" panose="020B0604020202020204" pitchFamily="34" charset="0"/>
           <a:ea typeface="微软雅黑" panose="020B0503020204020204" charset="-122"/>
@@ -8338,68 +8564,32 @@
   <p:tag name="KSO_WM_UNIT_COMPATIBLE" val="0"/>
   <p:tag name="KSO_WM_UNIT_DIAGRAM_ISNUMVISUAL" val="0"/>
   <p:tag name="KSO_WM_UNIT_DIAGRAM_ISREFERUNIT" val="0"/>
-  <p:tag name="KSO_WM_UNIT_ID" val="_14**"/>
-  <p:tag name="KSO_WM_UNIT_LAYERLEVEL" val="1"/>
-  <p:tag name="KSO_WM_TAG_VERSION" val="1.0"/>
-  <p:tag name="KSO_WM_BEAUTIFY_FLAG" val="#wm#"/>
-  <p:tag name="KSO_WM_SLIDE_BACKGROUND_TYPE" val="leftRight"/>
-  <p:tag name="KSO_WM_SLIDE_BK_DARK_LIGHT" val="2"/>
-</p:tagLst>
-</file>
-
-<file path=ppt/tags/tag101.xml><?xml version="1.0" encoding="utf-8"?>
-<p:tagLst xmlns:p="http://schemas.openxmlformats.org/presentationml/2006/main">
-  <p:tag name="KSO_WM_UNIT_HIGHLIGHT" val="0"/>
-  <p:tag name="KSO_WM_UNIT_COMPATIBLE" val="0"/>
-  <p:tag name="KSO_WM_UNIT_DIAGRAM_ISNUMVISUAL" val="0"/>
-  <p:tag name="KSO_WM_UNIT_DIAGRAM_ISREFERUNIT" val="0"/>
-  <p:tag name="KSO_WM_UNIT_ID" val="_14**"/>
-  <p:tag name="KSO_WM_UNIT_LAYERLEVEL" val="1"/>
-  <p:tag name="KSO_WM_TAG_VERSION" val="1.0"/>
-  <p:tag name="KSO_WM_BEAUTIFY_FLAG" val="#wm#"/>
-  <p:tag name="KSO_WM_SLIDE_BACKGROUND_TYPE" val="leftRight"/>
-  <p:tag name="KSO_WM_SLIDE_BK_DARK_LIGHT" val="2"/>
-</p:tagLst>
-</file>
-
-<file path=ppt/tags/tag102.xml><?xml version="1.0" encoding="utf-8"?>
-<p:tagLst xmlns:p="http://schemas.openxmlformats.org/presentationml/2006/main">
-  <p:tag name="KSO_WM_UNIT_HIGHLIGHT" val="0"/>
-  <p:tag name="KSO_WM_UNIT_COMPATIBLE" val="0"/>
-  <p:tag name="KSO_WM_UNIT_DIAGRAM_ISNUMVISUAL" val="0"/>
-  <p:tag name="KSO_WM_UNIT_DIAGRAM_ISREFERUNIT" val="0"/>
-  <p:tag name="KSO_WM_UNIT_ID" val="_14**"/>
-  <p:tag name="KSO_WM_UNIT_LAYERLEVEL" val="1"/>
-  <p:tag name="KSO_WM_TAG_VERSION" val="1.0"/>
-  <p:tag name="KSO_WM_BEAUTIFY_FLAG" val="#wm#"/>
-  <p:tag name="KSO_WM_SLIDE_BACKGROUND_TYPE" val="leftRight"/>
-  <p:tag name="KSO_WM_SLIDE_BK_DARK_LIGHT" val="2"/>
-</p:tagLst>
-</file>
-
-<file path=ppt/tags/tag103.xml><?xml version="1.0" encoding="utf-8"?>
-<p:tagLst xmlns:p="http://schemas.openxmlformats.org/presentationml/2006/main">
-  <p:tag name="KSO_WM_UNIT_TYPE" val="i"/>
-  <p:tag name="KSO_WM_UNIT_SUBTYPE" val="h"/>
+  <p:tag name="KSO_WM_UNIT_ID" val="_15**"/>
+  <p:tag name="KSO_WM_UNIT_LAYERLEVEL" val="1"/>
+  <p:tag name="KSO_WM_TAG_VERSION" val="1.0"/>
+  <p:tag name="KSO_WM_BEAUTIFY_FLAG" val="#wm#"/>
   <p:tag name="KSO_WM_SLIDE_BACKGROUND_TYPE" val="topBottom"/>
   <p:tag name="KSO_WM_SLIDE_BK_DARK_LIGHT" val="2"/>
-  <p:tag name="KSO_WM_UNIT_HIGHLIGHT" val="0"/>
-  <p:tag name="KSO_WM_UNIT_COMPATIBLE" val="0"/>
-  <p:tag name="KSO_WM_UNIT_DIAGRAM_ISNUMVISUAL" val="0"/>
-  <p:tag name="KSO_WM_UNIT_DIAGRAM_ISREFERUNIT" val="0"/>
-  <p:tag name="KSO_WM_UNIT_INDEX" val="0"/>
-  <p:tag name="KSO_WM_UNIT_ID" val="_15*i*0"/>
-  <p:tag name="KSO_WM_UNIT_BK_DARK_LIGHT" val="2"/>
-  <p:tag name="KSO_WM_UNIT_LAYERLEVEL" val="1"/>
-  <p:tag name="KSO_WM_TAG_VERSION" val="1.0"/>
-  <p:tag name="KSO_WM_BEAUTIFY_FLAG" val="#wm#"/>
-</p:tagLst>
-</file>
-
-<file path=ppt/tags/tag104.xml><?xml version="1.0" encoding="utf-8"?>
-<p:tagLst xmlns:p="http://schemas.openxmlformats.org/presentationml/2006/main">
+</p:tagLst>
+</file>
+
+<file path=ppt/tags/tag101.xml><?xml version="1.0" encoding="utf-8"?>
+<p:tagLst xmlns:p="http://schemas.openxmlformats.org/presentationml/2006/main">
+  <p:tag name="KSO_WM_UNIT_HIGHLIGHT" val="0"/>
+  <p:tag name="KSO_WM_UNIT_COMPATIBLE" val="0"/>
+  <p:tag name="KSO_WM_UNIT_DIAGRAM_ISNUMVISUAL" val="0"/>
+  <p:tag name="KSO_WM_UNIT_DIAGRAM_ISREFERUNIT" val="0"/>
+  <p:tag name="KSO_WM_UNIT_ID" val="_15**"/>
+  <p:tag name="KSO_WM_UNIT_LAYERLEVEL" val="1"/>
+  <p:tag name="KSO_WM_TAG_VERSION" val="1.0"/>
+  <p:tag name="KSO_WM_BEAUTIFY_FLAG" val="#wm#"/>
   <p:tag name="KSO_WM_SLIDE_BACKGROUND_TYPE" val="topBottom"/>
   <p:tag name="KSO_WM_SLIDE_BK_DARK_LIGHT" val="2"/>
+</p:tagLst>
+</file>
+
+<file path=ppt/tags/tag102.xml><?xml version="1.0" encoding="utf-8"?>
+<p:tagLst xmlns:p="http://schemas.openxmlformats.org/presentationml/2006/main">
   <p:tag name="KSO_WM_UNIT_HIGHLIGHT" val="0"/>
   <p:tag name="KSO_WM_UNIT_COMPATIBLE" val="0"/>
   <p:tag name="KSO_WM_UNIT_DIAGRAM_ISNUMVISUAL" val="0"/>
@@ -8408,128 +8598,12 @@
   <p:tag name="KSO_WM_UNIT_LAYERLEVEL" val="1"/>
   <p:tag name="KSO_WM_TAG_VERSION" val="1.0"/>
   <p:tag name="KSO_WM_BEAUTIFY_FLAG" val="#wm#"/>
-</p:tagLst>
-</file>
-
-<file path=ppt/tags/tag105.xml><?xml version="1.0" encoding="utf-8"?>
-<p:tagLst xmlns:p="http://schemas.openxmlformats.org/presentationml/2006/main">
   <p:tag name="KSO_WM_SLIDE_BACKGROUND_TYPE" val="topBottom"/>
   <p:tag name="KSO_WM_SLIDE_BK_DARK_LIGHT" val="2"/>
-  <p:tag name="KSO_WM_UNIT_HIGHLIGHT" val="0"/>
-  <p:tag name="KSO_WM_UNIT_COMPATIBLE" val="0"/>
-  <p:tag name="KSO_WM_UNIT_DIAGRAM_ISNUMVISUAL" val="0"/>
-  <p:tag name="KSO_WM_UNIT_DIAGRAM_ISREFERUNIT" val="0"/>
-  <p:tag name="KSO_WM_UNIT_ID" val="_15**"/>
-  <p:tag name="KSO_WM_UNIT_LAYERLEVEL" val="1"/>
-  <p:tag name="KSO_WM_TAG_VERSION" val="1.0"/>
-  <p:tag name="KSO_WM_BEAUTIFY_FLAG" val="#wm#"/>
-</p:tagLst>
-</file>
-
-<file path=ppt/tags/tag106.xml><?xml version="1.0" encoding="utf-8"?>
-<p:tagLst xmlns:p="http://schemas.openxmlformats.org/presentationml/2006/main">
-  <p:tag name="KSO_WM_UNIT_HIGHLIGHT" val="0"/>
-  <p:tag name="KSO_WM_UNIT_COMPATIBLE" val="0"/>
-  <p:tag name="KSO_WM_UNIT_DIAGRAM_ISNUMVISUAL" val="0"/>
-  <p:tag name="KSO_WM_UNIT_DIAGRAM_ISREFERUNIT" val="0"/>
-  <p:tag name="KSO_WM_UNIT_ID" val="_15**"/>
-  <p:tag name="KSO_WM_UNIT_LAYERLEVEL" val="1"/>
-  <p:tag name="KSO_WM_TAG_VERSION" val="1.0"/>
-  <p:tag name="KSO_WM_BEAUTIFY_FLAG" val="#wm#"/>
-  <p:tag name="KSO_WM_SLIDE_BACKGROUND_TYPE" val="topBottom"/>
-  <p:tag name="KSO_WM_SLIDE_BK_DARK_LIGHT" val="2"/>
-</p:tagLst>
-</file>
-
-<file path=ppt/tags/tag107.xml><?xml version="1.0" encoding="utf-8"?>
-<p:tagLst xmlns:p="http://schemas.openxmlformats.org/presentationml/2006/main">
-  <p:tag name="KSO_WM_UNIT_HIGHLIGHT" val="0"/>
-  <p:tag name="KSO_WM_UNIT_COMPATIBLE" val="0"/>
-  <p:tag name="KSO_WM_UNIT_DIAGRAM_ISNUMVISUAL" val="0"/>
-  <p:tag name="KSO_WM_UNIT_DIAGRAM_ISREFERUNIT" val="0"/>
-  <p:tag name="KSO_WM_UNIT_ID" val="_15**"/>
-  <p:tag name="KSO_WM_UNIT_LAYERLEVEL" val="1"/>
-  <p:tag name="KSO_WM_TAG_VERSION" val="1.0"/>
-  <p:tag name="KSO_WM_BEAUTIFY_FLAG" val="#wm#"/>
-  <p:tag name="KSO_WM_SLIDE_BACKGROUND_TYPE" val="topBottom"/>
-  <p:tag name="KSO_WM_SLIDE_BK_DARK_LIGHT" val="2"/>
-</p:tagLst>
-</file>
-
-<file path=ppt/tags/tag108.xml><?xml version="1.0" encoding="utf-8"?>
-<p:tagLst xmlns:p="http://schemas.openxmlformats.org/presentationml/2006/main">
-  <p:tag name="KSO_WM_UNIT_HIGHLIGHT" val="0"/>
-  <p:tag name="KSO_WM_UNIT_COMPATIBLE" val="0"/>
-  <p:tag name="KSO_WM_UNIT_DIAGRAM_ISNUMVISUAL" val="0"/>
-  <p:tag name="KSO_WM_UNIT_DIAGRAM_ISREFERUNIT" val="0"/>
-  <p:tag name="KSO_WM_UNIT_ID" val="_15**"/>
-  <p:tag name="KSO_WM_UNIT_LAYERLEVEL" val="1"/>
-  <p:tag name="KSO_WM_TAG_VERSION" val="1.0"/>
-  <p:tag name="KSO_WM_BEAUTIFY_FLAG" val="#wm#"/>
-  <p:tag name="KSO_WM_SLIDE_BACKGROUND_TYPE" val="topBottom"/>
-  <p:tag name="KSO_WM_SLIDE_BK_DARK_LIGHT" val="2"/>
-</p:tagLst>
-</file>
-
-<file path=ppt/tags/tag109.xml><?xml version="1.0" encoding="utf-8"?>
-<p:tagLst xmlns:p="http://schemas.openxmlformats.org/presentationml/2006/main">
-  <p:tag name="KSO_WM_UNIT_HIGHLIGHT" val="0"/>
-  <p:tag name="KSO_WM_UNIT_COMPATIBLE" val="0"/>
-  <p:tag name="KSO_WM_UNIT_DIAGRAM_ISNUMVISUAL" val="0"/>
-  <p:tag name="KSO_WM_UNIT_DIAGRAM_ISREFERUNIT" val="0"/>
-  <p:tag name="KSO_WM_UNIT_ID" val="_15**"/>
-  <p:tag name="KSO_WM_UNIT_LAYERLEVEL" val="1"/>
-  <p:tag name="KSO_WM_TAG_VERSION" val="1.0"/>
-  <p:tag name="KSO_WM_BEAUTIFY_FLAG" val="#wm#"/>
-  <p:tag name="KSO_WM_SLIDE_BACKGROUND_TYPE" val="topBottom"/>
-  <p:tag name="KSO_WM_SLIDE_BK_DARK_LIGHT" val="2"/>
-</p:tagLst>
-</file>
-
-<file path=ppt/tags/tag11.xml><?xml version="1.0" encoding="utf-8"?>
-<p:tagLst xmlns:p="http://schemas.openxmlformats.org/presentationml/2006/main">
-  <p:tag name="KSO_WM_UNIT_HIGHLIGHT" val="0"/>
-  <p:tag name="KSO_WM_UNIT_COMPATIBLE" val="0"/>
-  <p:tag name="KSO_WM_UNIT_DIAGRAM_ISNUMVISUAL" val="0"/>
-  <p:tag name="KSO_WM_UNIT_DIAGRAM_ISREFERUNIT" val="0"/>
-  <p:tag name="KSO_WM_UNIT_ID" val="_2**"/>
-  <p:tag name="KSO_WM_UNIT_LAYERLEVEL" val="1"/>
-  <p:tag name="KSO_WM_TAG_VERSION" val="1.0"/>
-  <p:tag name="KSO_WM_BEAUTIFY_FLAG" val="#wm#"/>
-</p:tagLst>
-</file>
-
-<file path=ppt/tags/tag110.xml><?xml version="1.0" encoding="utf-8"?>
-<p:tagLst xmlns:p="http://schemas.openxmlformats.org/presentationml/2006/main">
-  <p:tag name="KSO_WM_UNIT_HIGHLIGHT" val="0"/>
-  <p:tag name="KSO_WM_UNIT_COMPATIBLE" val="0"/>
-  <p:tag name="KSO_WM_UNIT_DIAGRAM_ISNUMVISUAL" val="0"/>
-  <p:tag name="KSO_WM_UNIT_DIAGRAM_ISREFERUNIT" val="0"/>
-  <p:tag name="KSO_WM_UNIT_ID" val="_15**"/>
-  <p:tag name="KSO_WM_UNIT_LAYERLEVEL" val="1"/>
-  <p:tag name="KSO_WM_TAG_VERSION" val="1.0"/>
-  <p:tag name="KSO_WM_BEAUTIFY_FLAG" val="#wm#"/>
-  <p:tag name="KSO_WM_SLIDE_BACKGROUND_TYPE" val="topBottom"/>
-  <p:tag name="KSO_WM_SLIDE_BK_DARK_LIGHT" val="2"/>
-</p:tagLst>
-</file>
-
-<file path=ppt/tags/tag111.xml><?xml version="1.0" encoding="utf-8"?>
-<p:tagLst xmlns:p="http://schemas.openxmlformats.org/presentationml/2006/main">
-  <p:tag name="KSO_WM_UNIT_HIGHLIGHT" val="0"/>
-  <p:tag name="KSO_WM_UNIT_COMPATIBLE" val="0"/>
-  <p:tag name="KSO_WM_UNIT_DIAGRAM_ISNUMVISUAL" val="0"/>
-  <p:tag name="KSO_WM_UNIT_DIAGRAM_ISREFERUNIT" val="0"/>
-  <p:tag name="KSO_WM_UNIT_ID" val="_15**"/>
-  <p:tag name="KSO_WM_UNIT_LAYERLEVEL" val="1"/>
-  <p:tag name="KSO_WM_TAG_VERSION" val="1.0"/>
-  <p:tag name="KSO_WM_BEAUTIFY_FLAG" val="#wm#"/>
-  <p:tag name="KSO_WM_SLIDE_BACKGROUND_TYPE" val="topBottom"/>
-  <p:tag name="KSO_WM_SLIDE_BK_DARK_LIGHT" val="2"/>
-</p:tagLst>
-</file>
-
-<file path=ppt/tags/tag112.xml><?xml version="1.0" encoding="utf-8"?>
+</p:tagLst>
+</file>
+
+<file path=ppt/tags/tag103.xml><?xml version="1.0" encoding="utf-8"?>
 <p:tagLst xmlns:p="http://schemas.openxmlformats.org/presentationml/2006/main">
   <p:tag name="KSO_WM_UNIT_TYPE" val="i"/>
   <p:tag name="KSO_WM_UNIT_SUBTYPE" val="h"/>
@@ -8548,7 +8622,7 @@
 </p:tagLst>
 </file>
 
-<file path=ppt/tags/tag113.xml><?xml version="1.0" encoding="utf-8"?>
+<file path=ppt/tags/tag104.xml><?xml version="1.0" encoding="utf-8"?>
 <p:tagLst xmlns:p="http://schemas.openxmlformats.org/presentationml/2006/main">
   <p:tag name="KSO_WM_SLIDE_BACKGROUND_TYPE" val="bottomTop"/>
   <p:tag name="KSO_WM_SLIDE_BK_DARK_LIGHT" val="2"/>
@@ -8563,7 +8637,7 @@
 </p:tagLst>
 </file>
 
-<file path=ppt/tags/tag114.xml><?xml version="1.0" encoding="utf-8"?>
+<file path=ppt/tags/tag105.xml><?xml version="1.0" encoding="utf-8"?>
 <p:tagLst xmlns:p="http://schemas.openxmlformats.org/presentationml/2006/main">
   <p:tag name="KSO_WM_SLIDE_BACKGROUND_TYPE" val="bottomTop"/>
   <p:tag name="KSO_WM_SLIDE_BK_DARK_LIGHT" val="2"/>
@@ -8578,7 +8652,7 @@
 </p:tagLst>
 </file>
 
-<file path=ppt/tags/tag115.xml><?xml version="1.0" encoding="utf-8"?>
+<file path=ppt/tags/tag106.xml><?xml version="1.0" encoding="utf-8"?>
 <p:tagLst xmlns:p="http://schemas.openxmlformats.org/presentationml/2006/main">
   <p:tag name="KSO_WM_UNIT_HIGHLIGHT" val="0"/>
   <p:tag name="KSO_WM_UNIT_COMPATIBLE" val="0"/>
@@ -8593,7 +8667,7 @@
 </p:tagLst>
 </file>
 
-<file path=ppt/tags/tag116.xml><?xml version="1.0" encoding="utf-8"?>
+<file path=ppt/tags/tag107.xml><?xml version="1.0" encoding="utf-8"?>
 <p:tagLst xmlns:p="http://schemas.openxmlformats.org/presentationml/2006/main">
   <p:tag name="KSO_WM_UNIT_HIGHLIGHT" val="0"/>
   <p:tag name="KSO_WM_UNIT_COMPATIBLE" val="0"/>
@@ -8608,7 +8682,7 @@
 </p:tagLst>
 </file>
 
-<file path=ppt/tags/tag117.xml><?xml version="1.0" encoding="utf-8"?>
+<file path=ppt/tags/tag108.xml><?xml version="1.0" encoding="utf-8"?>
 <p:tagLst xmlns:p="http://schemas.openxmlformats.org/presentationml/2006/main">
   <p:tag name="KSO_WM_UNIT_HIGHLIGHT" val="0"/>
   <p:tag name="KSO_WM_UNIT_COMPATIBLE" val="0"/>
@@ -8623,7 +8697,7 @@
 </p:tagLst>
 </file>
 
-<file path=ppt/tags/tag118.xml><?xml version="1.0" encoding="utf-8"?>
+<file path=ppt/tags/tag109.xml><?xml version="1.0" encoding="utf-8"?>
 <p:tagLst xmlns:p="http://schemas.openxmlformats.org/presentationml/2006/main">
   <p:tag name="KSO_WM_UNIT_HIGHLIGHT" val="0"/>
   <p:tag name="KSO_WM_UNIT_COMPATIBLE" val="0"/>
@@ -8638,7 +8712,20 @@
 </p:tagLst>
 </file>
 
-<file path=ppt/tags/tag119.xml><?xml version="1.0" encoding="utf-8"?>
+<file path=ppt/tags/tag11.xml><?xml version="1.0" encoding="utf-8"?>
+<p:tagLst xmlns:p="http://schemas.openxmlformats.org/presentationml/2006/main">
+  <p:tag name="KSO_WM_UNIT_HIGHLIGHT" val="0"/>
+  <p:tag name="KSO_WM_UNIT_COMPATIBLE" val="0"/>
+  <p:tag name="KSO_WM_UNIT_DIAGRAM_ISNUMVISUAL" val="0"/>
+  <p:tag name="KSO_WM_UNIT_DIAGRAM_ISREFERUNIT" val="0"/>
+  <p:tag name="KSO_WM_UNIT_ID" val="_2**"/>
+  <p:tag name="KSO_WM_UNIT_LAYERLEVEL" val="1"/>
+  <p:tag name="KSO_WM_TAG_VERSION" val="1.0"/>
+  <p:tag name="KSO_WM_BEAUTIFY_FLAG" val="#wm#"/>
+</p:tagLst>
+</file>
+
+<file path=ppt/tags/tag110.xml><?xml version="1.0" encoding="utf-8"?>
 <p:tagLst xmlns:p="http://schemas.openxmlformats.org/presentationml/2006/main">
   <p:tag name="KSO_WM_UNIT_HIGHLIGHT" val="0"/>
   <p:tag name="KSO_WM_UNIT_COMPATIBLE" val="0"/>
@@ -8653,20 +8740,7 @@
 </p:tagLst>
 </file>
 
-<file path=ppt/tags/tag12.xml><?xml version="1.0" encoding="utf-8"?>
-<p:tagLst xmlns:p="http://schemas.openxmlformats.org/presentationml/2006/main">
-  <p:tag name="KSO_WM_UNIT_HIGHLIGHT" val="0"/>
-  <p:tag name="KSO_WM_UNIT_COMPATIBLE" val="0"/>
-  <p:tag name="KSO_WM_UNIT_DIAGRAM_ISNUMVISUAL" val="0"/>
-  <p:tag name="KSO_WM_UNIT_DIAGRAM_ISREFERUNIT" val="0"/>
-  <p:tag name="KSO_WM_UNIT_ID" val="_2**"/>
-  <p:tag name="KSO_WM_UNIT_LAYERLEVEL" val="1"/>
-  <p:tag name="KSO_WM_TAG_VERSION" val="1.0"/>
-  <p:tag name="KSO_WM_BEAUTIFY_FLAG" val="#wm#"/>
-</p:tagLst>
-</file>
-
-<file path=ppt/tags/tag120.xml><?xml version="1.0" encoding="utf-8"?>
+<file path=ppt/tags/tag111.xml><?xml version="1.0" encoding="utf-8"?>
 <p:tagLst xmlns:p="http://schemas.openxmlformats.org/presentationml/2006/main">
   <p:tag name="KSO_WM_UNIT_HIGHLIGHT" val="0"/>
   <p:tag name="KSO_WM_UNIT_COMPATIBLE" val="0"/>
@@ -8681,7 +8755,7 @@
 </p:tagLst>
 </file>
 
-<file path=ppt/tags/tag121.xml><?xml version="1.0" encoding="utf-8"?>
+<file path=ppt/tags/tag112.xml><?xml version="1.0" encoding="utf-8"?>
 <p:tagLst xmlns:p="http://schemas.openxmlformats.org/presentationml/2006/main">
   <p:tag name="KSO_WM_UNIT_TYPE" val="i"/>
   <p:tag name="KSO_WM_UNIT_SUBTYPE" val="h"/>
@@ -8700,7 +8774,7 @@
 </p:tagLst>
 </file>
 
-<file path=ppt/tags/tag122.xml><?xml version="1.0" encoding="utf-8"?>
+<file path=ppt/tags/tag113.xml><?xml version="1.0" encoding="utf-8"?>
 <p:tagLst xmlns:p="http://schemas.openxmlformats.org/presentationml/2006/main">
   <p:tag name="KSO_WM_SLIDE_BACKGROUND_TYPE" val="navigation"/>
   <p:tag name="KSO_WM_SLIDE_BK_DARK_LIGHT" val="2"/>
@@ -8715,7 +8789,7 @@
 </p:tagLst>
 </file>
 
-<file path=ppt/tags/tag123.xml><?xml version="1.0" encoding="utf-8"?>
+<file path=ppt/tags/tag114.xml><?xml version="1.0" encoding="utf-8"?>
 <p:tagLst xmlns:p="http://schemas.openxmlformats.org/presentationml/2006/main">
   <p:tag name="KSO_WM_SLIDE_BACKGROUND_TYPE" val="navigation"/>
   <p:tag name="KSO_WM_SLIDE_BK_DARK_LIGHT" val="2"/>
@@ -8730,7 +8804,7 @@
 </p:tagLst>
 </file>
 
-<file path=ppt/tags/tag124.xml><?xml version="1.0" encoding="utf-8"?>
+<file path=ppt/tags/tag115.xml><?xml version="1.0" encoding="utf-8"?>
 <p:tagLst xmlns:p="http://schemas.openxmlformats.org/presentationml/2006/main">
   <p:tag name="KSO_WM_UNIT_HIGHLIGHT" val="0"/>
   <p:tag name="KSO_WM_UNIT_COMPATIBLE" val="0"/>
@@ -8745,7 +8819,7 @@
 </p:tagLst>
 </file>
 
-<file path=ppt/tags/tag125.xml><?xml version="1.0" encoding="utf-8"?>
+<file path=ppt/tags/tag116.xml><?xml version="1.0" encoding="utf-8"?>
 <p:tagLst xmlns:p="http://schemas.openxmlformats.org/presentationml/2006/main">
   <p:tag name="KSO_WM_UNIT_HIGHLIGHT" val="0"/>
   <p:tag name="KSO_WM_UNIT_COMPATIBLE" val="0"/>
@@ -8760,7 +8834,7 @@
 </p:tagLst>
 </file>
 
-<file path=ppt/tags/tag126.xml><?xml version="1.0" encoding="utf-8"?>
+<file path=ppt/tags/tag117.xml><?xml version="1.0" encoding="utf-8"?>
 <p:tagLst xmlns:p="http://schemas.openxmlformats.org/presentationml/2006/main">
   <p:tag name="KSO_WM_UNIT_HIGHLIGHT" val="0"/>
   <p:tag name="KSO_WM_UNIT_COMPATIBLE" val="0"/>
@@ -8775,7 +8849,7 @@
 </p:tagLst>
 </file>
 
-<file path=ppt/tags/tag127.xml><?xml version="1.0" encoding="utf-8"?>
+<file path=ppt/tags/tag118.xml><?xml version="1.0" encoding="utf-8"?>
 <p:tagLst xmlns:p="http://schemas.openxmlformats.org/presentationml/2006/main">
   <p:tag name="KSO_WM_UNIT_HIGHLIGHT" val="0"/>
   <p:tag name="KSO_WM_UNIT_COMPATIBLE" val="0"/>
@@ -8790,7 +8864,7 @@
 </p:tagLst>
 </file>
 
-<file path=ppt/tags/tag128.xml><?xml version="1.0" encoding="utf-8"?>
+<file path=ppt/tags/tag119.xml><?xml version="1.0" encoding="utf-8"?>
 <p:tagLst xmlns:p="http://schemas.openxmlformats.org/presentationml/2006/main">
   <p:tag name="KSO_WM_UNIT_HIGHLIGHT" val="0"/>
   <p:tag name="KSO_WM_UNIT_COMPATIBLE" val="0"/>
@@ -8805,7 +8879,20 @@
 </p:tagLst>
 </file>
 
-<file path=ppt/tags/tag129.xml><?xml version="1.0" encoding="utf-8"?>
+<file path=ppt/tags/tag12.xml><?xml version="1.0" encoding="utf-8"?>
+<p:tagLst xmlns:p="http://schemas.openxmlformats.org/presentationml/2006/main">
+  <p:tag name="KSO_WM_UNIT_HIGHLIGHT" val="0"/>
+  <p:tag name="KSO_WM_UNIT_COMPATIBLE" val="0"/>
+  <p:tag name="KSO_WM_UNIT_DIAGRAM_ISNUMVISUAL" val="0"/>
+  <p:tag name="KSO_WM_UNIT_DIAGRAM_ISREFERUNIT" val="0"/>
+  <p:tag name="KSO_WM_UNIT_ID" val="_2**"/>
+  <p:tag name="KSO_WM_UNIT_LAYERLEVEL" val="1"/>
+  <p:tag name="KSO_WM_TAG_VERSION" val="1.0"/>
+  <p:tag name="KSO_WM_BEAUTIFY_FLAG" val="#wm#"/>
+</p:tagLst>
+</file>
+
+<file path=ppt/tags/tag120.xml><?xml version="1.0" encoding="utf-8"?>
 <p:tagLst xmlns:p="http://schemas.openxmlformats.org/presentationml/2006/main">
   <p:tag name="KSO_WM_UNIT_HIGHLIGHT" val="0"/>
   <p:tag name="KSO_WM_UNIT_COMPATIBLE" val="0"/>
@@ -8820,20 +8907,7 @@
 </p:tagLst>
 </file>
 
-<file path=ppt/tags/tag13.xml><?xml version="1.0" encoding="utf-8"?>
-<p:tagLst xmlns:p="http://schemas.openxmlformats.org/presentationml/2006/main">
-  <p:tag name="KSO_WM_UNIT_HIGHLIGHT" val="0"/>
-  <p:tag name="KSO_WM_UNIT_COMPATIBLE" val="0"/>
-  <p:tag name="KSO_WM_UNIT_DIAGRAM_ISNUMVISUAL" val="0"/>
-  <p:tag name="KSO_WM_UNIT_DIAGRAM_ISREFERUNIT" val="0"/>
-  <p:tag name="KSO_WM_UNIT_ID" val="_2**"/>
-  <p:tag name="KSO_WM_UNIT_LAYERLEVEL" val="1"/>
-  <p:tag name="KSO_WM_TAG_VERSION" val="1.0"/>
-  <p:tag name="KSO_WM_BEAUTIFY_FLAG" val="#wm#"/>
-</p:tagLst>
-</file>
-
-<file path=ppt/tags/tag130.xml><?xml version="1.0" encoding="utf-8"?>
+<file path=ppt/tags/tag121.xml><?xml version="1.0" encoding="utf-8"?>
 <p:tagLst xmlns:p="http://schemas.openxmlformats.org/presentationml/2006/main">
   <p:tag name="KSO_WM_UNIT_HIGHLIGHT" val="0"/>
   <p:tag name="KSO_WM_UNIT_COMPATIBLE" val="0"/>
@@ -8848,7 +8922,7 @@
 </p:tagLst>
 </file>
 
-<file path=ppt/tags/tag131.xml><?xml version="1.0" encoding="utf-8"?>
+<file path=ppt/tags/tag122.xml><?xml version="1.0" encoding="utf-8"?>
 <p:tagLst xmlns:p="http://schemas.openxmlformats.org/presentationml/2006/main">
   <p:tag name="KSO_WM_UNIT_HIGHLIGHT" val="0"/>
   <p:tag name="KSO_WM_UNIT_COMPATIBLE" val="0"/>
@@ -8863,7 +8937,7 @@
 </p:tagLst>
 </file>
 
-<file path=ppt/tags/tag132.xml><?xml version="1.0" encoding="utf-8"?>
+<file path=ppt/tags/tag123.xml><?xml version="1.0" encoding="utf-8"?>
 <p:tagLst xmlns:p="http://schemas.openxmlformats.org/presentationml/2006/main">
   <p:tag name="KSO_WM_UNIT_TYPE" val="i"/>
   <p:tag name="KSO_WM_UNIT_SUBTYPE" val="h"/>
@@ -8882,10 +8956,23 @@
 </p:tagLst>
 </file>
 
-<file path=ppt/tags/tag133.xml><?xml version="1.0" encoding="utf-8"?>
-<p:tagLst xmlns:p="http://schemas.openxmlformats.org/presentationml/2006/main">
+<file path=ppt/tags/tag124.xml><?xml version="1.0" encoding="utf-8"?>
+<p:tagLst xmlns:p="http://schemas.openxmlformats.org/presentationml/2006/main">
+  <p:tag name="KSO_WM_UNIT_HIGHLIGHT" val="0"/>
+  <p:tag name="KSO_WM_UNIT_COMPATIBLE" val="0"/>
+  <p:tag name="KSO_WM_UNIT_DIAGRAM_ISNUMVISUAL" val="0"/>
+  <p:tag name="KSO_WM_UNIT_DIAGRAM_ISREFERUNIT" val="0"/>
+  <p:tag name="KSO_WM_UNIT_ID" val="_18**"/>
+  <p:tag name="KSO_WM_UNIT_LAYERLEVEL" val="1"/>
+  <p:tag name="KSO_WM_TAG_VERSION" val="1.0"/>
+  <p:tag name="KSO_WM_BEAUTIFY_FLAG" val="#wm#"/>
   <p:tag name="KSO_WM_SLIDE_BACKGROUND_TYPE" val="belt"/>
   <p:tag name="KSO_WM_SLIDE_BK_DARK_LIGHT" val="2"/>
+</p:tagLst>
+</file>
+
+<file path=ppt/tags/tag125.xml><?xml version="1.0" encoding="utf-8"?>
+<p:tagLst xmlns:p="http://schemas.openxmlformats.org/presentationml/2006/main">
   <p:tag name="KSO_WM_UNIT_HIGHLIGHT" val="0"/>
   <p:tag name="KSO_WM_UNIT_COMPATIBLE" val="0"/>
   <p:tag name="KSO_WM_UNIT_DIAGRAM_ISNUMVISUAL" val="0"/>
@@ -8894,25 +8981,12 @@
   <p:tag name="KSO_WM_UNIT_LAYERLEVEL" val="1"/>
   <p:tag name="KSO_WM_TAG_VERSION" val="1.0"/>
   <p:tag name="KSO_WM_BEAUTIFY_FLAG" val="#wm#"/>
-</p:tagLst>
-</file>
-
-<file path=ppt/tags/tag134.xml><?xml version="1.0" encoding="utf-8"?>
-<p:tagLst xmlns:p="http://schemas.openxmlformats.org/presentationml/2006/main">
   <p:tag name="KSO_WM_SLIDE_BACKGROUND_TYPE" val="belt"/>
   <p:tag name="KSO_WM_SLIDE_BK_DARK_LIGHT" val="2"/>
-  <p:tag name="KSO_WM_UNIT_HIGHLIGHT" val="0"/>
-  <p:tag name="KSO_WM_UNIT_COMPATIBLE" val="0"/>
-  <p:tag name="KSO_WM_UNIT_DIAGRAM_ISNUMVISUAL" val="0"/>
-  <p:tag name="KSO_WM_UNIT_DIAGRAM_ISREFERUNIT" val="0"/>
-  <p:tag name="KSO_WM_UNIT_ID" val="_18**"/>
-  <p:tag name="KSO_WM_UNIT_LAYERLEVEL" val="1"/>
-  <p:tag name="KSO_WM_TAG_VERSION" val="1.0"/>
-  <p:tag name="KSO_WM_BEAUTIFY_FLAG" val="#wm#"/>
-</p:tagLst>
-</file>
-
-<file path=ppt/tags/tag135.xml><?xml version="1.0" encoding="utf-8"?>
+</p:tagLst>
+</file>
+
+<file path=ppt/tags/tag126.xml><?xml version="1.0" encoding="utf-8"?>
 <p:tagLst xmlns:p="http://schemas.openxmlformats.org/presentationml/2006/main">
   <p:tag name="KSO_WM_UNIT_HIGHLIGHT" val="0"/>
   <p:tag name="KSO_WM_UNIT_COMPATIBLE" val="0"/>
@@ -8927,7 +9001,7 @@
 </p:tagLst>
 </file>
 
-<file path=ppt/tags/tag136.xml><?xml version="1.0" encoding="utf-8"?>
+<file path=ppt/tags/tag127.xml><?xml version="1.0" encoding="utf-8"?>
 <p:tagLst xmlns:p="http://schemas.openxmlformats.org/presentationml/2006/main">
   <p:tag name="KSO_WM_UNIT_HIGHLIGHT" val="0"/>
   <p:tag name="KSO_WM_UNIT_COMPATIBLE" val="0"/>
@@ -8942,7 +9016,7 @@
 </p:tagLst>
 </file>
 
-<file path=ppt/tags/tag137.xml><?xml version="1.0" encoding="utf-8"?>
+<file path=ppt/tags/tag128.xml><?xml version="1.0" encoding="utf-8"?>
 <p:tagLst xmlns:p="http://schemas.openxmlformats.org/presentationml/2006/main">
   <p:tag name="KSO_WM_UNIT_HIGHLIGHT" val="0"/>
   <p:tag name="KSO_WM_UNIT_COMPATIBLE" val="0"/>
@@ -8957,50 +9031,7 @@
 </p:tagLst>
 </file>
 
-<file path=ppt/tags/tag138.xml><?xml version="1.0" encoding="utf-8"?>
-<p:tagLst xmlns:p="http://schemas.openxmlformats.org/presentationml/2006/main">
-  <p:tag name="KSO_WM_UNIT_HIGHLIGHT" val="0"/>
-  <p:tag name="KSO_WM_UNIT_COMPATIBLE" val="0"/>
-  <p:tag name="KSO_WM_UNIT_DIAGRAM_ISNUMVISUAL" val="0"/>
-  <p:tag name="KSO_WM_UNIT_DIAGRAM_ISREFERUNIT" val="0"/>
-  <p:tag name="KSO_WM_UNIT_ID" val="_18**"/>
-  <p:tag name="KSO_WM_UNIT_LAYERLEVEL" val="1"/>
-  <p:tag name="KSO_WM_TAG_VERSION" val="1.0"/>
-  <p:tag name="KSO_WM_BEAUTIFY_FLAG" val="#wm#"/>
-  <p:tag name="KSO_WM_SLIDE_BACKGROUND_TYPE" val="belt"/>
-  <p:tag name="KSO_WM_SLIDE_BK_DARK_LIGHT" val="2"/>
-</p:tagLst>
-</file>
-
-<file path=ppt/tags/tag139.xml><?xml version="1.0" encoding="utf-8"?>
-<p:tagLst xmlns:p="http://schemas.openxmlformats.org/presentationml/2006/main">
-  <p:tag name="KSO_WM_UNIT_HIGHLIGHT" val="0"/>
-  <p:tag name="KSO_WM_UNIT_COMPATIBLE" val="0"/>
-  <p:tag name="KSO_WM_UNIT_DIAGRAM_ISNUMVISUAL" val="0"/>
-  <p:tag name="KSO_WM_UNIT_DIAGRAM_ISREFERUNIT" val="0"/>
-  <p:tag name="KSO_WM_UNIT_ID" val="_18**"/>
-  <p:tag name="KSO_WM_UNIT_LAYERLEVEL" val="1"/>
-  <p:tag name="KSO_WM_TAG_VERSION" val="1.0"/>
-  <p:tag name="KSO_WM_BEAUTIFY_FLAG" val="#wm#"/>
-  <p:tag name="KSO_WM_SLIDE_BACKGROUND_TYPE" val="belt"/>
-  <p:tag name="KSO_WM_SLIDE_BK_DARK_LIGHT" val="2"/>
-</p:tagLst>
-</file>
-
-<file path=ppt/tags/tag14.xml><?xml version="1.0" encoding="utf-8"?>
-<p:tagLst xmlns:p="http://schemas.openxmlformats.org/presentationml/2006/main">
-  <p:tag name="KSO_WM_UNIT_HIGHLIGHT" val="0"/>
-  <p:tag name="KSO_WM_UNIT_COMPATIBLE" val="0"/>
-  <p:tag name="KSO_WM_UNIT_DIAGRAM_ISNUMVISUAL" val="0"/>
-  <p:tag name="KSO_WM_UNIT_DIAGRAM_ISREFERUNIT" val="0"/>
-  <p:tag name="KSO_WM_UNIT_ID" val="_2**"/>
-  <p:tag name="KSO_WM_UNIT_LAYERLEVEL" val="1"/>
-  <p:tag name="KSO_WM_TAG_VERSION" val="1.0"/>
-  <p:tag name="KSO_WM_BEAUTIFY_FLAG" val="#wm#"/>
-</p:tagLst>
-</file>
-
-<file path=ppt/tags/tag140.xml><?xml version="1.0" encoding="utf-8"?>
+<file path=ppt/tags/tag129.xml><?xml version="1.0" encoding="utf-8"?>
 <p:tagLst xmlns:p="http://schemas.openxmlformats.org/presentationml/2006/main">
   <p:tag name="KSO_WM_UNIT_HIGHLIGHT" val="0"/>
   <p:tag name="KSO_WM_UNIT_COMPATIBLE" val="0"/>
@@ -9015,7 +9046,20 @@
 </p:tagLst>
 </file>
 
-<file path=ppt/tags/tag141.xml><?xml version="1.0" encoding="utf-8"?>
+<file path=ppt/tags/tag13.xml><?xml version="1.0" encoding="utf-8"?>
+<p:tagLst xmlns:p="http://schemas.openxmlformats.org/presentationml/2006/main">
+  <p:tag name="KSO_WM_UNIT_HIGHLIGHT" val="0"/>
+  <p:tag name="KSO_WM_UNIT_COMPATIBLE" val="0"/>
+  <p:tag name="KSO_WM_UNIT_DIAGRAM_ISNUMVISUAL" val="0"/>
+  <p:tag name="KSO_WM_UNIT_DIAGRAM_ISREFERUNIT" val="0"/>
+  <p:tag name="KSO_WM_UNIT_ID" val="_2**"/>
+  <p:tag name="KSO_WM_UNIT_LAYERLEVEL" val="1"/>
+  <p:tag name="KSO_WM_TAG_VERSION" val="1.0"/>
+  <p:tag name="KSO_WM_BEAUTIFY_FLAG" val="#wm#"/>
+</p:tagLst>
+</file>
+
+<file path=ppt/tags/tag130.xml><?xml version="1.0" encoding="utf-8"?>
 <p:tagLst xmlns:p="http://schemas.openxmlformats.org/presentationml/2006/main">
   <p:tag name="KSO_WM_UNIT_HIGHLIGHT" val="0"/>
   <p:tag name="KSO_WM_UNIT_COMPATIBLE" val="0"/>
@@ -9025,12 +9069,10 @@
   <p:tag name="KSO_WM_UNIT_LAYERLEVEL" val="1"/>
   <p:tag name="KSO_WM_TAG_VERSION" val="1.0"/>
   <p:tag name="KSO_WM_BEAUTIFY_FLAG" val="#wm#"/>
-  <p:tag name="KSO_WM_TEMPLATE_CATEGORY" val="custom"/>
-  <p:tag name="KSO_WM_TEMPLATE_INDEX" val="20204599"/>
-</p:tagLst>
-</file>
-
-<file path=ppt/tags/tag142.xml><?xml version="1.0" encoding="utf-8"?>
+</p:tagLst>
+</file>
+
+<file path=ppt/tags/tag131.xml><?xml version="1.0" encoding="utf-8"?>
 <p:tagLst xmlns:p="http://schemas.openxmlformats.org/presentationml/2006/main">
   <p:tag name="KSO_WM_UNIT_HIGHLIGHT" val="0"/>
   <p:tag name="KSO_WM_UNIT_COMPATIBLE" val="0"/>
@@ -9043,7 +9085,7 @@
 </p:tagLst>
 </file>
 
-<file path=ppt/tags/tag143.xml><?xml version="1.0" encoding="utf-8"?>
+<file path=ppt/tags/tag132.xml><?xml version="1.0" encoding="utf-8"?>
 <p:tagLst xmlns:p="http://schemas.openxmlformats.org/presentationml/2006/main">
   <p:tag name="KSO_WM_UNIT_HIGHLIGHT" val="0"/>
   <p:tag name="KSO_WM_UNIT_COMPATIBLE" val="0"/>
@@ -9056,20 +9098,7 @@
 </p:tagLst>
 </file>
 
-<file path=ppt/tags/tag144.xml><?xml version="1.0" encoding="utf-8"?>
-<p:tagLst xmlns:p="http://schemas.openxmlformats.org/presentationml/2006/main">
-  <p:tag name="KSO_WM_UNIT_HIGHLIGHT" val="0"/>
-  <p:tag name="KSO_WM_UNIT_COMPATIBLE" val="0"/>
-  <p:tag name="KSO_WM_UNIT_DIAGRAM_ISNUMVISUAL" val="0"/>
-  <p:tag name="KSO_WM_UNIT_DIAGRAM_ISREFERUNIT" val="0"/>
-  <p:tag name="KSO_WM_UNIT_ID" val="_0**"/>
-  <p:tag name="KSO_WM_UNIT_LAYERLEVEL" val="1"/>
-  <p:tag name="KSO_WM_TAG_VERSION" val="1.0"/>
-  <p:tag name="KSO_WM_BEAUTIFY_FLAG" val="#wm#"/>
-</p:tagLst>
-</file>
-
-<file path=ppt/tags/tag145.xml><?xml version="1.0" encoding="utf-8"?>
+<file path=ppt/tags/tag133.xml><?xml version="1.0" encoding="utf-8"?>
 <p:tagLst xmlns:p="http://schemas.openxmlformats.org/presentationml/2006/main">
   <p:tag name="KSO_WM_TAG_VERSION" val="1.0"/>
   <p:tag name="KSO_WM_BEAUTIFY_FLAG" val="#wm#"/>
@@ -9083,7 +9112,7 @@
 </p:tagLst>
 </file>
 
-<file path=ppt/tags/tag146.xml><?xml version="1.0" encoding="utf-8"?>
+<file path=ppt/tags/tag134.xml><?xml version="1.0" encoding="utf-8"?>
 <p:tagLst xmlns:p="http://schemas.openxmlformats.org/presentationml/2006/main">
   <p:tag name="KSO_WM_UNIT_HIGHLIGHT" val="0"/>
   <p:tag name="KSO_WM_UNIT_COMPATIBLE" val="0"/>
@@ -9106,7 +9135,7 @@
 </p:tagLst>
 </file>
 
-<file path=ppt/tags/tag147.xml><?xml version="1.0" encoding="utf-8"?>
+<file path=ppt/tags/tag135.xml><?xml version="1.0" encoding="utf-8"?>
 <p:tagLst xmlns:p="http://schemas.openxmlformats.org/presentationml/2006/main">
   <p:tag name="KSO_WM_UNIT_HIGHLIGHT" val="0"/>
   <p:tag name="KSO_WM_UNIT_COMPATIBLE" val="0"/>
@@ -9126,7 +9155,7 @@
 </p:tagLst>
 </file>
 
-<file path=ppt/tags/tag148.xml><?xml version="1.0" encoding="utf-8"?>
+<file path=ppt/tags/tag136.xml><?xml version="1.0" encoding="utf-8"?>
 <p:tagLst xmlns:p="http://schemas.openxmlformats.org/presentationml/2006/main">
   <p:tag name="KSO_WM_UNIT_ISCONTENTSTITLE" val="0"/>
   <p:tag name="KSO_WM_UNIT_PRESET_TEXT" val="品牌推广方案"/>
@@ -9150,7 +9179,7 @@
 </p:tagLst>
 </file>
 
-<file path=ppt/tags/tag149.xml><?xml version="1.0" encoding="utf-8"?>
+<file path=ppt/tags/tag137.xml><?xml version="1.0" encoding="utf-8"?>
 <p:tagLst xmlns:p="http://schemas.openxmlformats.org/presentationml/2006/main">
   <p:tag name="KSO_WM_UNIT_ISCONTENTSTITLE" val="0"/>
   <p:tag name="KSO_WM_UNIT_PRESET_TEXT" val="单击此处添加副标题"/>
@@ -9174,20 +9203,7 @@
 </p:tagLst>
 </file>
 
-<file path=ppt/tags/tag15.xml><?xml version="1.0" encoding="utf-8"?>
-<p:tagLst xmlns:p="http://schemas.openxmlformats.org/presentationml/2006/main">
-  <p:tag name="KSO_WM_UNIT_HIGHLIGHT" val="0"/>
-  <p:tag name="KSO_WM_UNIT_COMPATIBLE" val="0"/>
-  <p:tag name="KSO_WM_UNIT_DIAGRAM_ISNUMVISUAL" val="0"/>
-  <p:tag name="KSO_WM_UNIT_DIAGRAM_ISREFERUNIT" val="0"/>
-  <p:tag name="KSO_WM_UNIT_ID" val="_3**"/>
-  <p:tag name="KSO_WM_UNIT_LAYERLEVEL" val="1"/>
-  <p:tag name="KSO_WM_TAG_VERSION" val="1.0"/>
-  <p:tag name="KSO_WM_BEAUTIFY_FLAG" val="#wm#"/>
-</p:tagLst>
-</file>
-
-<file path=ppt/tags/tag150.xml><?xml version="1.0" encoding="utf-8"?>
+<file path=ppt/tags/tag138.xml><?xml version="1.0" encoding="utf-8"?>
 <p:tagLst xmlns:p="http://schemas.openxmlformats.org/presentationml/2006/main">
   <p:tag name="KSO_WM_BEAUTIFY_FLAG" val="#wm#"/>
   <p:tag name="KSO_WM_TEMPLATE_SUBCATEGORY" val="0"/>
@@ -9208,12 +9224,38 @@
 </p:tagLst>
 </file>
 
-<file path=ppt/tags/tag151.xml><?xml version="1.0" encoding="utf-8"?>
+<file path=ppt/tags/tag139.xml><?xml version="1.0" encoding="utf-8"?>
 <p:tagLst xmlns:p="http://schemas.openxmlformats.org/presentationml/2006/main">
   <p:tag name="commondata" val="eyJoZGlkIjoiOWYyM2EzMmI2OWUzNTBmNDRjMGJlNDc1OTM0OTE2NjcifQ=="/>
 </p:tagLst>
 </file>
 
+<file path=ppt/tags/tag14.xml><?xml version="1.0" encoding="utf-8"?>
+<p:tagLst xmlns:p="http://schemas.openxmlformats.org/presentationml/2006/main">
+  <p:tag name="KSO_WM_UNIT_HIGHLIGHT" val="0"/>
+  <p:tag name="KSO_WM_UNIT_COMPATIBLE" val="0"/>
+  <p:tag name="KSO_WM_UNIT_DIAGRAM_ISNUMVISUAL" val="0"/>
+  <p:tag name="KSO_WM_UNIT_DIAGRAM_ISREFERUNIT" val="0"/>
+  <p:tag name="KSO_WM_UNIT_ID" val="_3**"/>
+  <p:tag name="KSO_WM_UNIT_LAYERLEVEL" val="1"/>
+  <p:tag name="KSO_WM_TAG_VERSION" val="1.0"/>
+  <p:tag name="KSO_WM_BEAUTIFY_FLAG" val="#wm#"/>
+</p:tagLst>
+</file>
+
+<file path=ppt/tags/tag15.xml><?xml version="1.0" encoding="utf-8"?>
+<p:tagLst xmlns:p="http://schemas.openxmlformats.org/presentationml/2006/main">
+  <p:tag name="KSO_WM_UNIT_HIGHLIGHT" val="0"/>
+  <p:tag name="KSO_WM_UNIT_COMPATIBLE" val="0"/>
+  <p:tag name="KSO_WM_UNIT_DIAGRAM_ISNUMVISUAL" val="0"/>
+  <p:tag name="KSO_WM_UNIT_DIAGRAM_ISREFERUNIT" val="0"/>
+  <p:tag name="KSO_WM_UNIT_ID" val="_3**"/>
+  <p:tag name="KSO_WM_UNIT_LAYERLEVEL" val="1"/>
+  <p:tag name="KSO_WM_TAG_VERSION" val="1.0"/>
+  <p:tag name="KSO_WM_BEAUTIFY_FLAG" val="#wm#"/>
+</p:tagLst>
+</file>
+
 <file path=ppt/tags/tag16.xml><?xml version="1.0" encoding="utf-8"?>
 <p:tagLst xmlns:p="http://schemas.openxmlformats.org/presentationml/2006/main">
   <p:tag name="KSO_WM_UNIT_HIGHLIGHT" val="0"/>
@@ -9286,7 +9328,7 @@
   <p:tag name="KSO_WM_UNIT_COMPATIBLE" val="0"/>
   <p:tag name="KSO_WM_UNIT_DIAGRAM_ISNUMVISUAL" val="0"/>
   <p:tag name="KSO_WM_UNIT_DIAGRAM_ISREFERUNIT" val="0"/>
-  <p:tag name="KSO_WM_UNIT_ID" val="_3**"/>
+  <p:tag name="KSO_WM_UNIT_ID" val="_4**"/>
   <p:tag name="KSO_WM_UNIT_LAYERLEVEL" val="1"/>
   <p:tag name="KSO_WM_TAG_VERSION" val="1.0"/>
   <p:tag name="KSO_WM_BEAUTIFY_FLAG" val="#wm#"/>
@@ -9364,7 +9406,7 @@
   <p:tag name="KSO_WM_UNIT_COMPATIBLE" val="0"/>
   <p:tag name="KSO_WM_UNIT_DIAGRAM_ISNUMVISUAL" val="0"/>
   <p:tag name="KSO_WM_UNIT_DIAGRAM_ISREFERUNIT" val="0"/>
-  <p:tag name="KSO_WM_UNIT_ID" val="_4**"/>
+  <p:tag name="KSO_WM_UNIT_ID" val="_5**"/>
   <p:tag name="KSO_WM_UNIT_LAYERLEVEL" val="1"/>
   <p:tag name="KSO_WM_TAG_VERSION" val="1.0"/>
   <p:tag name="KSO_WM_BEAUTIFY_FLAG" val="#wm#"/>
@@ -9377,7 +9419,7 @@
   <p:tag name="KSO_WM_UNIT_COMPATIBLE" val="0"/>
   <p:tag name="KSO_WM_UNIT_DIAGRAM_ISNUMVISUAL" val="0"/>
   <p:tag name="KSO_WM_UNIT_DIAGRAM_ISREFERUNIT" val="0"/>
-  <p:tag name="KSO_WM_UNIT_ID" val="_4**"/>
+  <p:tag name="KSO_WM_UNIT_ID" val="_5**"/>
   <p:tag name="KSO_WM_UNIT_LAYERLEVEL" val="1"/>
   <p:tag name="KSO_WM_TAG_VERSION" val="1.0"/>
   <p:tag name="KSO_WM_BEAUTIFY_FLAG" val="#wm#"/>
@@ -9390,7 +9432,7 @@
   <p:tag name="KSO_WM_UNIT_COMPATIBLE" val="0"/>
   <p:tag name="KSO_WM_UNIT_DIAGRAM_ISNUMVISUAL" val="0"/>
   <p:tag name="KSO_WM_UNIT_DIAGRAM_ISREFERUNIT" val="0"/>
-  <p:tag name="KSO_WM_UNIT_ID" val="_4**"/>
+  <p:tag name="KSO_WM_UNIT_ID" val="_5**"/>
   <p:tag name="KSO_WM_UNIT_LAYERLEVEL" val="1"/>
   <p:tag name="KSO_WM_TAG_VERSION" val="1.0"/>
   <p:tag name="KSO_WM_BEAUTIFY_FLAG" val="#wm#"/>
@@ -9403,7 +9445,7 @@
   <p:tag name="KSO_WM_UNIT_COMPATIBLE" val="0"/>
   <p:tag name="KSO_WM_UNIT_DIAGRAM_ISNUMVISUAL" val="0"/>
   <p:tag name="KSO_WM_UNIT_DIAGRAM_ISREFERUNIT" val="0"/>
-  <p:tag name="KSO_WM_UNIT_ID" val="_4**"/>
+  <p:tag name="KSO_WM_UNIT_ID" val="_5**"/>
   <p:tag name="KSO_WM_UNIT_LAYERLEVEL" val="1"/>
   <p:tag name="KSO_WM_TAG_VERSION" val="1.0"/>
   <p:tag name="KSO_WM_BEAUTIFY_FLAG" val="#wm#"/>
@@ -9521,7 +9563,7 @@
   <p:tag name="KSO_WM_UNIT_COMPATIBLE" val="0"/>
   <p:tag name="KSO_WM_UNIT_DIAGRAM_ISNUMVISUAL" val="0"/>
   <p:tag name="KSO_WM_UNIT_DIAGRAM_ISREFERUNIT" val="0"/>
-  <p:tag name="KSO_WM_UNIT_ID" val="_5**"/>
+  <p:tag name="KSO_WM_UNIT_ID" val="_6**"/>
   <p:tag name="KSO_WM_UNIT_LAYERLEVEL" val="1"/>
   <p:tag name="KSO_WM_TAG_VERSION" val="1.0"/>
   <p:tag name="KSO_WM_BEAUTIFY_FLAG" val="#wm#"/>
@@ -9534,7 +9576,7 @@
   <p:tag name="KSO_WM_UNIT_COMPATIBLE" val="0"/>
   <p:tag name="KSO_WM_UNIT_DIAGRAM_ISNUMVISUAL" val="0"/>
   <p:tag name="KSO_WM_UNIT_DIAGRAM_ISREFERUNIT" val="0"/>
-  <p:tag name="KSO_WM_UNIT_ID" val="_5**"/>
+  <p:tag name="KSO_WM_UNIT_ID" val="_6**"/>
   <p:tag name="KSO_WM_UNIT_LAYERLEVEL" val="1"/>
   <p:tag name="KSO_WM_TAG_VERSION" val="1.0"/>
   <p:tag name="KSO_WM_BEAUTIFY_FLAG" val="#wm#"/>
@@ -9547,7 +9589,7 @@
   <p:tag name="KSO_WM_UNIT_COMPATIBLE" val="0"/>
   <p:tag name="KSO_WM_UNIT_DIAGRAM_ISNUMVISUAL" val="0"/>
   <p:tag name="KSO_WM_UNIT_DIAGRAM_ISREFERUNIT" val="0"/>
-  <p:tag name="KSO_WM_UNIT_ID" val="_5**"/>
+  <p:tag name="KSO_WM_UNIT_ID" val="_6**"/>
   <p:tag name="KSO_WM_UNIT_LAYERLEVEL" val="1"/>
   <p:tag name="KSO_WM_TAG_VERSION" val="1.0"/>
   <p:tag name="KSO_WM_BEAUTIFY_FLAG" val="#wm#"/>
@@ -9574,7 +9616,7 @@
   <p:tag name="KSO_WM_UNIT_COMPATIBLE" val="0"/>
   <p:tag name="KSO_WM_UNIT_DIAGRAM_ISNUMVISUAL" val="0"/>
   <p:tag name="KSO_WM_UNIT_DIAGRAM_ISREFERUNIT" val="0"/>
-  <p:tag name="KSO_WM_UNIT_ID" val="_5**"/>
+  <p:tag name="KSO_WM_UNIT_ID" val="_6**"/>
   <p:tag name="KSO_WM_UNIT_LAYERLEVEL" val="1"/>
   <p:tag name="KSO_WM_TAG_VERSION" val="1.0"/>
   <p:tag name="KSO_WM_BEAUTIFY_FLAG" val="#wm#"/>
@@ -9613,7 +9655,7 @@
   <p:tag name="KSO_WM_UNIT_COMPATIBLE" val="0"/>
   <p:tag name="KSO_WM_UNIT_DIAGRAM_ISNUMVISUAL" val="0"/>
   <p:tag name="KSO_WM_UNIT_DIAGRAM_ISREFERUNIT" val="0"/>
-  <p:tag name="KSO_WM_UNIT_ID" val="_6**"/>
+  <p:tag name="KSO_WM_UNIT_ID" val="_7**"/>
   <p:tag name="KSO_WM_UNIT_LAYERLEVEL" val="1"/>
   <p:tag name="KSO_WM_TAG_VERSION" val="1.0"/>
   <p:tag name="KSO_WM_BEAUTIFY_FLAG" val="#wm#"/>
@@ -9626,7 +9668,7 @@
   <p:tag name="KSO_WM_UNIT_COMPATIBLE" val="0"/>
   <p:tag name="KSO_WM_UNIT_DIAGRAM_ISNUMVISUAL" val="0"/>
   <p:tag name="KSO_WM_UNIT_DIAGRAM_ISREFERUNIT" val="0"/>
-  <p:tag name="KSO_WM_UNIT_ID" val="_6**"/>
+  <p:tag name="KSO_WM_UNIT_ID" val="_7**"/>
   <p:tag name="KSO_WM_UNIT_LAYERLEVEL" val="1"/>
   <p:tag name="KSO_WM_TAG_VERSION" val="1.0"/>
   <p:tag name="KSO_WM_BEAUTIFY_FLAG" val="#wm#"/>
@@ -9639,7 +9681,7 @@
   <p:tag name="KSO_WM_UNIT_COMPATIBLE" val="0"/>
   <p:tag name="KSO_WM_UNIT_DIAGRAM_ISNUMVISUAL" val="0"/>
   <p:tag name="KSO_WM_UNIT_DIAGRAM_ISREFERUNIT" val="0"/>
-  <p:tag name="KSO_WM_UNIT_ID" val="_6**"/>
+  <p:tag name="KSO_WM_UNIT_ID" val="_7**"/>
   <p:tag name="KSO_WM_UNIT_LAYERLEVEL" val="1"/>
   <p:tag name="KSO_WM_TAG_VERSION" val="1.0"/>
   <p:tag name="KSO_WM_BEAUTIFY_FLAG" val="#wm#"/>
@@ -9652,7 +9694,7 @@
   <p:tag name="KSO_WM_UNIT_COMPATIBLE" val="0"/>
   <p:tag name="KSO_WM_UNIT_DIAGRAM_ISNUMVISUAL" val="0"/>
   <p:tag name="KSO_WM_UNIT_DIAGRAM_ISREFERUNIT" val="0"/>
-  <p:tag name="KSO_WM_UNIT_ID" val="_6**"/>
+  <p:tag name="KSO_WM_UNIT_ID" val="_8**"/>
   <p:tag name="KSO_WM_UNIT_LAYERLEVEL" val="1"/>
   <p:tag name="KSO_WM_TAG_VERSION" val="1.0"/>
   <p:tag name="KSO_WM_BEAUTIFY_FLAG" val="#wm#"/>
@@ -9665,7 +9707,7 @@
   <p:tag name="KSO_WM_UNIT_COMPATIBLE" val="0"/>
   <p:tag name="KSO_WM_UNIT_DIAGRAM_ISNUMVISUAL" val="0"/>
   <p:tag name="KSO_WM_UNIT_DIAGRAM_ISREFERUNIT" val="0"/>
-  <p:tag name="KSO_WM_UNIT_ID" val="_6**"/>
+  <p:tag name="KSO_WM_UNIT_ID" val="_8**"/>
   <p:tag name="KSO_WM_UNIT_LAYERLEVEL" val="1"/>
   <p:tag name="KSO_WM_TAG_VERSION" val="1.0"/>
   <p:tag name="KSO_WM_BEAUTIFY_FLAG" val="#wm#"/>
@@ -9678,7 +9720,7 @@
   <p:tag name="KSO_WM_UNIT_COMPATIBLE" val="0"/>
   <p:tag name="KSO_WM_UNIT_DIAGRAM_ISNUMVISUAL" val="0"/>
   <p:tag name="KSO_WM_UNIT_DIAGRAM_ISREFERUNIT" val="0"/>
-  <p:tag name="KSO_WM_UNIT_ID" val="_7**"/>
+  <p:tag name="KSO_WM_UNIT_ID" val="_8**"/>
   <p:tag name="KSO_WM_UNIT_LAYERLEVEL" val="1"/>
   <p:tag name="KSO_WM_TAG_VERSION" val="1.0"/>
   <p:tag name="KSO_WM_BEAUTIFY_FLAG" val="#wm#"/>
@@ -9691,7 +9733,7 @@
   <p:tag name="KSO_WM_UNIT_COMPATIBLE" val="0"/>
   <p:tag name="KSO_WM_UNIT_DIAGRAM_ISNUMVISUAL" val="0"/>
   <p:tag name="KSO_WM_UNIT_DIAGRAM_ISREFERUNIT" val="0"/>
-  <p:tag name="KSO_WM_UNIT_ID" val="_7**"/>
+  <p:tag name="KSO_WM_UNIT_ID" val="_8**"/>
   <p:tag name="KSO_WM_UNIT_LAYERLEVEL" val="1"/>
   <p:tag name="KSO_WM_TAG_VERSION" val="1.0"/>
   <p:tag name="KSO_WM_BEAUTIFY_FLAG" val="#wm#"/>
@@ -9718,7 +9760,7 @@
   <p:tag name="KSO_WM_UNIT_COMPATIBLE" val="0"/>
   <p:tag name="KSO_WM_UNIT_DIAGRAM_ISNUMVISUAL" val="0"/>
   <p:tag name="KSO_WM_UNIT_DIAGRAM_ISREFERUNIT" val="0"/>
-  <p:tag name="KSO_WM_UNIT_ID" val="_7**"/>
+  <p:tag name="KSO_WM_UNIT_ID" val="_8**"/>
   <p:tag name="KSO_WM_UNIT_LAYERLEVEL" val="1"/>
   <p:tag name="KSO_WM_TAG_VERSION" val="1.0"/>
   <p:tag name="KSO_WM_BEAUTIFY_FLAG" val="#wm#"/>
@@ -9783,7 +9825,7 @@
   <p:tag name="KSO_WM_UNIT_COMPATIBLE" val="0"/>
   <p:tag name="KSO_WM_UNIT_DIAGRAM_ISNUMVISUAL" val="0"/>
   <p:tag name="KSO_WM_UNIT_DIAGRAM_ISREFERUNIT" val="0"/>
-  <p:tag name="KSO_WM_UNIT_ID" val="_8**"/>
+  <p:tag name="KSO_WM_UNIT_ID" val="_9**"/>
   <p:tag name="KSO_WM_UNIT_LAYERLEVEL" val="1"/>
   <p:tag name="KSO_WM_TAG_VERSION" val="1.0"/>
   <p:tag name="KSO_WM_BEAUTIFY_FLAG" val="#wm#"/>
@@ -9796,7 +9838,7 @@
   <p:tag name="KSO_WM_UNIT_COMPATIBLE" val="0"/>
   <p:tag name="KSO_WM_UNIT_DIAGRAM_ISNUMVISUAL" val="0"/>
   <p:tag name="KSO_WM_UNIT_DIAGRAM_ISREFERUNIT" val="0"/>
-  <p:tag name="KSO_WM_UNIT_ID" val="_8**"/>
+  <p:tag name="KSO_WM_UNIT_ID" val="_9**"/>
   <p:tag name="KSO_WM_UNIT_LAYERLEVEL" val="1"/>
   <p:tag name="KSO_WM_TAG_VERSION" val="1.0"/>
   <p:tag name="KSO_WM_BEAUTIFY_FLAG" val="#wm#"/>
@@ -9809,7 +9851,7 @@
   <p:tag name="KSO_WM_UNIT_COMPATIBLE" val="0"/>
   <p:tag name="KSO_WM_UNIT_DIAGRAM_ISNUMVISUAL" val="0"/>
   <p:tag name="KSO_WM_UNIT_DIAGRAM_ISREFERUNIT" val="0"/>
-  <p:tag name="KSO_WM_UNIT_ID" val="_8**"/>
+  <p:tag name="KSO_WM_UNIT_ID" val="_9**"/>
   <p:tag name="KSO_WM_UNIT_LAYERLEVEL" val="1"/>
   <p:tag name="KSO_WM_TAG_VERSION" val="1.0"/>
   <p:tag name="KSO_WM_BEAUTIFY_FLAG" val="#wm#"/>
@@ -9822,7 +9864,7 @@
   <p:tag name="KSO_WM_UNIT_COMPATIBLE" val="0"/>
   <p:tag name="KSO_WM_UNIT_DIAGRAM_ISNUMVISUAL" val="0"/>
   <p:tag name="KSO_WM_UNIT_DIAGRAM_ISREFERUNIT" val="0"/>
-  <p:tag name="KSO_WM_UNIT_ID" val="_8**"/>
+  <p:tag name="KSO_WM_UNIT_ID" val="_9**"/>
   <p:tag name="KSO_WM_UNIT_LAYERLEVEL" val="1"/>
   <p:tag name="KSO_WM_TAG_VERSION" val="1.0"/>
   <p:tag name="KSO_WM_BEAUTIFY_FLAG" val="#wm#"/>
@@ -9835,7 +9877,7 @@
   <p:tag name="KSO_WM_UNIT_COMPATIBLE" val="0"/>
   <p:tag name="KSO_WM_UNIT_DIAGRAM_ISNUMVISUAL" val="0"/>
   <p:tag name="KSO_WM_UNIT_DIAGRAM_ISREFERUNIT" val="0"/>
-  <p:tag name="KSO_WM_UNIT_ID" val="_8**"/>
+  <p:tag name="KSO_WM_UNIT_ID" val="_9**"/>
   <p:tag name="KSO_WM_UNIT_LAYERLEVEL" val="1"/>
   <p:tag name="KSO_WM_TAG_VERSION" val="1.0"/>
   <p:tag name="KSO_WM_BEAUTIFY_FLAG" val="#wm#"/>
@@ -9844,12 +9886,11 @@
 
 <file path=ppt/tags/tag6.xml><?xml version="1.0" encoding="utf-8"?>
 <p:tagLst xmlns:p="http://schemas.openxmlformats.org/presentationml/2006/main">
-  <p:tag name="KSO_WM_SLIDE_BACKGROUND_MASK_FLAG" val="1"/>
-  <p:tag name="KSO_WM_UNIT_HIGHLIGHT" val="0"/>
-  <p:tag name="KSO_WM_UNIT_COMPATIBLE" val="0"/>
-  <p:tag name="KSO_WM_UNIT_DIAGRAM_ISNUMVISUAL" val="0"/>
-  <p:tag name="KSO_WM_UNIT_DIAGRAM_ISREFERUNIT" val="0"/>
-  <p:tag name="KSO_WM_UNIT_ID" val="_1**"/>
+  <p:tag name="KSO_WM_UNIT_HIGHLIGHT" val="0"/>
+  <p:tag name="KSO_WM_UNIT_COMPATIBLE" val="0"/>
+  <p:tag name="KSO_WM_UNIT_DIAGRAM_ISNUMVISUAL" val="0"/>
+  <p:tag name="KSO_WM_UNIT_DIAGRAM_ISREFERUNIT" val="0"/>
+  <p:tag name="KSO_WM_UNIT_ID" val="_2**"/>
   <p:tag name="KSO_WM_UNIT_LAYERLEVEL" val="1"/>
   <p:tag name="KSO_WM_TAG_VERSION" val="1.0"/>
   <p:tag name="KSO_WM_BEAUTIFY_FLAG" val="#wm#"/>
@@ -9862,7 +9903,7 @@
   <p:tag name="KSO_WM_UNIT_COMPATIBLE" val="0"/>
   <p:tag name="KSO_WM_UNIT_DIAGRAM_ISNUMVISUAL" val="0"/>
   <p:tag name="KSO_WM_UNIT_DIAGRAM_ISREFERUNIT" val="0"/>
-  <p:tag name="KSO_WM_UNIT_ID" val="_9**"/>
+  <p:tag name="KSO_WM_UNIT_ID" val="_10**"/>
   <p:tag name="KSO_WM_UNIT_LAYERLEVEL" val="1"/>
   <p:tag name="KSO_WM_TAG_VERSION" val="1.0"/>
   <p:tag name="KSO_WM_BEAUTIFY_FLAG" val="#wm#"/>
@@ -9875,7 +9916,7 @@
   <p:tag name="KSO_WM_UNIT_COMPATIBLE" val="0"/>
   <p:tag name="KSO_WM_UNIT_DIAGRAM_ISNUMVISUAL" val="0"/>
   <p:tag name="KSO_WM_UNIT_DIAGRAM_ISREFERUNIT" val="0"/>
-  <p:tag name="KSO_WM_UNIT_ID" val="_9**"/>
+  <p:tag name="KSO_WM_UNIT_ID" val="_10**"/>
   <p:tag name="KSO_WM_UNIT_LAYERLEVEL" val="1"/>
   <p:tag name="KSO_WM_TAG_VERSION" val="1.0"/>
   <p:tag name="KSO_WM_BEAUTIFY_FLAG" val="#wm#"/>
@@ -9888,7 +9929,7 @@
   <p:tag name="KSO_WM_UNIT_COMPATIBLE" val="0"/>
   <p:tag name="KSO_WM_UNIT_DIAGRAM_ISNUMVISUAL" val="0"/>
   <p:tag name="KSO_WM_UNIT_DIAGRAM_ISREFERUNIT" val="0"/>
-  <p:tag name="KSO_WM_UNIT_ID" val="_9**"/>
+  <p:tag name="KSO_WM_UNIT_ID" val="_10**"/>
   <p:tag name="KSO_WM_UNIT_LAYERLEVEL" val="1"/>
   <p:tag name="KSO_WM_TAG_VERSION" val="1.0"/>
   <p:tag name="KSO_WM_BEAUTIFY_FLAG" val="#wm#"/>
@@ -9901,7 +9942,7 @@
   <p:tag name="KSO_WM_UNIT_COMPATIBLE" val="0"/>
   <p:tag name="KSO_WM_UNIT_DIAGRAM_ISNUMVISUAL" val="0"/>
   <p:tag name="KSO_WM_UNIT_DIAGRAM_ISREFERUNIT" val="0"/>
-  <p:tag name="KSO_WM_UNIT_ID" val="_9**"/>
+  <p:tag name="KSO_WM_UNIT_ID" val="_10**"/>
   <p:tag name="KSO_WM_UNIT_LAYERLEVEL" val="1"/>
   <p:tag name="KSO_WM_TAG_VERSION" val="1.0"/>
   <p:tag name="KSO_WM_BEAUTIFY_FLAG" val="#wm#"/>
@@ -9914,7 +9955,7 @@
   <p:tag name="KSO_WM_UNIT_COMPATIBLE" val="0"/>
   <p:tag name="KSO_WM_UNIT_DIAGRAM_ISNUMVISUAL" val="0"/>
   <p:tag name="KSO_WM_UNIT_DIAGRAM_ISREFERUNIT" val="0"/>
-  <p:tag name="KSO_WM_UNIT_ID" val="_9**"/>
+  <p:tag name="KSO_WM_UNIT_ID" val="_10**"/>
   <p:tag name="KSO_WM_UNIT_LAYERLEVEL" val="1"/>
   <p:tag name="KSO_WM_TAG_VERSION" val="1.0"/>
   <p:tag name="KSO_WM_BEAUTIFY_FLAG" val="#wm#"/>
@@ -9927,7 +9968,7 @@
   <p:tag name="KSO_WM_UNIT_COMPATIBLE" val="0"/>
   <p:tag name="KSO_WM_UNIT_DIAGRAM_ISNUMVISUAL" val="0"/>
   <p:tag name="KSO_WM_UNIT_DIAGRAM_ISREFERUNIT" val="0"/>
-  <p:tag name="KSO_WM_UNIT_ID" val="_9**"/>
+  <p:tag name="KSO_WM_UNIT_ID" val="_10**"/>
   <p:tag name="KSO_WM_UNIT_LAYERLEVEL" val="1"/>
   <p:tag name="KSO_WM_TAG_VERSION" val="1.0"/>
   <p:tag name="KSO_WM_BEAUTIFY_FLAG" val="#wm#"/>
@@ -9940,7 +9981,7 @@
   <p:tag name="KSO_WM_UNIT_COMPATIBLE" val="0"/>
   <p:tag name="KSO_WM_UNIT_DIAGRAM_ISNUMVISUAL" val="0"/>
   <p:tag name="KSO_WM_UNIT_DIAGRAM_ISREFERUNIT" val="0"/>
-  <p:tag name="KSO_WM_UNIT_ID" val="_9**"/>
+  <p:tag name="KSO_WM_UNIT_ID" val="_10**"/>
   <p:tag name="KSO_WM_UNIT_LAYERLEVEL" val="1"/>
   <p:tag name="KSO_WM_TAG_VERSION" val="1.0"/>
   <p:tag name="KSO_WM_BEAUTIFY_FLAG" val="#wm#"/>
@@ -9953,7 +9994,7 @@
   <p:tag name="KSO_WM_UNIT_COMPATIBLE" val="0"/>
   <p:tag name="KSO_WM_UNIT_DIAGRAM_ISNUMVISUAL" val="0"/>
   <p:tag name="KSO_WM_UNIT_DIAGRAM_ISREFERUNIT" val="0"/>
-  <p:tag name="KSO_WM_UNIT_ID" val="_9**"/>
+  <p:tag name="KSO_WM_UNIT_ID" val="_11**"/>
   <p:tag name="KSO_WM_UNIT_LAYERLEVEL" val="1"/>
   <p:tag name="KSO_WM_TAG_VERSION" val="1.0"/>
   <p:tag name="KSO_WM_BEAUTIFY_FLAG" val="#wm#"/>
@@ -9966,7 +10007,7 @@
   <p:tag name="KSO_WM_UNIT_COMPATIBLE" val="0"/>
   <p:tag name="KSO_WM_UNIT_DIAGRAM_ISNUMVISUAL" val="0"/>
   <p:tag name="KSO_WM_UNIT_DIAGRAM_ISREFERUNIT" val="0"/>
-  <p:tag name="KSO_WM_UNIT_ID" val="_10**"/>
+  <p:tag name="KSO_WM_UNIT_ID" val="_11**"/>
   <p:tag name="KSO_WM_UNIT_LAYERLEVEL" val="1"/>
   <p:tag name="KSO_WM_TAG_VERSION" val="1.0"/>
   <p:tag name="KSO_WM_BEAUTIFY_FLAG" val="#wm#"/>
@@ -9979,7 +10020,7 @@
   <p:tag name="KSO_WM_UNIT_COMPATIBLE" val="0"/>
   <p:tag name="KSO_WM_UNIT_DIAGRAM_ISNUMVISUAL" val="0"/>
   <p:tag name="KSO_WM_UNIT_DIAGRAM_ISREFERUNIT" val="0"/>
-  <p:tag name="KSO_WM_UNIT_ID" val="_10**"/>
+  <p:tag name="KSO_WM_UNIT_ID" val="_11**"/>
   <p:tag name="KSO_WM_UNIT_LAYERLEVEL" val="1"/>
   <p:tag name="KSO_WM_TAG_VERSION" val="1.0"/>
   <p:tag name="KSO_WM_BEAUTIFY_FLAG" val="#wm#"/>
@@ -10005,7 +10046,7 @@
   <p:tag name="KSO_WM_UNIT_COMPATIBLE" val="0"/>
   <p:tag name="KSO_WM_UNIT_DIAGRAM_ISNUMVISUAL" val="0"/>
   <p:tag name="KSO_WM_UNIT_DIAGRAM_ISREFERUNIT" val="0"/>
-  <p:tag name="KSO_WM_UNIT_ID" val="_10**"/>
+  <p:tag name="KSO_WM_UNIT_ID" val="_11**"/>
   <p:tag name="KSO_WM_UNIT_LAYERLEVEL" val="1"/>
   <p:tag name="KSO_WM_TAG_VERSION" val="1.0"/>
   <p:tag name="KSO_WM_BEAUTIFY_FLAG" val="#wm#"/>
@@ -10018,7 +10059,7 @@
   <p:tag name="KSO_WM_UNIT_COMPATIBLE" val="0"/>
   <p:tag name="KSO_WM_UNIT_DIAGRAM_ISNUMVISUAL" val="0"/>
   <p:tag name="KSO_WM_UNIT_DIAGRAM_ISREFERUNIT" val="0"/>
-  <p:tag name="KSO_WM_UNIT_ID" val="_10**"/>
+  <p:tag name="KSO_WM_UNIT_ID" val="_11**"/>
   <p:tag name="KSO_WM_UNIT_LAYERLEVEL" val="1"/>
   <p:tag name="KSO_WM_TAG_VERSION" val="1.0"/>
   <p:tag name="KSO_WM_BEAUTIFY_FLAG" val="#wm#"/>
@@ -10031,7 +10072,7 @@
   <p:tag name="KSO_WM_UNIT_COMPATIBLE" val="0"/>
   <p:tag name="KSO_WM_UNIT_DIAGRAM_ISNUMVISUAL" val="0"/>
   <p:tag name="KSO_WM_UNIT_DIAGRAM_ISREFERUNIT" val="0"/>
-  <p:tag name="KSO_WM_UNIT_ID" val="_10**"/>
+  <p:tag name="KSO_WM_UNIT_ID" val="_11**"/>
   <p:tag name="KSO_WM_UNIT_LAYERLEVEL" val="1"/>
   <p:tag name="KSO_WM_TAG_VERSION" val="1.0"/>
   <p:tag name="KSO_WM_BEAUTIFY_FLAG" val="#wm#"/>
@@ -10039,123 +10080,6 @@
 </file>
 
 <file path=ppt/tags/tag73.xml><?xml version="1.0" encoding="utf-8"?>
-<p:tagLst xmlns:p="http://schemas.openxmlformats.org/presentationml/2006/main">
-  <p:tag name="KSO_WM_UNIT_HIGHLIGHT" val="0"/>
-  <p:tag name="KSO_WM_UNIT_COMPATIBLE" val="0"/>
-  <p:tag name="KSO_WM_UNIT_DIAGRAM_ISNUMVISUAL" val="0"/>
-  <p:tag name="KSO_WM_UNIT_DIAGRAM_ISREFERUNIT" val="0"/>
-  <p:tag name="KSO_WM_UNIT_ID" val="_10**"/>
-  <p:tag name="KSO_WM_UNIT_LAYERLEVEL" val="1"/>
-  <p:tag name="KSO_WM_TAG_VERSION" val="1.0"/>
-  <p:tag name="KSO_WM_BEAUTIFY_FLAG" val="#wm#"/>
-</p:tagLst>
-</file>
-
-<file path=ppt/tags/tag74.xml><?xml version="1.0" encoding="utf-8"?>
-<p:tagLst xmlns:p="http://schemas.openxmlformats.org/presentationml/2006/main">
-  <p:tag name="KSO_WM_UNIT_HIGHLIGHT" val="0"/>
-  <p:tag name="KSO_WM_UNIT_COMPATIBLE" val="0"/>
-  <p:tag name="KSO_WM_UNIT_DIAGRAM_ISNUMVISUAL" val="0"/>
-  <p:tag name="KSO_WM_UNIT_DIAGRAM_ISREFERUNIT" val="0"/>
-  <p:tag name="KSO_WM_UNIT_ID" val="_10**"/>
-  <p:tag name="KSO_WM_UNIT_LAYERLEVEL" val="1"/>
-  <p:tag name="KSO_WM_TAG_VERSION" val="1.0"/>
-  <p:tag name="KSO_WM_BEAUTIFY_FLAG" val="#wm#"/>
-</p:tagLst>
-</file>
-
-<file path=ppt/tags/tag75.xml><?xml version="1.0" encoding="utf-8"?>
-<p:tagLst xmlns:p="http://schemas.openxmlformats.org/presentationml/2006/main">
-  <p:tag name="KSO_WM_UNIT_HIGHLIGHT" val="0"/>
-  <p:tag name="KSO_WM_UNIT_COMPATIBLE" val="0"/>
-  <p:tag name="KSO_WM_UNIT_DIAGRAM_ISNUMVISUAL" val="0"/>
-  <p:tag name="KSO_WM_UNIT_DIAGRAM_ISREFERUNIT" val="0"/>
-  <p:tag name="KSO_WM_UNIT_ID" val="_11**"/>
-  <p:tag name="KSO_WM_UNIT_LAYERLEVEL" val="1"/>
-  <p:tag name="KSO_WM_TAG_VERSION" val="1.0"/>
-  <p:tag name="KSO_WM_BEAUTIFY_FLAG" val="#wm#"/>
-</p:tagLst>
-</file>
-
-<file path=ppt/tags/tag76.xml><?xml version="1.0" encoding="utf-8"?>
-<p:tagLst xmlns:p="http://schemas.openxmlformats.org/presentationml/2006/main">
-  <p:tag name="KSO_WM_UNIT_HIGHLIGHT" val="0"/>
-  <p:tag name="KSO_WM_UNIT_COMPATIBLE" val="0"/>
-  <p:tag name="KSO_WM_UNIT_DIAGRAM_ISNUMVISUAL" val="0"/>
-  <p:tag name="KSO_WM_UNIT_DIAGRAM_ISREFERUNIT" val="0"/>
-  <p:tag name="KSO_WM_UNIT_ID" val="_11**"/>
-  <p:tag name="KSO_WM_UNIT_LAYERLEVEL" val="1"/>
-  <p:tag name="KSO_WM_TAG_VERSION" val="1.0"/>
-  <p:tag name="KSO_WM_BEAUTIFY_FLAG" val="#wm#"/>
-</p:tagLst>
-</file>
-
-<file path=ppt/tags/tag77.xml><?xml version="1.0" encoding="utf-8"?>
-<p:tagLst xmlns:p="http://schemas.openxmlformats.org/presentationml/2006/main">
-  <p:tag name="KSO_WM_UNIT_HIGHLIGHT" val="0"/>
-  <p:tag name="KSO_WM_UNIT_COMPATIBLE" val="0"/>
-  <p:tag name="KSO_WM_UNIT_DIAGRAM_ISNUMVISUAL" val="0"/>
-  <p:tag name="KSO_WM_UNIT_DIAGRAM_ISREFERUNIT" val="0"/>
-  <p:tag name="KSO_WM_UNIT_ID" val="_11**"/>
-  <p:tag name="KSO_WM_UNIT_LAYERLEVEL" val="1"/>
-  <p:tag name="KSO_WM_TAG_VERSION" val="1.0"/>
-  <p:tag name="KSO_WM_BEAUTIFY_FLAG" val="#wm#"/>
-</p:tagLst>
-</file>
-
-<file path=ppt/tags/tag78.xml><?xml version="1.0" encoding="utf-8"?>
-<p:tagLst xmlns:p="http://schemas.openxmlformats.org/presentationml/2006/main">
-  <p:tag name="KSO_WM_UNIT_HIGHLIGHT" val="0"/>
-  <p:tag name="KSO_WM_UNIT_COMPATIBLE" val="0"/>
-  <p:tag name="KSO_WM_UNIT_DIAGRAM_ISNUMVISUAL" val="0"/>
-  <p:tag name="KSO_WM_UNIT_DIAGRAM_ISREFERUNIT" val="0"/>
-  <p:tag name="KSO_WM_UNIT_ID" val="_11**"/>
-  <p:tag name="KSO_WM_UNIT_LAYERLEVEL" val="1"/>
-  <p:tag name="KSO_WM_TAG_VERSION" val="1.0"/>
-  <p:tag name="KSO_WM_BEAUTIFY_FLAG" val="#wm#"/>
-</p:tagLst>
-</file>
-
-<file path=ppt/tags/tag79.xml><?xml version="1.0" encoding="utf-8"?>
-<p:tagLst xmlns:p="http://schemas.openxmlformats.org/presentationml/2006/main">
-  <p:tag name="KSO_WM_UNIT_HIGHLIGHT" val="0"/>
-  <p:tag name="KSO_WM_UNIT_COMPATIBLE" val="0"/>
-  <p:tag name="KSO_WM_UNIT_DIAGRAM_ISNUMVISUAL" val="0"/>
-  <p:tag name="KSO_WM_UNIT_DIAGRAM_ISREFERUNIT" val="0"/>
-  <p:tag name="KSO_WM_UNIT_ID" val="_11**"/>
-  <p:tag name="KSO_WM_UNIT_LAYERLEVEL" val="1"/>
-  <p:tag name="KSO_WM_TAG_VERSION" val="1.0"/>
-  <p:tag name="KSO_WM_BEAUTIFY_FLAG" val="#wm#"/>
-</p:tagLst>
-</file>
-
-<file path=ppt/tags/tag8.xml><?xml version="1.0" encoding="utf-8"?>
-<p:tagLst xmlns:p="http://schemas.openxmlformats.org/presentationml/2006/main">
-  <p:tag name="KSO_WM_UNIT_HIGHLIGHT" val="0"/>
-  <p:tag name="KSO_WM_UNIT_COMPATIBLE" val="0"/>
-  <p:tag name="KSO_WM_UNIT_DIAGRAM_ISNUMVISUAL" val="0"/>
-  <p:tag name="KSO_WM_UNIT_DIAGRAM_ISREFERUNIT" val="0"/>
-  <p:tag name="KSO_WM_UNIT_ID" val="_2**"/>
-  <p:tag name="KSO_WM_UNIT_LAYERLEVEL" val="1"/>
-  <p:tag name="KSO_WM_TAG_VERSION" val="1.0"/>
-  <p:tag name="KSO_WM_BEAUTIFY_FLAG" val="#wm#"/>
-</p:tagLst>
-</file>
-
-<file path=ppt/tags/tag80.xml><?xml version="1.0" encoding="utf-8"?>
-<p:tagLst xmlns:p="http://schemas.openxmlformats.org/presentationml/2006/main">
-  <p:tag name="KSO_WM_UNIT_HIGHLIGHT" val="0"/>
-  <p:tag name="KSO_WM_UNIT_COMPATIBLE" val="0"/>
-  <p:tag name="KSO_WM_UNIT_DIAGRAM_ISNUMVISUAL" val="0"/>
-  <p:tag name="KSO_WM_UNIT_DIAGRAM_ISREFERUNIT" val="0"/>
-  <p:tag name="KSO_WM_UNIT_ID" val="_11**"/>
-  <p:tag name="KSO_WM_UNIT_LAYERLEVEL" val="1"/>
-  <p:tag name="KSO_WM_TAG_VERSION" val="1.0"/>
-  <p:tag name="KSO_WM_BEAUTIFY_FLAG" val="#wm#"/>
-</p:tagLst>
-</file>
-
-<file path=ppt/tags/tag81.xml><?xml version="1.0" encoding="utf-8"?>
 <p:tagLst xmlns:p="http://schemas.openxmlformats.org/presentationml/2006/main">
   <p:tag name="KSO_WM_SLIDE_BACKGROUND_TYPE" val="general"/>
   <p:tag name="KSO_WM_SLIDE_BK_DARK_LIGHT" val="2"/>
@@ -10170,7 +10094,7 @@
 </p:tagLst>
 </file>
 
-<file path=ppt/tags/tag82.xml><?xml version="1.0" encoding="utf-8"?>
+<file path=ppt/tags/tag74.xml><?xml version="1.0" encoding="utf-8"?>
 <p:tagLst xmlns:p="http://schemas.openxmlformats.org/presentationml/2006/main">
   <p:tag name="KSO_WM_SLIDE_BACKGROUND_TYPE" val="general"/>
   <p:tag name="KSO_WM_SLIDE_BK_DARK_LIGHT" val="2"/>
@@ -10185,7 +10109,7 @@
 </p:tagLst>
 </file>
 
-<file path=ppt/tags/tag83.xml><?xml version="1.0" encoding="utf-8"?>
+<file path=ppt/tags/tag75.xml><?xml version="1.0" encoding="utf-8"?>
 <p:tagLst xmlns:p="http://schemas.openxmlformats.org/presentationml/2006/main">
   <p:tag name="KSO_WM_UNIT_HIGHLIGHT" val="0"/>
   <p:tag name="KSO_WM_UNIT_COMPATIBLE" val="0"/>
@@ -10200,7 +10124,7 @@
 </p:tagLst>
 </file>
 
-<file path=ppt/tags/tag84.xml><?xml version="1.0" encoding="utf-8"?>
+<file path=ppt/tags/tag76.xml><?xml version="1.0" encoding="utf-8"?>
 <p:tagLst xmlns:p="http://schemas.openxmlformats.org/presentationml/2006/main">
   <p:tag name="KSO_WM_UNIT_HIGHLIGHT" val="0"/>
   <p:tag name="KSO_WM_UNIT_COMPATIBLE" val="0"/>
@@ -10215,7 +10139,7 @@
 </p:tagLst>
 </file>
 
-<file path=ppt/tags/tag85.xml><?xml version="1.0" encoding="utf-8"?>
+<file path=ppt/tags/tag77.xml><?xml version="1.0" encoding="utf-8"?>
 <p:tagLst xmlns:p="http://schemas.openxmlformats.org/presentationml/2006/main">
   <p:tag name="KSO_WM_UNIT_HIGHLIGHT" val="0"/>
   <p:tag name="KSO_WM_UNIT_COMPATIBLE" val="0"/>
@@ -10230,7 +10154,7 @@
 </p:tagLst>
 </file>
 
-<file path=ppt/tags/tag86.xml><?xml version="1.0" encoding="utf-8"?>
+<file path=ppt/tags/tag78.xml><?xml version="1.0" encoding="utf-8"?>
 <p:tagLst xmlns:p="http://schemas.openxmlformats.org/presentationml/2006/main">
   <p:tag name="KSO_WM_UNIT_HIGHLIGHT" val="0"/>
   <p:tag name="KSO_WM_UNIT_COMPATIBLE" val="0"/>
@@ -10245,7 +10169,7 @@
 </p:tagLst>
 </file>
 
-<file path=ppt/tags/tag87.xml><?xml version="1.0" encoding="utf-8"?>
+<file path=ppt/tags/tag79.xml><?xml version="1.0" encoding="utf-8"?>
 <p:tagLst xmlns:p="http://schemas.openxmlformats.org/presentationml/2006/main">
   <p:tag name="KSO_WM_UNIT_TYPE" val="i"/>
   <p:tag name="KSO_WM_UNIT_SUBTYPE" val="h"/>
@@ -10264,7 +10188,20 @@
 </p:tagLst>
 </file>
 
-<file path=ppt/tags/tag88.xml><?xml version="1.0" encoding="utf-8"?>
+<file path=ppt/tags/tag8.xml><?xml version="1.0" encoding="utf-8"?>
+<p:tagLst xmlns:p="http://schemas.openxmlformats.org/presentationml/2006/main">
+  <p:tag name="KSO_WM_UNIT_HIGHLIGHT" val="0"/>
+  <p:tag name="KSO_WM_UNIT_COMPATIBLE" val="0"/>
+  <p:tag name="KSO_WM_UNIT_DIAGRAM_ISNUMVISUAL" val="0"/>
+  <p:tag name="KSO_WM_UNIT_DIAGRAM_ISREFERUNIT" val="0"/>
+  <p:tag name="KSO_WM_UNIT_ID" val="_2**"/>
+  <p:tag name="KSO_WM_UNIT_LAYERLEVEL" val="1"/>
+  <p:tag name="KSO_WM_TAG_VERSION" val="1.0"/>
+  <p:tag name="KSO_WM_BEAUTIFY_FLAG" val="#wm#"/>
+</p:tagLst>
+</file>
+
+<file path=ppt/tags/tag80.xml><?xml version="1.0" encoding="utf-8"?>
 <p:tagLst xmlns:p="http://schemas.openxmlformats.org/presentationml/2006/main">
   <p:tag name="KSO_WM_SLIDE_BACKGROUND_TYPE" val="frame"/>
   <p:tag name="KSO_WM_SLIDE_BK_DARK_LIGHT" val="2"/>
@@ -10279,7 +10216,7 @@
 </p:tagLst>
 </file>
 
-<file path=ppt/tags/tag89.xml><?xml version="1.0" encoding="utf-8"?>
+<file path=ppt/tags/tag81.xml><?xml version="1.0" encoding="utf-8"?>
 <p:tagLst xmlns:p="http://schemas.openxmlformats.org/presentationml/2006/main">
   <p:tag name="KSO_WM_SLIDE_BACKGROUND_TYPE" val="frame"/>
   <p:tag name="KSO_WM_SLIDE_BK_DARK_LIGHT" val="2"/>
@@ -10294,20 +10231,7 @@
 </p:tagLst>
 </file>
 
-<file path=ppt/tags/tag9.xml><?xml version="1.0" encoding="utf-8"?>
-<p:tagLst xmlns:p="http://schemas.openxmlformats.org/presentationml/2006/main">
-  <p:tag name="KSO_WM_UNIT_HIGHLIGHT" val="0"/>
-  <p:tag name="KSO_WM_UNIT_COMPATIBLE" val="0"/>
-  <p:tag name="KSO_WM_UNIT_DIAGRAM_ISNUMVISUAL" val="0"/>
-  <p:tag name="KSO_WM_UNIT_DIAGRAM_ISREFERUNIT" val="0"/>
-  <p:tag name="KSO_WM_UNIT_ID" val="_2**"/>
-  <p:tag name="KSO_WM_UNIT_LAYERLEVEL" val="1"/>
-  <p:tag name="KSO_WM_TAG_VERSION" val="1.0"/>
-  <p:tag name="KSO_WM_BEAUTIFY_FLAG" val="#wm#"/>
-</p:tagLst>
-</file>
-
-<file path=ppt/tags/tag90.xml><?xml version="1.0" encoding="utf-8"?>
+<file path=ppt/tags/tag82.xml><?xml version="1.0" encoding="utf-8"?>
 <p:tagLst xmlns:p="http://schemas.openxmlformats.org/presentationml/2006/main">
   <p:tag name="KSO_WM_UNIT_HIGHLIGHT" val="0"/>
   <p:tag name="KSO_WM_UNIT_COMPATIBLE" val="0"/>
@@ -10322,7 +10246,7 @@
 </p:tagLst>
 </file>
 
-<file path=ppt/tags/tag91.xml><?xml version="1.0" encoding="utf-8"?>
+<file path=ppt/tags/tag83.xml><?xml version="1.0" encoding="utf-8"?>
 <p:tagLst xmlns:p="http://schemas.openxmlformats.org/presentationml/2006/main">
   <p:tag name="KSO_WM_UNIT_HIGHLIGHT" val="0"/>
   <p:tag name="KSO_WM_UNIT_COMPATIBLE" val="0"/>
@@ -10337,7 +10261,7 @@
 </p:tagLst>
 </file>
 
-<file path=ppt/tags/tag92.xml><?xml version="1.0" encoding="utf-8"?>
+<file path=ppt/tags/tag84.xml><?xml version="1.0" encoding="utf-8"?>
 <p:tagLst xmlns:p="http://schemas.openxmlformats.org/presentationml/2006/main">
   <p:tag name="KSO_WM_UNIT_HIGHLIGHT" val="0"/>
   <p:tag name="KSO_WM_UNIT_COMPATIBLE" val="0"/>
@@ -10352,7 +10276,7 @@
 </p:tagLst>
 </file>
 
-<file path=ppt/tags/tag93.xml><?xml version="1.0" encoding="utf-8"?>
+<file path=ppt/tags/tag85.xml><?xml version="1.0" encoding="utf-8"?>
 <p:tagLst xmlns:p="http://schemas.openxmlformats.org/presentationml/2006/main">
   <p:tag name="KSO_WM_UNIT_HIGHLIGHT" val="0"/>
   <p:tag name="KSO_WM_UNIT_COMPATIBLE" val="0"/>
@@ -10367,7 +10291,7 @@
 </p:tagLst>
 </file>
 
-<file path=ppt/tags/tag94.xml><?xml version="1.0" encoding="utf-8"?>
+<file path=ppt/tags/tag86.xml><?xml version="1.0" encoding="utf-8"?>
 <p:tagLst xmlns:p="http://schemas.openxmlformats.org/presentationml/2006/main">
   <p:tag name="KSO_WM_UNIT_HIGHLIGHT" val="0"/>
   <p:tag name="KSO_WM_UNIT_COMPATIBLE" val="0"/>
@@ -10382,7 +10306,7 @@
 </p:tagLst>
 </file>
 
-<file path=ppt/tags/tag95.xml><?xml version="1.0" encoding="utf-8"?>
+<file path=ppt/tags/tag87.xml><?xml version="1.0" encoding="utf-8"?>
 <p:tagLst xmlns:p="http://schemas.openxmlformats.org/presentationml/2006/main">
   <p:tag name="KSO_WM_UNIT_TYPE" val="i"/>
   <p:tag name="KSO_WM_UNIT_SUBTYPE" val="h"/>
@@ -10401,7 +10325,7 @@
 </p:tagLst>
 </file>
 
-<file path=ppt/tags/tag96.xml><?xml version="1.0" encoding="utf-8"?>
+<file path=ppt/tags/tag88.xml><?xml version="1.0" encoding="utf-8"?>
 <p:tagLst xmlns:p="http://schemas.openxmlformats.org/presentationml/2006/main">
   <p:tag name="KSO_WM_SLIDE_BACKGROUND_TYPE" val="leftRight"/>
   <p:tag name="KSO_WM_SLIDE_BK_DARK_LIGHT" val="2"/>
@@ -10416,7 +10340,7 @@
 </p:tagLst>
 </file>
 
-<file path=ppt/tags/tag97.xml><?xml version="1.0" encoding="utf-8"?>
+<file path=ppt/tags/tag89.xml><?xml version="1.0" encoding="utf-8"?>
 <p:tagLst xmlns:p="http://schemas.openxmlformats.org/presentationml/2006/main">
   <p:tag name="KSO_WM_UNIT_HIGHLIGHT" val="0"/>
   <p:tag name="KSO_WM_UNIT_COMPATIBLE" val="0"/>
@@ -10431,7 +10355,20 @@
 </p:tagLst>
 </file>
 
-<file path=ppt/tags/tag98.xml><?xml version="1.0" encoding="utf-8"?>
+<file path=ppt/tags/tag9.xml><?xml version="1.0" encoding="utf-8"?>
+<p:tagLst xmlns:p="http://schemas.openxmlformats.org/presentationml/2006/main">
+  <p:tag name="KSO_WM_UNIT_HIGHLIGHT" val="0"/>
+  <p:tag name="KSO_WM_UNIT_COMPATIBLE" val="0"/>
+  <p:tag name="KSO_WM_UNIT_DIAGRAM_ISNUMVISUAL" val="0"/>
+  <p:tag name="KSO_WM_UNIT_DIAGRAM_ISREFERUNIT" val="0"/>
+  <p:tag name="KSO_WM_UNIT_ID" val="_2**"/>
+  <p:tag name="KSO_WM_UNIT_LAYERLEVEL" val="1"/>
+  <p:tag name="KSO_WM_TAG_VERSION" val="1.0"/>
+  <p:tag name="KSO_WM_BEAUTIFY_FLAG" val="#wm#"/>
+</p:tagLst>
+</file>
+
+<file path=ppt/tags/tag90.xml><?xml version="1.0" encoding="utf-8"?>
 <p:tagLst xmlns:p="http://schemas.openxmlformats.org/presentationml/2006/main">
   <p:tag name="KSO_WM_UNIT_HIGHLIGHT" val="0"/>
   <p:tag name="KSO_WM_UNIT_COMPATIBLE" val="0"/>
@@ -10446,17 +10383,141 @@
 </p:tagLst>
 </file>
 
+<file path=ppt/tags/tag91.xml><?xml version="1.0" encoding="utf-8"?>
+<p:tagLst xmlns:p="http://schemas.openxmlformats.org/presentationml/2006/main">
+  <p:tag name="KSO_WM_UNIT_HIGHLIGHT" val="0"/>
+  <p:tag name="KSO_WM_UNIT_COMPATIBLE" val="0"/>
+  <p:tag name="KSO_WM_UNIT_DIAGRAM_ISNUMVISUAL" val="0"/>
+  <p:tag name="KSO_WM_UNIT_DIAGRAM_ISREFERUNIT" val="0"/>
+  <p:tag name="KSO_WM_UNIT_ID" val="_14**"/>
+  <p:tag name="KSO_WM_UNIT_LAYERLEVEL" val="1"/>
+  <p:tag name="KSO_WM_TAG_VERSION" val="1.0"/>
+  <p:tag name="KSO_WM_BEAUTIFY_FLAG" val="#wm#"/>
+  <p:tag name="KSO_WM_SLIDE_BACKGROUND_TYPE" val="leftRight"/>
+  <p:tag name="KSO_WM_SLIDE_BK_DARK_LIGHT" val="2"/>
+</p:tagLst>
+</file>
+
+<file path=ppt/tags/tag92.xml><?xml version="1.0" encoding="utf-8"?>
+<p:tagLst xmlns:p="http://schemas.openxmlformats.org/presentationml/2006/main">
+  <p:tag name="KSO_WM_UNIT_HIGHLIGHT" val="0"/>
+  <p:tag name="KSO_WM_UNIT_COMPATIBLE" val="0"/>
+  <p:tag name="KSO_WM_UNIT_DIAGRAM_ISNUMVISUAL" val="0"/>
+  <p:tag name="KSO_WM_UNIT_DIAGRAM_ISREFERUNIT" val="0"/>
+  <p:tag name="KSO_WM_UNIT_ID" val="_14**"/>
+  <p:tag name="KSO_WM_UNIT_LAYERLEVEL" val="1"/>
+  <p:tag name="KSO_WM_TAG_VERSION" val="1.0"/>
+  <p:tag name="KSO_WM_BEAUTIFY_FLAG" val="#wm#"/>
+  <p:tag name="KSO_WM_SLIDE_BACKGROUND_TYPE" val="leftRight"/>
+  <p:tag name="KSO_WM_SLIDE_BK_DARK_LIGHT" val="2"/>
+</p:tagLst>
+</file>
+
+<file path=ppt/tags/tag93.xml><?xml version="1.0" encoding="utf-8"?>
+<p:tagLst xmlns:p="http://schemas.openxmlformats.org/presentationml/2006/main">
+  <p:tag name="KSO_WM_UNIT_HIGHLIGHT" val="0"/>
+  <p:tag name="KSO_WM_UNIT_COMPATIBLE" val="0"/>
+  <p:tag name="KSO_WM_UNIT_DIAGRAM_ISNUMVISUAL" val="0"/>
+  <p:tag name="KSO_WM_UNIT_DIAGRAM_ISREFERUNIT" val="0"/>
+  <p:tag name="KSO_WM_UNIT_ID" val="_14**"/>
+  <p:tag name="KSO_WM_UNIT_LAYERLEVEL" val="1"/>
+  <p:tag name="KSO_WM_TAG_VERSION" val="1.0"/>
+  <p:tag name="KSO_WM_BEAUTIFY_FLAG" val="#wm#"/>
+  <p:tag name="KSO_WM_SLIDE_BACKGROUND_TYPE" val="leftRight"/>
+  <p:tag name="KSO_WM_SLIDE_BK_DARK_LIGHT" val="2"/>
+</p:tagLst>
+</file>
+
+<file path=ppt/tags/tag94.xml><?xml version="1.0" encoding="utf-8"?>
+<p:tagLst xmlns:p="http://schemas.openxmlformats.org/presentationml/2006/main">
+  <p:tag name="KSO_WM_UNIT_HIGHLIGHT" val="0"/>
+  <p:tag name="KSO_WM_UNIT_COMPATIBLE" val="0"/>
+  <p:tag name="KSO_WM_UNIT_DIAGRAM_ISNUMVISUAL" val="0"/>
+  <p:tag name="KSO_WM_UNIT_DIAGRAM_ISREFERUNIT" val="0"/>
+  <p:tag name="KSO_WM_UNIT_ID" val="_14**"/>
+  <p:tag name="KSO_WM_UNIT_LAYERLEVEL" val="1"/>
+  <p:tag name="KSO_WM_TAG_VERSION" val="1.0"/>
+  <p:tag name="KSO_WM_BEAUTIFY_FLAG" val="#wm#"/>
+  <p:tag name="KSO_WM_SLIDE_BACKGROUND_TYPE" val="leftRight"/>
+  <p:tag name="KSO_WM_SLIDE_BK_DARK_LIGHT" val="2"/>
+</p:tagLst>
+</file>
+
+<file path=ppt/tags/tag95.xml><?xml version="1.0" encoding="utf-8"?>
+<p:tagLst xmlns:p="http://schemas.openxmlformats.org/presentationml/2006/main">
+  <p:tag name="KSO_WM_UNIT_TYPE" val="i"/>
+  <p:tag name="KSO_WM_UNIT_SUBTYPE" val="h"/>
+  <p:tag name="KSO_WM_SLIDE_BACKGROUND_TYPE" val="topBottom"/>
+  <p:tag name="KSO_WM_SLIDE_BK_DARK_LIGHT" val="2"/>
+  <p:tag name="KSO_WM_UNIT_HIGHLIGHT" val="0"/>
+  <p:tag name="KSO_WM_UNIT_COMPATIBLE" val="0"/>
+  <p:tag name="KSO_WM_UNIT_DIAGRAM_ISNUMVISUAL" val="0"/>
+  <p:tag name="KSO_WM_UNIT_DIAGRAM_ISREFERUNIT" val="0"/>
+  <p:tag name="KSO_WM_UNIT_INDEX" val="0"/>
+  <p:tag name="KSO_WM_UNIT_ID" val="_15*i*0"/>
+  <p:tag name="KSO_WM_UNIT_BK_DARK_LIGHT" val="2"/>
+  <p:tag name="KSO_WM_UNIT_LAYERLEVEL" val="1"/>
+  <p:tag name="KSO_WM_TAG_VERSION" val="1.0"/>
+  <p:tag name="KSO_WM_BEAUTIFY_FLAG" val="#wm#"/>
+</p:tagLst>
+</file>
+
+<file path=ppt/tags/tag96.xml><?xml version="1.0" encoding="utf-8"?>
+<p:tagLst xmlns:p="http://schemas.openxmlformats.org/presentationml/2006/main">
+  <p:tag name="KSO_WM_SLIDE_BACKGROUND_TYPE" val="topBottom"/>
+  <p:tag name="KSO_WM_SLIDE_BK_DARK_LIGHT" val="2"/>
+  <p:tag name="KSO_WM_UNIT_HIGHLIGHT" val="0"/>
+  <p:tag name="KSO_WM_UNIT_COMPATIBLE" val="0"/>
+  <p:tag name="KSO_WM_UNIT_DIAGRAM_ISNUMVISUAL" val="0"/>
+  <p:tag name="KSO_WM_UNIT_DIAGRAM_ISREFERUNIT" val="0"/>
+  <p:tag name="KSO_WM_UNIT_ID" val="_15**"/>
+  <p:tag name="KSO_WM_UNIT_LAYERLEVEL" val="1"/>
+  <p:tag name="KSO_WM_TAG_VERSION" val="1.0"/>
+  <p:tag name="KSO_WM_BEAUTIFY_FLAG" val="#wm#"/>
+</p:tagLst>
+</file>
+
+<file path=ppt/tags/tag97.xml><?xml version="1.0" encoding="utf-8"?>
+<p:tagLst xmlns:p="http://schemas.openxmlformats.org/presentationml/2006/main">
+  <p:tag name="KSO_WM_UNIT_HIGHLIGHT" val="0"/>
+  <p:tag name="KSO_WM_UNIT_COMPATIBLE" val="0"/>
+  <p:tag name="KSO_WM_UNIT_DIAGRAM_ISNUMVISUAL" val="0"/>
+  <p:tag name="KSO_WM_UNIT_DIAGRAM_ISREFERUNIT" val="0"/>
+  <p:tag name="KSO_WM_UNIT_ID" val="_15**"/>
+  <p:tag name="KSO_WM_UNIT_LAYERLEVEL" val="1"/>
+  <p:tag name="KSO_WM_TAG_VERSION" val="1.0"/>
+  <p:tag name="KSO_WM_BEAUTIFY_FLAG" val="#wm#"/>
+  <p:tag name="KSO_WM_SLIDE_BACKGROUND_TYPE" val="topBottom"/>
+  <p:tag name="KSO_WM_SLIDE_BK_DARK_LIGHT" val="2"/>
+</p:tagLst>
+</file>
+
+<file path=ppt/tags/tag98.xml><?xml version="1.0" encoding="utf-8"?>
+<p:tagLst xmlns:p="http://schemas.openxmlformats.org/presentationml/2006/main">
+  <p:tag name="KSO_WM_UNIT_HIGHLIGHT" val="0"/>
+  <p:tag name="KSO_WM_UNIT_COMPATIBLE" val="0"/>
+  <p:tag name="KSO_WM_UNIT_DIAGRAM_ISNUMVISUAL" val="0"/>
+  <p:tag name="KSO_WM_UNIT_DIAGRAM_ISREFERUNIT" val="0"/>
+  <p:tag name="KSO_WM_UNIT_ID" val="_15**"/>
+  <p:tag name="KSO_WM_UNIT_LAYERLEVEL" val="1"/>
+  <p:tag name="KSO_WM_TAG_VERSION" val="1.0"/>
+  <p:tag name="KSO_WM_BEAUTIFY_FLAG" val="#wm#"/>
+  <p:tag name="KSO_WM_SLIDE_BACKGROUND_TYPE" val="topBottom"/>
+  <p:tag name="KSO_WM_SLIDE_BK_DARK_LIGHT" val="2"/>
+</p:tagLst>
+</file>
+
 <file path=ppt/tags/tag99.xml><?xml version="1.0" encoding="utf-8"?>
 <p:tagLst xmlns:p="http://schemas.openxmlformats.org/presentationml/2006/main">
   <p:tag name="KSO_WM_UNIT_HIGHLIGHT" val="0"/>
   <p:tag name="KSO_WM_UNIT_COMPATIBLE" val="0"/>
   <p:tag name="KSO_WM_UNIT_DIAGRAM_ISNUMVISUAL" val="0"/>
   <p:tag name="KSO_WM_UNIT_DIAGRAM_ISREFERUNIT" val="0"/>
-  <p:tag name="KSO_WM_UNIT_ID" val="_14**"/>
-  <p:tag name="KSO_WM_UNIT_LAYERLEVEL" val="1"/>
-  <p:tag name="KSO_WM_TAG_VERSION" val="1.0"/>
-  <p:tag name="KSO_WM_BEAUTIFY_FLAG" val="#wm#"/>
-  <p:tag name="KSO_WM_SLIDE_BACKGROUND_TYPE" val="leftRight"/>
+  <p:tag name="KSO_WM_UNIT_ID" val="_15**"/>
+  <p:tag name="KSO_WM_UNIT_LAYERLEVEL" val="1"/>
+  <p:tag name="KSO_WM_TAG_VERSION" val="1.0"/>
+  <p:tag name="KSO_WM_BEAUTIFY_FLAG" val="#wm#"/>
+  <p:tag name="KSO_WM_SLIDE_BACKGROUND_TYPE" val="topBottom"/>
   <p:tag name="KSO_WM_SLIDE_BK_DARK_LIGHT" val="2"/>
 </p:tagLst>
 </file>
